--- a/RenewAgra-presentation.pptx
+++ b/RenewAgra-presentation.pptx
@@ -2,7 +2,7 @@
 <file path=ppt/presentation.xml><?xml version="1.0" encoding="utf-8"?>
 <p:presentation xmlns:a="http://schemas.openxmlformats.org/drawingml/2006/main" xmlns:r="http://schemas.openxmlformats.org/officeDocument/2006/relationships" xmlns:p="http://schemas.openxmlformats.org/presentationml/2006/main">
   <p:sldMasterIdLst>
-    <p:sldMasterId id="2147483864" r:id="rId1"/>
+    <p:sldMasterId id="2147483924" r:id="rId1"/>
   </p:sldMasterIdLst>
   <p:notesMasterIdLst>
     <p:notesMasterId r:id="rId33"/>
@@ -608,7 +608,7 @@
 </file>
 
 <file path=ppt/slideLayouts/slideLayout1.xml><?xml version="1.0" encoding="utf-8"?>
-<p:sldLayout xmlns:a="http://schemas.openxmlformats.org/drawingml/2006/main" xmlns:r="http://schemas.openxmlformats.org/officeDocument/2006/relationships" xmlns:p="http://schemas.openxmlformats.org/presentationml/2006/main" type="title" preserve="1">
+<p:sldLayout xmlns:a="http://schemas.openxmlformats.org/drawingml/2006/main" xmlns:r="http://schemas.openxmlformats.org/officeDocument/2006/relationships" xmlns:p="http://schemas.openxmlformats.org/presentationml/2006/main" showMasterSp="0" type="title" preserve="1">
   <p:cSld name="Title Slide">
     <p:spTree>
       <p:nvGrpSpPr>
@@ -626,28 +626,151 @@
       </p:grpSpPr>
       <p:sp>
         <p:nvSpPr>
-          <p:cNvPr id="9" name="Subtitle 8"/>
-          <p:cNvSpPr>
-            <a:spLocks noGrp="1"/>
-          </p:cNvSpPr>
-          <p:nvPr>
-            <p:ph type="subTitle" idx="1"/>
-          </p:nvPr>
+          <p:cNvPr id="10" name="Right Triangle 9"/>
+          <p:cNvSpPr/>
+          <p:nvPr/>
         </p:nvSpPr>
         <p:spPr>
           <a:xfrm>
-            <a:off x="609600" y="3699804"/>
-            <a:ext cx="11074400" cy="1143000"/>
+            <a:off x="-2" y="4664147"/>
+            <a:ext cx="12201452" cy="0"/>
+          </a:xfrm>
+          <a:prstGeom prst="rtTriangle">
+            <a:avLst/>
+          </a:prstGeom>
+          <a:gradFill flip="none" rotWithShape="1">
+            <a:gsLst>
+              <a:gs pos="0">
+                <a:schemeClr val="accent1">
+                  <a:shade val="35000"/>
+                  <a:satMod val="170000"/>
+                  <a:alpha val="100000"/>
+                </a:schemeClr>
+              </a:gs>
+              <a:gs pos="55000">
+                <a:schemeClr val="accent1">
+                  <a:tint val="90000"/>
+                  <a:satMod val="150000"/>
+                  <a:alpha val="100000"/>
+                </a:schemeClr>
+              </a:gs>
+              <a:gs pos="100000">
+                <a:schemeClr val="accent1">
+                  <a:shade val="35000"/>
+                  <a:satMod val="170000"/>
+                  <a:alpha val="100000"/>
+                </a:schemeClr>
+              </a:gs>
+            </a:gsLst>
+            <a:lin ang="3000000" scaled="1"/>
+            <a:tileRect/>
+          </a:gradFill>
+          <a:ln w="12700" cap="rnd" cmpd="thickThin" algn="ctr">
+            <a:noFill/>
+            <a:prstDash val="solid"/>
+          </a:ln>
+          <a:effectLst/>
+        </p:spPr>
+        <p:style>
+          <a:lnRef idx="3">
+            <a:schemeClr val="lt1"/>
+          </a:lnRef>
+          <a:fillRef idx="1">
+            <a:schemeClr val="accent1"/>
+          </a:fillRef>
+          <a:effectRef idx="1">
+            <a:schemeClr val="accent1"/>
+          </a:effectRef>
+          <a:fontRef idx="minor">
+            <a:schemeClr val="lt1"/>
+          </a:fontRef>
+        </p:style>
+        <p:txBody>
+          <a:bodyPr anchor="ctr"/>
+          <a:lstStyle>
+            <a:extLst/>
+          </a:lstStyle>
+          <a:p>
+            <a:pPr algn="ctr" eaLnBrk="1" latinLnBrk="0" hangingPunct="1"/>
+            <a:endParaRPr kumimoji="0" lang="en-US"/>
+          </a:p>
+        </p:txBody>
+      </p:sp>
+      <p:sp>
+        <p:nvSpPr>
+          <p:cNvPr id="9" name="Title 8"/>
+          <p:cNvSpPr>
+            <a:spLocks noGrp="1"/>
+          </p:cNvSpPr>
+          <p:nvPr>
+            <p:ph type="ctrTitle"/>
+          </p:nvPr>
+        </p:nvSpPr>
+        <p:spPr>
+          <a:xfrm>
+            <a:off x="914400" y="1752602"/>
+            <a:ext cx="10363200" cy="1829761"/>
           </a:xfrm>
         </p:spPr>
         <p:txBody>
-          <a:bodyPr>
-            <a:noAutofit/>
+          <a:bodyPr vert="horz" anchor="b">
+            <a:normAutofit/>
+            <a:scene3d>
+              <a:camera prst="orthographicFront"/>
+              <a:lightRig rig="soft" dir="t"/>
+            </a:scene3d>
+            <a:sp3d prstMaterial="softEdge">
+              <a:bevelT w="25400" h="25400"/>
+            </a:sp3d>
           </a:bodyPr>
           <a:lstStyle>
-            <a:lvl1pPr marL="0" indent="0" algn="ctr">
-              <a:buNone/>
-              <a:defRPr sz="2200" spc="100" baseline="0">
+            <a:lvl1pPr algn="r">
+              <a:defRPr sz="4800" b="1">
+                <a:solidFill>
+                  <a:schemeClr val="tx2"/>
+                </a:solidFill>
+                <a:effectLst>
+                  <a:outerShdw blurRad="31750" dist="25400" dir="5400000" algn="tl" rotWithShape="0">
+                    <a:srgbClr val="000000">
+                      <a:alpha val="25000"/>
+                    </a:srgbClr>
+                  </a:outerShdw>
+                </a:effectLst>
+              </a:defRPr>
+            </a:lvl1pPr>
+            <a:extLst/>
+          </a:lstStyle>
+          <a:p>
+            <a:r>
+              <a:rPr kumimoji="0" lang="en-US" smtClean="0"/>
+              <a:t>Click to edit Master title style</a:t>
+            </a:r>
+            <a:endParaRPr kumimoji="0" lang="en-US"/>
+          </a:p>
+        </p:txBody>
+      </p:sp>
+      <p:sp>
+        <p:nvSpPr>
+          <p:cNvPr id="17" name="Subtitle 16"/>
+          <p:cNvSpPr>
+            <a:spLocks noGrp="1"/>
+          </p:cNvSpPr>
+          <p:nvPr>
+            <p:ph type="subTitle" idx="1"/>
+          </p:nvPr>
+        </p:nvSpPr>
+        <p:spPr>
+          <a:xfrm>
+            <a:off x="914400" y="3611607"/>
+            <a:ext cx="10363200" cy="1199704"/>
+          </a:xfrm>
+        </p:spPr>
+        <p:txBody>
+          <a:bodyPr lIns="45720" rIns="45720"/>
+          <a:lstStyle>
+            <a:lvl1pPr marL="0" marR="64008" indent="0" algn="r">
+              <a:buNone/>
+              <a:defRPr>
                 <a:solidFill>
                   <a:schemeClr val="tx2"/>
                 </a:solidFill>
@@ -677,6 +800,7 @@
             <a:lvl9pPr marL="3657600" indent="0" algn="ctr">
               <a:buNone/>
             </a:lvl9pPr>
+            <a:extLst/>
           </a:lstStyle>
           <a:p>
             <a:r>
@@ -687,213 +811,424 @@
           </a:p>
         </p:txBody>
       </p:sp>
-      <p:sp>
-        <p:nvSpPr>
-          <p:cNvPr id="28" name="Title 27"/>
+      <p:grpSp>
+        <p:nvGrpSpPr>
+          <p:cNvPr id="2" name="Group 1"/>
+          <p:cNvGrpSpPr/>
+          <p:nvPr/>
+        </p:nvGrpSpPr>
+        <p:grpSpPr>
+          <a:xfrm>
+            <a:off x="-5019" y="4953000"/>
+            <a:ext cx="12197020" cy="1912088"/>
+            <a:chOff x="-3765" y="4832896"/>
+            <a:chExt cx="9147765" cy="2032192"/>
+          </a:xfrm>
+        </p:grpSpPr>
+        <p:sp>
+          <p:nvSpPr>
+            <p:cNvPr id="7" name="Freeform 6"/>
+            <p:cNvSpPr>
+              <a:spLocks/>
+            </p:cNvSpPr>
+            <p:nvPr/>
+          </p:nvSpPr>
+          <p:spPr bwMode="auto">
+            <a:xfrm>
+              <a:off x="1687513" y="4832896"/>
+              <a:ext cx="7456487" cy="518816"/>
+            </a:xfrm>
+            <a:custGeom>
+              <a:avLst>
+                <a:gd name="A1" fmla="val 0"/>
+                <a:gd name="A2" fmla="val 0"/>
+                <a:gd name="A3" fmla="val 0"/>
+                <a:gd name="A4" fmla="val 0"/>
+                <a:gd name="A5" fmla="val 0"/>
+                <a:gd name="A6" fmla="val 0"/>
+                <a:gd name="A7" fmla="val 0"/>
+                <a:gd name="A8" fmla="val 0"/>
+              </a:avLst>
+              <a:gdLst/>
+              <a:ahLst/>
+              <a:cxnLst>
+                <a:cxn ang="0">
+                  <a:pos x="4697" y="0"/>
+                </a:cxn>
+                <a:cxn ang="0">
+                  <a:pos x="4697" y="367"/>
+                </a:cxn>
+                <a:cxn ang="0">
+                  <a:pos x="0" y="218"/>
+                </a:cxn>
+                <a:cxn ang="0">
+                  <a:pos x="4697" y="0"/>
+                </a:cxn>
+              </a:cxnLst>
+              <a:rect l="0" t="0" r="0" b="0"/>
+              <a:pathLst>
+                <a:path w="4697" h="367">
+                  <a:moveTo>
+                    <a:pt x="4697" y="0"/>
+                  </a:moveTo>
+                  <a:lnTo>
+                    <a:pt x="4697" y="367"/>
+                  </a:lnTo>
+                  <a:lnTo>
+                    <a:pt x="0" y="218"/>
+                  </a:lnTo>
+                  <a:lnTo>
+                    <a:pt x="4697" y="0"/>
+                  </a:lnTo>
+                  <a:close/>
+                </a:path>
+              </a:pathLst>
+            </a:custGeom>
+            <a:solidFill>
+              <a:schemeClr val="accent1">
+                <a:tint val="65000"/>
+                <a:satMod val="115000"/>
+                <a:alpha val="40000"/>
+              </a:schemeClr>
+            </a:solidFill>
+            <a:ln w="9525" cap="flat" cmpd="sng" algn="ctr">
+              <a:noFill/>
+              <a:prstDash val="solid"/>
+              <a:round/>
+              <a:headEnd type="none" w="med" len="med"/>
+              <a:tailEnd type="none" w="med" len="med"/>
+            </a:ln>
+            <a:effectLst/>
+          </p:spPr>
+          <p:txBody>
+            <a:bodyPr vert="horz" wrap="square" lIns="91440" tIns="45720" rIns="91440" bIns="45720" anchor="t" compatLnSpc="1"/>
+            <a:lstStyle>
+              <a:extLst/>
+            </a:lstStyle>
+            <a:p>
+              <a:endParaRPr kumimoji="0" lang="en-US"/>
+            </a:p>
+          </p:txBody>
+        </p:sp>
+        <p:sp>
+          <p:nvSpPr>
+            <p:cNvPr id="8" name="Freeform 7"/>
+            <p:cNvSpPr>
+              <a:spLocks/>
+            </p:cNvSpPr>
+            <p:nvPr/>
+          </p:nvSpPr>
+          <p:spPr bwMode="auto">
+            <a:xfrm>
+              <a:off x="35443" y="5135526"/>
+              <a:ext cx="9108557" cy="838200"/>
+            </a:xfrm>
+            <a:custGeom>
+              <a:avLst>
+                <a:gd name="A1" fmla="val 0"/>
+                <a:gd name="A2" fmla="val 0"/>
+                <a:gd name="A3" fmla="val 0"/>
+                <a:gd name="A4" fmla="val 0"/>
+                <a:gd name="A5" fmla="val 0"/>
+                <a:gd name="A6" fmla="val 0"/>
+                <a:gd name="A7" fmla="val 0"/>
+                <a:gd name="A8" fmla="val 0"/>
+              </a:avLst>
+              <a:gdLst/>
+              <a:ahLst/>
+              <a:cxnLst>
+                <a:cxn ang="0">
+                  <a:pos x="0" y="0"/>
+                </a:cxn>
+                <a:cxn ang="0">
+                  <a:pos x="5760" y="0"/>
+                </a:cxn>
+                <a:cxn ang="0">
+                  <a:pos x="5760" y="528"/>
+                </a:cxn>
+                <a:cxn ang="0">
+                  <a:pos x="48" y="0"/>
+                </a:cxn>
+              </a:cxnLst>
+              <a:rect l="0" t="0" r="0" b="0"/>
+              <a:pathLst>
+                <a:path w="5760" h="528">
+                  <a:moveTo>
+                    <a:pt x="0" y="0"/>
+                  </a:moveTo>
+                  <a:lnTo>
+                    <a:pt x="5760" y="0"/>
+                  </a:lnTo>
+                  <a:lnTo>
+                    <a:pt x="5760" y="528"/>
+                  </a:lnTo>
+                  <a:lnTo>
+                    <a:pt x="48" y="0"/>
+                  </a:lnTo>
+                </a:path>
+              </a:pathLst>
+            </a:custGeom>
+            <a:solidFill>
+              <a:srgbClr val="000000">
+                <a:alpha val="100000"/>
+              </a:srgbClr>
+            </a:solidFill>
+            <a:ln w="9525" cap="flat" cmpd="sng" algn="ctr">
+              <a:noFill/>
+              <a:prstDash val="solid"/>
+              <a:round/>
+              <a:headEnd type="none" w="med" len="med"/>
+              <a:tailEnd type="none" w="med" len="med"/>
+            </a:ln>
+            <a:effectLst/>
+          </p:spPr>
+          <p:txBody>
+            <a:bodyPr vert="horz" wrap="square" lIns="91440" tIns="45720" rIns="91440" bIns="45720" anchor="t" compatLnSpc="1"/>
+            <a:lstStyle>
+              <a:extLst/>
+            </a:lstStyle>
+            <a:p>
+              <a:endParaRPr kumimoji="0" lang="en-US"/>
+            </a:p>
+          </p:txBody>
+        </p:sp>
+        <p:sp>
+          <p:nvSpPr>
+            <p:cNvPr id="11" name="Freeform 10"/>
+            <p:cNvSpPr>
+              <a:spLocks/>
+            </p:cNvSpPr>
+            <p:nvPr/>
+          </p:nvSpPr>
+          <p:spPr bwMode="auto">
+            <a:xfrm>
+              <a:off x="0" y="4883888"/>
+              <a:ext cx="9144000" cy="1981200"/>
+            </a:xfrm>
+            <a:custGeom>
+              <a:avLst>
+                <a:gd name="A1" fmla="val 0"/>
+                <a:gd name="A2" fmla="val 0"/>
+                <a:gd name="A3" fmla="val 0"/>
+                <a:gd name="A4" fmla="val 0"/>
+                <a:gd name="A5" fmla="val 0"/>
+                <a:gd name="A6" fmla="val 0"/>
+                <a:gd name="A7" fmla="val 0"/>
+                <a:gd name="A8" fmla="val 0"/>
+              </a:avLst>
+              <a:gdLst/>
+              <a:ahLst/>
+              <a:cxnLst>
+                <a:cxn ang="0">
+                  <a:pos x="0" y="0"/>
+                </a:cxn>
+                <a:cxn ang="0">
+                  <a:pos x="0" y="1248"/>
+                </a:cxn>
+                <a:cxn ang="0">
+                  <a:pos x="5760" y="1248"/>
+                </a:cxn>
+                <a:cxn ang="0">
+                  <a:pos x="5760" y="528"/>
+                </a:cxn>
+                <a:cxn ang="0">
+                  <a:pos x="0" y="0"/>
+                </a:cxn>
+              </a:cxnLst>
+              <a:rect l="0" t="0" r="0" b="0"/>
+              <a:pathLst>
+                <a:path w="5760" h="1248">
+                  <a:moveTo>
+                    <a:pt x="0" y="0"/>
+                  </a:moveTo>
+                  <a:lnTo>
+                    <a:pt x="0" y="1248"/>
+                  </a:lnTo>
+                  <a:lnTo>
+                    <a:pt x="5760" y="1248"/>
+                  </a:lnTo>
+                  <a:lnTo>
+                    <a:pt x="5760" y="528"/>
+                  </a:lnTo>
+                  <a:lnTo>
+                    <a:pt x="0" y="0"/>
+                  </a:lnTo>
+                  <a:close/>
+                </a:path>
+              </a:pathLst>
+            </a:custGeom>
+            <a:blipFill>
+              <a:blip r:embed="rId2">
+                <a:alphaModFix amt="50000"/>
+              </a:blip>
+              <a:tile tx="0" ty="0" sx="50000" sy="50000" flip="none" algn="t"/>
+            </a:blipFill>
+            <a:ln w="12700" cap="rnd" cmpd="thickThin" algn="ctr">
+              <a:noFill/>
+              <a:prstDash val="solid"/>
+            </a:ln>
+            <a:effectLst>
+              <a:fillOverlay blend="mult">
+                <a:gradFill flip="none" rotWithShape="1">
+                  <a:gsLst>
+                    <a:gs pos="0">
+                      <a:schemeClr val="accent1">
+                        <a:shade val="20000"/>
+                        <a:satMod val="176000"/>
+                        <a:alpha val="100000"/>
+                      </a:schemeClr>
+                    </a:gs>
+                    <a:gs pos="18000">
+                      <a:schemeClr val="accent1">
+                        <a:shade val="48000"/>
+                        <a:satMod val="153000"/>
+                        <a:alpha val="100000"/>
+                      </a:schemeClr>
+                    </a:gs>
+                    <a:gs pos="43000">
+                      <a:schemeClr val="accent1">
+                        <a:tint val="86000"/>
+                        <a:satMod val="149000"/>
+                        <a:alpha val="100000"/>
+                      </a:schemeClr>
+                    </a:gs>
+                    <a:gs pos="45000">
+                      <a:schemeClr val="accent1">
+                        <a:tint val="85000"/>
+                        <a:satMod val="150000"/>
+                        <a:alpha val="100000"/>
+                      </a:schemeClr>
+                    </a:gs>
+                    <a:gs pos="50000">
+                      <a:schemeClr val="accent1">
+                        <a:tint val="86000"/>
+                        <a:satMod val="149000"/>
+                        <a:alpha val="100000"/>
+                      </a:schemeClr>
+                    </a:gs>
+                    <a:gs pos="79000">
+                      <a:schemeClr val="accent1">
+                        <a:shade val="53000"/>
+                        <a:satMod val="150000"/>
+                        <a:alpha val="100000"/>
+                      </a:schemeClr>
+                    </a:gs>
+                    <a:gs pos="100000">
+                      <a:schemeClr val="accent1">
+                        <a:shade val="25000"/>
+                        <a:satMod val="170000"/>
+                        <a:alpha val="100000"/>
+                      </a:schemeClr>
+                    </a:gs>
+                  </a:gsLst>
+                  <a:lin ang="450000" scaled="1"/>
+                  <a:tileRect/>
+                </a:gradFill>
+              </a:fillOverlay>
+            </a:effectLst>
+          </p:spPr>
+          <p:style>
+            <a:lnRef idx="3">
+              <a:schemeClr val="lt1"/>
+            </a:lnRef>
+            <a:fillRef idx="1">
+              <a:schemeClr val="accent1"/>
+            </a:fillRef>
+            <a:effectRef idx="1">
+              <a:schemeClr val="accent1"/>
+            </a:effectRef>
+            <a:fontRef idx="minor">
+              <a:schemeClr val="lt1"/>
+            </a:fontRef>
+          </p:style>
+          <p:txBody>
+            <a:bodyPr vert="horz" wrap="square" lIns="91440" tIns="45720" rIns="91440" bIns="45720" anchor="ctr" compatLnSpc="1"/>
+            <a:lstStyle>
+              <a:extLst/>
+            </a:lstStyle>
+            <a:p>
+              <a:pPr algn="ctr" eaLnBrk="1" latinLnBrk="0" hangingPunct="1"/>
+              <a:endParaRPr kumimoji="0" lang="en-US"/>
+            </a:p>
+          </p:txBody>
+        </p:sp>
+        <p:cxnSp>
+          <p:nvCxnSpPr>
+            <p:cNvPr id="12" name="Straight Connector 11"/>
+            <p:cNvCxnSpPr/>
+            <p:nvPr/>
+          </p:nvCxnSpPr>
+          <p:spPr>
+            <a:xfrm>
+              <a:off x="-3765" y="4880373"/>
+              <a:ext cx="9147765" cy="839943"/>
+            </a:xfrm>
+            <a:prstGeom prst="line">
+              <a:avLst/>
+            </a:prstGeom>
+            <a:noFill/>
+            <a:ln w="12065" cap="flat" cmpd="sng" algn="ctr">
+              <a:gradFill>
+                <a:gsLst>
+                  <a:gs pos="45000">
+                    <a:schemeClr val="accent1">
+                      <a:tint val="70000"/>
+                      <a:satMod val="110000"/>
+                    </a:schemeClr>
+                  </a:gs>
+                  <a:gs pos="15000">
+                    <a:schemeClr val="accent1">
+                      <a:shade val="40000"/>
+                      <a:satMod val="110000"/>
+                    </a:schemeClr>
+                  </a:gs>
+                </a:gsLst>
+                <a:lin ang="5400000" scaled="1"/>
+              </a:gradFill>
+              <a:prstDash val="solid"/>
+              <a:miter lim="800000"/>
+            </a:ln>
+            <a:effectLst/>
+          </p:spPr>
+          <p:style>
+            <a:lnRef idx="2">
+              <a:schemeClr val="accent1"/>
+            </a:lnRef>
+            <a:fillRef idx="0">
+              <a:schemeClr val="accent1"/>
+            </a:fillRef>
+            <a:effectRef idx="1">
+              <a:schemeClr val="accent1"/>
+            </a:effectRef>
+            <a:fontRef idx="minor">
+              <a:schemeClr val="tx1"/>
+            </a:fontRef>
+          </p:style>
+        </p:cxnSp>
+      </p:grpSp>
+      <p:sp>
+        <p:nvSpPr>
+          <p:cNvPr id="30" name="Date Placeholder 29"/>
           <p:cNvSpPr>
             <a:spLocks noGrp="1"/>
           </p:cNvSpPr>
           <p:nvPr>
-            <p:ph type="ctrTitle"/>
-          </p:nvPr>
-        </p:nvSpPr>
-        <p:spPr>
-          <a:xfrm>
-            <a:off x="609600" y="1433732"/>
-            <a:ext cx="11074400" cy="1981200"/>
-          </a:xfrm>
-          <a:ln w="6350" cap="rnd">
-            <a:noFill/>
-          </a:ln>
-        </p:spPr>
-        <p:txBody>
-          <a:bodyPr anchor="b" anchorCtr="0">
-            <a:noAutofit/>
-          </a:bodyPr>
+            <p:ph type="dt" sz="half" idx="10"/>
+          </p:nvPr>
+        </p:nvSpPr>
+        <p:spPr/>
+        <p:txBody>
+          <a:bodyPr/>
           <a:lstStyle>
-            <a:lvl1pPr algn="ctr">
-              <a:defRPr lang="en-US" sz="4800" b="0" dirty="0">
-                <a:ln w="3200">
-                  <a:solidFill>
-                    <a:schemeClr val="bg2">
-                      <a:shade val="75000"/>
-                      <a:alpha val="25000"/>
-                    </a:schemeClr>
-                  </a:solidFill>
-                  <a:prstDash val="solid"/>
-                  <a:round/>
-                </a:ln>
+            <a:lvl1pPr>
+              <a:defRPr>
                 <a:solidFill>
-                  <a:srgbClr val="F9F9F9"/>
+                  <a:srgbClr val="FFFFFF"/>
                 </a:solidFill>
-                <a:effectLst>
-                  <a:innerShdw blurRad="50800" dist="25400" dir="13500000">
-                    <a:srgbClr val="000000">
-                      <a:alpha val="70000"/>
-                    </a:srgbClr>
-                  </a:innerShdw>
-                </a:effectLst>
               </a:defRPr>
             </a:lvl1pPr>
+            <a:extLst/>
           </a:lstStyle>
-          <a:p>
-            <a:r>
-              <a:rPr kumimoji="0" lang="en-US" smtClean="0"/>
-              <a:t>Click to edit Master title style</a:t>
-            </a:r>
-            <a:endParaRPr kumimoji="0" lang="en-US"/>
-          </a:p>
-        </p:txBody>
-      </p:sp>
-      <p:cxnSp>
-        <p:nvCxnSpPr>
-          <p:cNvPr id="8" name="Straight Connector 7"/>
-          <p:cNvCxnSpPr/>
-          <p:nvPr/>
-        </p:nvCxnSpPr>
-        <p:spPr>
-          <a:xfrm>
-            <a:off x="1951501" y="3550126"/>
-            <a:ext cx="3962400" cy="1588"/>
-          </a:xfrm>
-          <a:prstGeom prst="line">
-            <a:avLst/>
-          </a:prstGeom>
-          <a:ln w="9525" cap="flat" cmpd="sng" algn="ctr">
-            <a:solidFill>
-              <a:schemeClr val="bg2">
-                <a:tint val="20000"/>
-              </a:schemeClr>
-            </a:solidFill>
-            <a:prstDash val="solid"/>
-          </a:ln>
-          <a:effectLst>
-            <a:outerShdw blurRad="31750" dir="2700000" algn="tl" rotWithShape="0">
-              <a:srgbClr val="000000">
-                <a:alpha val="55000"/>
-              </a:srgbClr>
-            </a:outerShdw>
-          </a:effectLst>
-        </p:spPr>
-        <p:style>
-          <a:lnRef idx="1">
-            <a:schemeClr val="accent1"/>
-          </a:lnRef>
-          <a:fillRef idx="0">
-            <a:schemeClr val="accent1"/>
-          </a:fillRef>
-          <a:effectRef idx="0">
-            <a:schemeClr val="accent1"/>
-          </a:effectRef>
-          <a:fontRef idx="minor">
-            <a:schemeClr val="tx1"/>
-          </a:fontRef>
-        </p:style>
-      </p:cxnSp>
-      <p:cxnSp>
-        <p:nvCxnSpPr>
-          <p:cNvPr id="13" name="Straight Connector 12"/>
-          <p:cNvCxnSpPr/>
-          <p:nvPr/>
-        </p:nvCxnSpPr>
-        <p:spPr>
-          <a:xfrm>
-            <a:off x="6278099" y="3550126"/>
-            <a:ext cx="3962400" cy="1588"/>
-          </a:xfrm>
-          <a:prstGeom prst="line">
-            <a:avLst/>
-          </a:prstGeom>
-          <a:ln w="9525" cap="flat" cmpd="sng" algn="ctr">
-            <a:solidFill>
-              <a:schemeClr val="bg2">
-                <a:tint val="20000"/>
-              </a:schemeClr>
-            </a:solidFill>
-            <a:prstDash val="solid"/>
-          </a:ln>
-          <a:effectLst>
-            <a:outerShdw blurRad="31750" dir="2700000" algn="tl" rotWithShape="0">
-              <a:srgbClr val="000000">
-                <a:alpha val="55000"/>
-              </a:srgbClr>
-            </a:outerShdw>
-          </a:effectLst>
-        </p:spPr>
-        <p:style>
-          <a:lnRef idx="1">
-            <a:schemeClr val="accent1"/>
-          </a:lnRef>
-          <a:fillRef idx="0">
-            <a:schemeClr val="accent1"/>
-          </a:fillRef>
-          <a:effectRef idx="0">
-            <a:schemeClr val="accent1"/>
-          </a:effectRef>
-          <a:fontRef idx="minor">
-            <a:schemeClr val="tx1"/>
-          </a:fontRef>
-        </p:style>
-      </p:cxnSp>
-      <p:sp>
-        <p:nvSpPr>
-          <p:cNvPr id="14" name="Oval 13"/>
-          <p:cNvSpPr/>
-          <p:nvPr/>
-        </p:nvSpPr>
-        <p:spPr>
-          <a:xfrm>
-            <a:off x="6053797" y="3526302"/>
-            <a:ext cx="60960" cy="45720"/>
-          </a:xfrm>
-          <a:prstGeom prst="ellipse">
-            <a:avLst/>
-          </a:prstGeom>
-          <a:effectLst>
-            <a:outerShdw blurRad="31750" dir="2700000" algn="tl" rotWithShape="0">
-              <a:srgbClr val="000000">
-                <a:alpha val="55000"/>
-              </a:srgbClr>
-            </a:outerShdw>
-          </a:effectLst>
-        </p:spPr>
-        <p:style>
-          <a:lnRef idx="2">
-            <a:schemeClr val="accent2"/>
-          </a:lnRef>
-          <a:fillRef idx="1">
-            <a:schemeClr val="accent2"/>
-          </a:fillRef>
-          <a:effectRef idx="0">
-            <a:schemeClr val="accent2"/>
-          </a:effectRef>
-          <a:fontRef idx="minor">
-            <a:schemeClr val="lt1"/>
-          </a:fontRef>
-        </p:style>
-        <p:txBody>
-          <a:bodyPr rtlCol="0" anchor="ctr"/>
-          <a:lstStyle/>
-          <a:p>
-            <a:pPr algn="ctr" eaLnBrk="1" latinLnBrk="0" hangingPunct="1"/>
-            <a:endParaRPr kumimoji="0" lang="en-US" dirty="0"/>
-          </a:p>
-        </p:txBody>
-      </p:sp>
-      <p:sp>
-        <p:nvSpPr>
-          <p:cNvPr id="15" name="Date Placeholder 14"/>
-          <p:cNvSpPr>
-            <a:spLocks noGrp="1"/>
-          </p:cNvSpPr>
-          <p:nvPr>
-            <p:ph type="dt" sz="half" idx="10"/>
-          </p:nvPr>
-        </p:nvSpPr>
-        <p:spPr/>
-        <p:txBody>
-          <a:bodyPr/>
-          <a:lstStyle/>
           <a:p>
             <a:fld id="{B09EAEE1-3CD0-4DFE-9865-EEDFCBBE01D8}" type="datetimeFigureOut">
               <a:rPr lang="en-US" smtClean="0"/>
@@ -905,42 +1240,62 @@
       </p:sp>
       <p:sp>
         <p:nvSpPr>
-          <p:cNvPr id="16" name="Slide Number Placeholder 15"/>
+          <p:cNvPr id="19" name="Footer Placeholder 18"/>
           <p:cNvSpPr>
             <a:spLocks noGrp="1"/>
           </p:cNvSpPr>
           <p:nvPr>
-            <p:ph type="sldNum" sz="quarter" idx="11"/>
+            <p:ph type="ftr" sz="quarter" idx="11"/>
           </p:nvPr>
         </p:nvSpPr>
         <p:spPr/>
         <p:txBody>
           <a:bodyPr/>
-          <a:lstStyle/>
+          <a:lstStyle>
+            <a:lvl1pPr>
+              <a:defRPr>
+                <a:solidFill>
+                  <a:schemeClr val="accent1">
+                    <a:tint val="20000"/>
+                  </a:schemeClr>
+                </a:solidFill>
+              </a:defRPr>
+            </a:lvl1pPr>
+            <a:extLst/>
+          </a:lstStyle>
+          <a:p>
+            <a:endParaRPr lang="en-US" dirty="0"/>
+          </a:p>
+        </p:txBody>
+      </p:sp>
+      <p:sp>
+        <p:nvSpPr>
+          <p:cNvPr id="27" name="Slide Number Placeholder 26"/>
+          <p:cNvSpPr>
+            <a:spLocks noGrp="1"/>
+          </p:cNvSpPr>
+          <p:nvPr>
+            <p:ph type="sldNum" sz="quarter" idx="12"/>
+          </p:nvPr>
+        </p:nvSpPr>
+        <p:spPr/>
+        <p:txBody>
+          <a:bodyPr/>
+          <a:lstStyle>
+            <a:lvl1pPr>
+              <a:defRPr>
+                <a:solidFill>
+                  <a:srgbClr val="FFFFFF"/>
+                </a:solidFill>
+              </a:defRPr>
+            </a:lvl1pPr>
+            <a:extLst/>
+          </a:lstStyle>
           <a:p>
             <a:fld id="{A2D09813-85C9-41D3-BDD6-F45F8168A58C}" type="slidenum">
               <a:rPr lang="en-US" smtClean="0"/>
               <a:t>‹#›</a:t>
             </a:fld>
-            <a:endParaRPr lang="en-US" dirty="0"/>
-          </a:p>
-        </p:txBody>
-      </p:sp>
-      <p:sp>
-        <p:nvSpPr>
-          <p:cNvPr id="17" name="Footer Placeholder 16"/>
-          <p:cNvSpPr>
-            <a:spLocks noGrp="1"/>
-          </p:cNvSpPr>
-          <p:nvPr>
-            <p:ph type="ftr" sz="quarter" idx="12"/>
-          </p:nvPr>
-        </p:nvSpPr>
-        <p:spPr/>
-        <p:txBody>
-          <a:bodyPr/>
-          <a:lstStyle/>
-          <a:p>
             <a:endParaRPr lang="en-US" dirty="0"/>
           </a:p>
         </p:txBody>
@@ -984,7 +1339,9 @@
         <p:spPr/>
         <p:txBody>
           <a:bodyPr/>
-          <a:lstStyle/>
+          <a:lstStyle>
+            <a:extLst/>
+          </a:lstStyle>
           <a:p>
             <a:r>
               <a:rPr kumimoji="0" lang="en-US" smtClean="0"/>
@@ -1004,10 +1361,17 @@
             <p:ph type="body" orient="vert" idx="1"/>
           </p:nvPr>
         </p:nvSpPr>
-        <p:spPr/>
+        <p:spPr>
+          <a:xfrm>
+            <a:off x="609600" y="1481330"/>
+            <a:ext cx="10972800" cy="4386071"/>
+          </a:xfrm>
+        </p:spPr>
         <p:txBody>
           <a:bodyPr vert="eaVert"/>
-          <a:lstStyle/>
+          <a:lstStyle>
+            <a:extLst/>
+          </a:lstStyle>
           <a:p>
             <a:pPr lvl="0" eaLnBrk="1" latinLnBrk="0" hangingPunct="1"/>
             <a:r>
@@ -1059,7 +1423,9 @@
         <p:spPr/>
         <p:txBody>
           <a:bodyPr/>
-          <a:lstStyle/>
+          <a:lstStyle>
+            <a:extLst/>
+          </a:lstStyle>
           <a:p>
             <a:fld id="{B09EAEE1-3CD0-4DFE-9865-EEDFCBBE01D8}" type="datetimeFigureOut">
               <a:rPr lang="en-US" smtClean="0"/>
@@ -1082,7 +1448,9 @@
         <p:spPr/>
         <p:txBody>
           <a:bodyPr/>
-          <a:lstStyle/>
+          <a:lstStyle>
+            <a:extLst/>
+          </a:lstStyle>
           <a:p>
             <a:endParaRPr lang="en-US" dirty="0"/>
           </a:p>
@@ -1101,7 +1469,9 @@
         <p:spPr/>
         <p:txBody>
           <a:bodyPr/>
-          <a:lstStyle/>
+          <a:lstStyle>
+            <a:extLst/>
+          </a:lstStyle>
           <a:p>
             <a:fld id="{A2D09813-85C9-41D3-BDD6-F45F8168A58C}" type="slidenum">
               <a:rPr lang="en-US" smtClean="0"/>
@@ -1149,13 +1519,15 @@
         </p:nvSpPr>
         <p:spPr>
           <a:xfrm>
-            <a:off x="8839200" y="274639"/>
-            <a:ext cx="2743200" cy="5851525"/>
+            <a:off x="9125351" y="274641"/>
+            <a:ext cx="2369960" cy="5592761"/>
           </a:xfrm>
         </p:spPr>
         <p:txBody>
           <a:bodyPr vert="eaVert"/>
-          <a:lstStyle/>
+          <a:lstStyle>
+            <a:extLst/>
+          </a:lstStyle>
           <a:p>
             <a:r>
               <a:rPr kumimoji="0" lang="en-US" smtClean="0"/>
@@ -1177,13 +1549,15 @@
         </p:nvSpPr>
         <p:spPr>
           <a:xfrm>
-            <a:off x="609600" y="274639"/>
-            <a:ext cx="8026400" cy="5851525"/>
+            <a:off x="609600" y="274641"/>
+            <a:ext cx="8432800" cy="5592760"/>
           </a:xfrm>
         </p:spPr>
         <p:txBody>
           <a:bodyPr vert="eaVert"/>
-          <a:lstStyle/>
+          <a:lstStyle>
+            <a:extLst/>
+          </a:lstStyle>
           <a:p>
             <a:pPr lvl="0" eaLnBrk="1" latinLnBrk="0" hangingPunct="1"/>
             <a:r>
@@ -1235,7 +1609,9 @@
         <p:spPr/>
         <p:txBody>
           <a:bodyPr/>
-          <a:lstStyle/>
+          <a:lstStyle>
+            <a:extLst/>
+          </a:lstStyle>
           <a:p>
             <a:fld id="{B09EAEE1-3CD0-4DFE-9865-EEDFCBBE01D8}" type="datetimeFigureOut">
               <a:rPr lang="en-US" smtClean="0"/>
@@ -1258,7 +1634,9 @@
         <p:spPr/>
         <p:txBody>
           <a:bodyPr/>
-          <a:lstStyle/>
+          <a:lstStyle>
+            <a:extLst/>
+          </a:lstStyle>
           <a:p>
             <a:endParaRPr lang="en-US" dirty="0"/>
           </a:p>
@@ -1277,7 +1655,9 @@
         <p:spPr/>
         <p:txBody>
           <a:bodyPr/>
-          <a:lstStyle/>
+          <a:lstStyle>
+            <a:extLst/>
+          </a:lstStyle>
           <a:p>
             <a:fld id="{A2D09813-85C9-41D3-BDD6-F45F8168A58C}" type="slidenum">
               <a:rPr lang="en-US" smtClean="0"/>
@@ -1315,7 +1695,7 @@
       </p:grpSpPr>
       <p:sp>
         <p:nvSpPr>
-          <p:cNvPr id="9" name="Content Placeholder 8"/>
+          <p:cNvPr id="3" name="Content Placeholder 2"/>
           <p:cNvSpPr>
             <a:spLocks noGrp="1"/>
           </p:cNvSpPr>
@@ -1323,15 +1703,12 @@
             <p:ph idx="1"/>
           </p:nvPr>
         </p:nvSpPr>
-        <p:spPr>
-          <a:xfrm>
-            <a:off x="609600" y="1524000"/>
-            <a:ext cx="10972800" cy="4572000"/>
-          </a:xfrm>
-        </p:spPr>
+        <p:spPr/>
         <p:txBody>
           <a:bodyPr/>
-          <a:lstStyle/>
+          <a:lstStyle>
+            <a:extLst/>
+          </a:lstStyle>
           <a:p>
             <a:pPr lvl="0" eaLnBrk="1" latinLnBrk="0" hangingPunct="1"/>
             <a:r>
@@ -1372,18 +1749,20 @@
       </p:sp>
       <p:sp>
         <p:nvSpPr>
-          <p:cNvPr id="14" name="Date Placeholder 13"/>
+          <p:cNvPr id="4" name="Date Placeholder 3"/>
           <p:cNvSpPr>
             <a:spLocks noGrp="1"/>
           </p:cNvSpPr>
           <p:nvPr>
-            <p:ph type="dt" sz="half" idx="14"/>
+            <p:ph type="dt" sz="half" idx="10"/>
           </p:nvPr>
         </p:nvSpPr>
         <p:spPr/>
         <p:txBody>
           <a:bodyPr/>
-          <a:lstStyle/>
+          <a:lstStyle>
+            <a:extLst/>
+          </a:lstStyle>
           <a:p>
             <a:fld id="{B09EAEE1-3CD0-4DFE-9865-EEDFCBBE01D8}" type="datetimeFigureOut">
               <a:rPr lang="en-US" smtClean="0"/>
@@ -1395,21 +1774,40 @@
       </p:sp>
       <p:sp>
         <p:nvSpPr>
-          <p:cNvPr id="15" name="Slide Number Placeholder 14"/>
+          <p:cNvPr id="5" name="Footer Placeholder 4"/>
           <p:cNvSpPr>
             <a:spLocks noGrp="1"/>
           </p:cNvSpPr>
           <p:nvPr>
-            <p:ph type="sldNum" sz="quarter" idx="15"/>
+            <p:ph type="ftr" sz="quarter" idx="11"/>
           </p:nvPr>
         </p:nvSpPr>
         <p:spPr/>
         <p:txBody>
           <a:bodyPr/>
           <a:lstStyle>
-            <a:lvl1pPr algn="ctr">
-              <a:defRPr/>
-            </a:lvl1pPr>
+            <a:extLst/>
+          </a:lstStyle>
+          <a:p>
+            <a:endParaRPr lang="en-US" dirty="0"/>
+          </a:p>
+        </p:txBody>
+      </p:sp>
+      <p:sp>
+        <p:nvSpPr>
+          <p:cNvPr id="6" name="Slide Number Placeholder 5"/>
+          <p:cNvSpPr>
+            <a:spLocks noGrp="1"/>
+          </p:cNvSpPr>
+          <p:nvPr>
+            <p:ph type="sldNum" sz="quarter" idx="12"/>
+          </p:nvPr>
+        </p:nvSpPr>
+        <p:spPr/>
+        <p:txBody>
+          <a:bodyPr/>
+          <a:lstStyle>
+            <a:extLst/>
           </a:lstStyle>
           <a:p>
             <a:fld id="{A2D09813-85C9-41D3-BDD6-F45F8168A58C}" type="slidenum">
@@ -1422,37 +1820,20 @@
       </p:sp>
       <p:sp>
         <p:nvSpPr>
-          <p:cNvPr id="16" name="Footer Placeholder 15"/>
+          <p:cNvPr id="7" name="Title 6"/>
           <p:cNvSpPr>
             <a:spLocks noGrp="1"/>
           </p:cNvSpPr>
           <p:nvPr>
-            <p:ph type="ftr" sz="quarter" idx="16"/>
+            <p:ph type="title"/>
           </p:nvPr>
         </p:nvSpPr>
         <p:spPr/>
         <p:txBody>
-          <a:bodyPr/>
-          <a:lstStyle/>
-          <a:p>
-            <a:endParaRPr lang="en-US" dirty="0"/>
-          </a:p>
-        </p:txBody>
-      </p:sp>
-      <p:sp>
-        <p:nvSpPr>
-          <p:cNvPr id="17" name="Title 16"/>
-          <p:cNvSpPr>
-            <a:spLocks noGrp="1"/>
-          </p:cNvSpPr>
-          <p:nvPr>
-            <p:ph type="title"/>
-          </p:nvPr>
-        </p:nvSpPr>
-        <p:spPr/>
-        <p:txBody>
-          <a:bodyPr rtlCol="0" anchor="b" anchorCtr="0"/>
-          <a:lstStyle/>
+          <a:bodyPr rtlCol="0"/>
+          <a:lstStyle>
+            <a:extLst/>
+          </a:lstStyle>
           <a:p>
             <a:r>
               <a:rPr kumimoji="0" lang="en-US" smtClean="0"/>
@@ -1474,6 +1855,11 @@
 <file path=ppt/slideLayouts/slideLayout3.xml><?xml version="1.0" encoding="utf-8"?>
 <p:sldLayout xmlns:a="http://schemas.openxmlformats.org/drawingml/2006/main" xmlns:r="http://schemas.openxmlformats.org/officeDocument/2006/relationships" xmlns:p="http://schemas.openxmlformats.org/presentationml/2006/main" type="secHead" preserve="1">
   <p:cSld name="Section Header">
+    <p:bg>
+      <p:bgRef idx="1002">
+        <a:schemeClr val="bg1"/>
+      </p:bgRef>
+    </p:bg>
     <p:spTree>
       <p:nvGrpSpPr>
         <p:cNvPr id="1" name=""/>
@@ -1490,71 +1876,6 @@
       </p:grpSpPr>
       <p:sp>
         <p:nvSpPr>
-          <p:cNvPr id="4" name="Date Placeholder 3"/>
-          <p:cNvSpPr>
-            <a:spLocks noGrp="1"/>
-          </p:cNvSpPr>
-          <p:nvPr>
-            <p:ph type="dt" sz="half" idx="10"/>
-          </p:nvPr>
-        </p:nvSpPr>
-        <p:spPr/>
-        <p:txBody>
-          <a:bodyPr/>
-          <a:lstStyle/>
-          <a:p>
-            <a:fld id="{B09EAEE1-3CD0-4DFE-9865-EEDFCBBE01D8}" type="datetimeFigureOut">
-              <a:rPr lang="en-US" smtClean="0"/>
-              <a:t>1/5/2024</a:t>
-            </a:fld>
-            <a:endParaRPr lang="en-US" dirty="0"/>
-          </a:p>
-        </p:txBody>
-      </p:sp>
-      <p:sp>
-        <p:nvSpPr>
-          <p:cNvPr id="5" name="Footer Placeholder 4"/>
-          <p:cNvSpPr>
-            <a:spLocks noGrp="1"/>
-          </p:cNvSpPr>
-          <p:nvPr>
-            <p:ph type="ftr" sz="quarter" idx="11"/>
-          </p:nvPr>
-        </p:nvSpPr>
-        <p:spPr/>
-        <p:txBody>
-          <a:bodyPr/>
-          <a:lstStyle/>
-          <a:p>
-            <a:endParaRPr lang="en-US" dirty="0"/>
-          </a:p>
-        </p:txBody>
-      </p:sp>
-      <p:sp>
-        <p:nvSpPr>
-          <p:cNvPr id="6" name="Slide Number Placeholder 5"/>
-          <p:cNvSpPr>
-            <a:spLocks noGrp="1"/>
-          </p:cNvSpPr>
-          <p:nvPr>
-            <p:ph type="sldNum" sz="quarter" idx="12"/>
-          </p:nvPr>
-        </p:nvSpPr>
-        <p:spPr/>
-        <p:txBody>
-          <a:bodyPr/>
-          <a:lstStyle/>
-          <a:p>
-            <a:fld id="{A2D09813-85C9-41D3-BDD6-F45F8168A58C}" type="slidenum">
-              <a:rPr lang="en-US" smtClean="0"/>
-              <a:t>‹#›</a:t>
-            </a:fld>
-            <a:endParaRPr lang="en-US" dirty="0"/>
-          </a:p>
-        </p:txBody>
-      </p:sp>
-      <p:sp>
-        <p:nvSpPr>
           <p:cNvPr id="2" name="Title 1"/>
           <p:cNvSpPr>
             <a:spLocks noGrp="1"/>
@@ -1565,43 +1886,35 @@
         </p:nvSpPr>
         <p:spPr>
           <a:xfrm>
-            <a:off x="914400" y="3505200"/>
-            <a:ext cx="10566400" cy="1371600"/>
+            <a:off x="963168" y="1059712"/>
+            <a:ext cx="10363200" cy="1828800"/>
           </a:xfrm>
         </p:spPr>
         <p:txBody>
-          <a:bodyPr>
-            <a:noAutofit/>
+          <a:bodyPr vert="horz" anchor="b">
+            <a:normAutofit/>
+            <a:scene3d>
+              <a:camera prst="orthographicFront"/>
+              <a:lightRig rig="soft" dir="t"/>
+            </a:scene3d>
+            <a:sp3d prstMaterial="softEdge">
+              <a:bevelT w="25400" h="25400"/>
+            </a:sp3d>
           </a:bodyPr>
           <a:lstStyle>
-            <a:lvl1pPr algn="l" rtl="0">
-              <a:spcBef>
-                <a:spcPct val="0"/>
-              </a:spcBef>
-              <a:buNone/>
-              <a:defRPr lang="en-US" sz="4800" b="0" dirty="0">
-                <a:ln w="3200">
-                  <a:solidFill>
-                    <a:schemeClr val="bg2">
-                      <a:shade val="25000"/>
+            <a:lvl1pPr algn="r">
+              <a:buNone/>
+              <a:defRPr sz="4800" b="1" cap="none" baseline="0">
+                <a:effectLst>
+                  <a:outerShdw blurRad="31750" dist="25400" dir="5400000" algn="tl" rotWithShape="0">
+                    <a:srgbClr val="000000">
                       <a:alpha val="25000"/>
-                    </a:schemeClr>
-                  </a:solidFill>
-                  <a:prstDash val="solid"/>
-                  <a:round/>
-                </a:ln>
-                <a:solidFill>
-                  <a:srgbClr val="F9F9F9"/>
-                </a:solidFill>
-                <a:effectLst>
-                  <a:innerShdw blurRad="38100" dist="25400" dir="13500000">
-                    <a:prstClr val="black">
-                      <a:alpha val="70000"/>
-                    </a:prstClr>
-                  </a:innerShdw>
+                    </a:srgbClr>
+                  </a:outerShdw>
                 </a:effectLst>
               </a:defRPr>
             </a:lvl1pPr>
+            <a:extLst/>
           </a:lstStyle>
           <a:p>
             <a:r>
@@ -1624,18 +1937,18 @@
         </p:nvSpPr>
         <p:spPr>
           <a:xfrm>
-            <a:off x="914400" y="4958864"/>
-            <a:ext cx="10566400" cy="984736"/>
+            <a:off x="5230284" y="2931712"/>
+            <a:ext cx="6096000" cy="1454888"/>
           </a:xfrm>
         </p:spPr>
         <p:txBody>
-          <a:bodyPr anchor="t"/>
+          <a:bodyPr lIns="91440" rIns="91440" anchor="t"/>
           <a:lstStyle>
-            <a:lvl1pPr marL="0" indent="0">
-              <a:buNone/>
-              <a:defRPr sz="2000" spc="100" baseline="0">
+            <a:lvl1pPr marL="0" indent="0" algn="l">
+              <a:buNone/>
+              <a:defRPr sz="2300">
                 <a:solidFill>
-                  <a:schemeClr val="tx2"/>
+                  <a:schemeClr val="tx1"/>
                 </a:solidFill>
               </a:defRPr>
             </a:lvl1pPr>
@@ -1679,6 +1992,7 @@
                 </a:solidFill>
               </a:defRPr>
             </a:lvl5pPr>
+            <a:extLst/>
           </a:lstStyle>
           <a:p>
             <a:pPr lvl="0" eaLnBrk="1" latinLnBrk="0" hangingPunct="1"/>
@@ -1689,31 +2003,128 @@
           </a:p>
         </p:txBody>
       </p:sp>
-      <p:cxnSp>
-        <p:nvCxnSpPr>
-          <p:cNvPr id="7" name="Straight Connector 6"/>
-          <p:cNvCxnSpPr/>
+      <p:sp>
+        <p:nvSpPr>
+          <p:cNvPr id="4" name="Date Placeholder 3"/>
+          <p:cNvSpPr>
+            <a:spLocks noGrp="1"/>
+          </p:cNvSpPr>
+          <p:nvPr>
+            <p:ph type="dt" sz="half" idx="10"/>
+          </p:nvPr>
+        </p:nvSpPr>
+        <p:spPr/>
+        <p:txBody>
+          <a:bodyPr/>
+          <a:lstStyle>
+            <a:extLst/>
+          </a:lstStyle>
+          <a:p>
+            <a:fld id="{B09EAEE1-3CD0-4DFE-9865-EEDFCBBE01D8}" type="datetimeFigureOut">
+              <a:rPr lang="en-US" smtClean="0"/>
+              <a:t>1/5/2024</a:t>
+            </a:fld>
+            <a:endParaRPr lang="en-US" dirty="0"/>
+          </a:p>
+        </p:txBody>
+      </p:sp>
+      <p:sp>
+        <p:nvSpPr>
+          <p:cNvPr id="5" name="Footer Placeholder 4"/>
+          <p:cNvSpPr>
+            <a:spLocks noGrp="1"/>
+          </p:cNvSpPr>
+          <p:nvPr>
+            <p:ph type="ftr" sz="quarter" idx="11"/>
+          </p:nvPr>
+        </p:nvSpPr>
+        <p:spPr/>
+        <p:txBody>
+          <a:bodyPr/>
+          <a:lstStyle>
+            <a:extLst/>
+          </a:lstStyle>
+          <a:p>
+            <a:endParaRPr lang="en-US" dirty="0"/>
+          </a:p>
+        </p:txBody>
+      </p:sp>
+      <p:sp>
+        <p:nvSpPr>
+          <p:cNvPr id="6" name="Slide Number Placeholder 5"/>
+          <p:cNvSpPr>
+            <a:spLocks noGrp="1"/>
+          </p:cNvSpPr>
+          <p:nvPr>
+            <p:ph type="sldNum" sz="quarter" idx="12"/>
+          </p:nvPr>
+        </p:nvSpPr>
+        <p:spPr/>
+        <p:txBody>
+          <a:bodyPr/>
+          <a:lstStyle>
+            <a:extLst/>
+          </a:lstStyle>
+          <a:p>
+            <a:fld id="{A2D09813-85C9-41D3-BDD6-F45F8168A58C}" type="slidenum">
+              <a:rPr lang="en-US" smtClean="0"/>
+              <a:t>‹#›</a:t>
+            </a:fld>
+            <a:endParaRPr lang="en-US" dirty="0"/>
+          </a:p>
+        </p:txBody>
+      </p:sp>
+      <p:sp>
+        <p:nvSpPr>
+          <p:cNvPr id="7" name="Chevron 6"/>
+          <p:cNvSpPr/>
           <p:nvPr/>
-        </p:nvCxnSpPr>
+        </p:nvSpPr>
         <p:spPr>
           <a:xfrm>
-            <a:off x="914400" y="4916993"/>
-            <a:ext cx="10566400" cy="4301"/>
+            <a:off x="4848907" y="3005472"/>
+            <a:ext cx="243840" cy="228600"/>
           </a:xfrm>
-          <a:prstGeom prst="line">
-            <a:avLst/>
+          <a:prstGeom prst="chevron">
+            <a:avLst>
+              <a:gd name="adj" fmla="val 50000"/>
+            </a:avLst>
           </a:prstGeom>
-          <a:noFill/>
-          <a:ln w="9525" cap="flat" cmpd="sng" algn="ctr">
+          <a:gradFill flip="none" rotWithShape="1">
+            <a:gsLst>
+              <a:gs pos="0">
+                <a:schemeClr val="accent1">
+                  <a:shade val="60000"/>
+                  <a:satMod val="125000"/>
+                </a:schemeClr>
+              </a:gs>
+              <a:gs pos="72000">
+                <a:schemeClr val="accent1">
+                  <a:tint val="90000"/>
+                  <a:satMod val="138000"/>
+                </a:schemeClr>
+              </a:gs>
+              <a:gs pos="100000">
+                <a:schemeClr val="accent1">
+                  <a:tint val="76000"/>
+                  <a:satMod val="136000"/>
+                </a:schemeClr>
+              </a:gs>
+            </a:gsLst>
+            <a:lin ang="16200000" scaled="0"/>
+          </a:gradFill>
+          <a:ln w="3175" cap="rnd" cmpd="sng" algn="ctr">
             <a:solidFill>
-              <a:srgbClr val="E9E9E8"/>
+              <a:schemeClr val="accent1">
+                <a:shade val="50000"/>
+              </a:schemeClr>
             </a:solidFill>
             <a:prstDash val="solid"/>
           </a:ln>
           <a:effectLst>
-            <a:outerShdw blurRad="31750" dir="2700000" algn="tl" rotWithShape="0">
+            <a:outerShdw blurRad="50800" dist="25400" dir="5400000">
               <a:srgbClr val="000000">
-                <a:alpha val="55000"/>
+                <a:alpha val="46000"/>
               </a:srgbClr>
             </a:outerShdw>
           </a:effectLst>
@@ -1722,21 +2133,111 @@
           <a:lnRef idx="1">
             <a:schemeClr val="accent1"/>
           </a:lnRef>
-          <a:fillRef idx="0">
+          <a:fillRef idx="3">
             <a:schemeClr val="accent1"/>
           </a:fillRef>
-          <a:effectRef idx="0">
+          <a:effectRef idx="2">
             <a:schemeClr val="accent1"/>
           </a:effectRef>
           <a:fontRef idx="minor">
-            <a:schemeClr val="tx1"/>
+            <a:schemeClr val="lt1"/>
           </a:fontRef>
         </p:style>
-      </p:cxnSp>
+        <p:txBody>
+          <a:bodyPr anchor="ctr"/>
+          <a:lstStyle>
+            <a:extLst/>
+          </a:lstStyle>
+          <a:p>
+            <a:pPr algn="l" eaLnBrk="1" latinLnBrk="0" hangingPunct="1"/>
+            <a:endParaRPr kumimoji="0" lang="en-US"/>
+          </a:p>
+        </p:txBody>
+      </p:sp>
+      <p:sp>
+        <p:nvSpPr>
+          <p:cNvPr id="8" name="Chevron 7"/>
+          <p:cNvSpPr/>
+          <p:nvPr/>
+        </p:nvSpPr>
+        <p:spPr>
+          <a:xfrm>
+            <a:off x="4600352" y="3005472"/>
+            <a:ext cx="243840" cy="228600"/>
+          </a:xfrm>
+          <a:prstGeom prst="chevron">
+            <a:avLst>
+              <a:gd name="adj" fmla="val 50000"/>
+            </a:avLst>
+          </a:prstGeom>
+          <a:gradFill flip="none" rotWithShape="1">
+            <a:gsLst>
+              <a:gs pos="0">
+                <a:schemeClr val="accent1">
+                  <a:shade val="60000"/>
+                  <a:satMod val="125000"/>
+                </a:schemeClr>
+              </a:gs>
+              <a:gs pos="72000">
+                <a:schemeClr val="accent1">
+                  <a:tint val="90000"/>
+                  <a:satMod val="138000"/>
+                </a:schemeClr>
+              </a:gs>
+              <a:gs pos="100000">
+                <a:schemeClr val="accent1">
+                  <a:tint val="76000"/>
+                  <a:satMod val="136000"/>
+                </a:schemeClr>
+              </a:gs>
+            </a:gsLst>
+            <a:lin ang="16200000" scaled="0"/>
+          </a:gradFill>
+          <a:ln w="3175" cap="rnd" cmpd="sng" algn="ctr">
+            <a:solidFill>
+              <a:schemeClr val="accent1">
+                <a:shade val="50000"/>
+              </a:schemeClr>
+            </a:solidFill>
+            <a:prstDash val="solid"/>
+          </a:ln>
+          <a:effectLst>
+            <a:outerShdw blurRad="50800" dist="25400" dir="5400000">
+              <a:srgbClr val="000000">
+                <a:alpha val="46000"/>
+              </a:srgbClr>
+            </a:outerShdw>
+          </a:effectLst>
+        </p:spPr>
+        <p:style>
+          <a:lnRef idx="1">
+            <a:schemeClr val="accent1"/>
+          </a:lnRef>
+          <a:fillRef idx="3">
+            <a:schemeClr val="accent1"/>
+          </a:fillRef>
+          <a:effectRef idx="2">
+            <a:schemeClr val="accent1"/>
+          </a:effectRef>
+          <a:fontRef idx="minor">
+            <a:schemeClr val="lt1"/>
+          </a:fontRef>
+        </p:style>
+        <p:txBody>
+          <a:bodyPr anchor="ctr"/>
+          <a:lstStyle>
+            <a:extLst/>
+          </a:lstStyle>
+          <a:p>
+            <a:pPr algn="l" eaLnBrk="1" latinLnBrk="0" hangingPunct="1"/>
+            <a:endParaRPr kumimoji="0" lang="en-US"/>
+          </a:p>
+        </p:txBody>
+      </p:sp>
     </p:spTree>
   </p:cSld>
   <p:clrMapOvr>
-    <a:masterClrMapping/>
+    <a:overrideClrMapping bg1="dk1" tx1="lt1" bg2="dk2" tx2="lt2" accent1="accent1" accent2="accent2" accent3="accent3" accent4="accent4" accent5="accent5" accent6="accent6" hlink="hlink" folHlink="folHlink"/>
   </p:clrMapOvr>
   <p:hf sldNum="0" hdr="0" ftr="0" dt="0"/>
 </p:sldLayout>
@@ -1745,6 +2246,11 @@
 <file path=ppt/slideLayouts/slideLayout4.xml><?xml version="1.0" encoding="utf-8"?>
 <p:sldLayout xmlns:a="http://schemas.openxmlformats.org/drawingml/2006/main" xmlns:r="http://schemas.openxmlformats.org/officeDocument/2006/relationships" xmlns:p="http://schemas.openxmlformats.org/presentationml/2006/main" type="twoObj" preserve="1">
   <p:cSld name="Two Content">
+    <p:bg>
+      <p:bgRef idx="1002">
+        <a:schemeClr val="bg1"/>
+      </p:bgRef>
+    </p:bg>
     <p:spTree>
       <p:nvGrpSpPr>
         <p:cNvPr id="1" name=""/>
@@ -1761,6 +2267,154 @@
       </p:grpSpPr>
       <p:sp>
         <p:nvSpPr>
+          <p:cNvPr id="3" name="Content Placeholder 2"/>
+          <p:cNvSpPr>
+            <a:spLocks noGrp="1"/>
+          </p:cNvSpPr>
+          <p:nvPr>
+            <p:ph sz="half" idx="1"/>
+          </p:nvPr>
+        </p:nvSpPr>
+        <p:spPr>
+          <a:xfrm>
+            <a:off x="609600" y="1481329"/>
+            <a:ext cx="5384800" cy="4525963"/>
+          </a:xfrm>
+        </p:spPr>
+        <p:txBody>
+          <a:bodyPr/>
+          <a:lstStyle>
+            <a:lvl1pPr>
+              <a:defRPr sz="2800"/>
+            </a:lvl1pPr>
+            <a:lvl2pPr>
+              <a:defRPr sz="2400"/>
+            </a:lvl2pPr>
+            <a:lvl3pPr>
+              <a:defRPr sz="2000"/>
+            </a:lvl3pPr>
+            <a:lvl4pPr>
+              <a:defRPr sz="1800"/>
+            </a:lvl4pPr>
+            <a:lvl5pPr>
+              <a:defRPr sz="1800"/>
+            </a:lvl5pPr>
+            <a:extLst/>
+          </a:lstStyle>
+          <a:p>
+            <a:pPr lvl="0" eaLnBrk="1" latinLnBrk="0" hangingPunct="1"/>
+            <a:r>
+              <a:rPr lang="en-US" smtClean="0"/>
+              <a:t>Click to edit Master text styles</a:t>
+            </a:r>
+          </a:p>
+          <a:p>
+            <a:pPr lvl="1" eaLnBrk="1" latinLnBrk="0" hangingPunct="1"/>
+            <a:r>
+              <a:rPr lang="en-US" smtClean="0"/>
+              <a:t>Second level</a:t>
+            </a:r>
+          </a:p>
+          <a:p>
+            <a:pPr lvl="2" eaLnBrk="1" latinLnBrk="0" hangingPunct="1"/>
+            <a:r>
+              <a:rPr lang="en-US" smtClean="0"/>
+              <a:t>Third level</a:t>
+            </a:r>
+          </a:p>
+          <a:p>
+            <a:pPr lvl="3" eaLnBrk="1" latinLnBrk="0" hangingPunct="1"/>
+            <a:r>
+              <a:rPr lang="en-US" smtClean="0"/>
+              <a:t>Fourth level</a:t>
+            </a:r>
+          </a:p>
+          <a:p>
+            <a:pPr lvl="4" eaLnBrk="1" latinLnBrk="0" hangingPunct="1"/>
+            <a:r>
+              <a:rPr lang="en-US" smtClean="0"/>
+              <a:t>Fifth level</a:t>
+            </a:r>
+            <a:endParaRPr kumimoji="0" lang="en-US"/>
+          </a:p>
+        </p:txBody>
+      </p:sp>
+      <p:sp>
+        <p:nvSpPr>
+          <p:cNvPr id="4" name="Content Placeholder 3"/>
+          <p:cNvSpPr>
+            <a:spLocks noGrp="1"/>
+          </p:cNvSpPr>
+          <p:nvPr>
+            <p:ph sz="half" idx="2"/>
+          </p:nvPr>
+        </p:nvSpPr>
+        <p:spPr>
+          <a:xfrm>
+            <a:off x="6197600" y="1481329"/>
+            <a:ext cx="5384800" cy="4525963"/>
+          </a:xfrm>
+        </p:spPr>
+        <p:txBody>
+          <a:bodyPr/>
+          <a:lstStyle>
+            <a:lvl1pPr>
+              <a:defRPr sz="2800"/>
+            </a:lvl1pPr>
+            <a:lvl2pPr>
+              <a:defRPr sz="2400"/>
+            </a:lvl2pPr>
+            <a:lvl3pPr>
+              <a:defRPr sz="2000"/>
+            </a:lvl3pPr>
+            <a:lvl4pPr>
+              <a:defRPr sz="1800"/>
+            </a:lvl4pPr>
+            <a:lvl5pPr>
+              <a:defRPr sz="1800"/>
+            </a:lvl5pPr>
+            <a:extLst/>
+          </a:lstStyle>
+          <a:p>
+            <a:pPr lvl="0" eaLnBrk="1" latinLnBrk="0" hangingPunct="1"/>
+            <a:r>
+              <a:rPr lang="en-US" smtClean="0"/>
+              <a:t>Click to edit Master text styles</a:t>
+            </a:r>
+          </a:p>
+          <a:p>
+            <a:pPr lvl="1" eaLnBrk="1" latinLnBrk="0" hangingPunct="1"/>
+            <a:r>
+              <a:rPr lang="en-US" smtClean="0"/>
+              <a:t>Second level</a:t>
+            </a:r>
+          </a:p>
+          <a:p>
+            <a:pPr lvl="2" eaLnBrk="1" latinLnBrk="0" hangingPunct="1"/>
+            <a:r>
+              <a:rPr lang="en-US" smtClean="0"/>
+              <a:t>Third level</a:t>
+            </a:r>
+          </a:p>
+          <a:p>
+            <a:pPr lvl="3" eaLnBrk="1" latinLnBrk="0" hangingPunct="1"/>
+            <a:r>
+              <a:rPr lang="en-US" smtClean="0"/>
+              <a:t>Fourth level</a:t>
+            </a:r>
+          </a:p>
+          <a:p>
+            <a:pPr lvl="4" eaLnBrk="1" latinLnBrk="0" hangingPunct="1"/>
+            <a:r>
+              <a:rPr lang="en-US" smtClean="0"/>
+              <a:t>Fifth level</a:t>
+            </a:r>
+            <a:endParaRPr kumimoji="0" lang="en-US"/>
+          </a:p>
+        </p:txBody>
+      </p:sp>
+      <p:sp>
+        <p:nvSpPr>
           <p:cNvPr id="5" name="Date Placeholder 4"/>
           <p:cNvSpPr>
             <a:spLocks noGrp="1"/>
@@ -1772,7 +2426,9 @@
         <p:spPr/>
         <p:txBody>
           <a:bodyPr/>
-          <a:lstStyle/>
+          <a:lstStyle>
+            <a:extLst/>
+          </a:lstStyle>
           <a:p>
             <a:fld id="{B09EAEE1-3CD0-4DFE-9865-EEDFCBBE01D8}" type="datetimeFigureOut">
               <a:rPr lang="en-US" smtClean="0"/>
@@ -1795,7 +2451,9 @@
         <p:spPr/>
         <p:txBody>
           <a:bodyPr/>
-          <a:lstStyle/>
+          <a:lstStyle>
+            <a:extLst/>
+          </a:lstStyle>
           <a:p>
             <a:endParaRPr lang="en-US" dirty="0"/>
           </a:p>
@@ -1814,7 +2472,9 @@
         <p:spPr/>
         <p:txBody>
           <a:bodyPr/>
-          <a:lstStyle/>
+          <a:lstStyle>
+            <a:extLst/>
+          </a:lstStyle>
           <a:p>
             <a:fld id="{A2D09813-85C9-41D3-BDD6-F45F8168A58C}" type="slidenum">
               <a:rPr lang="en-US" smtClean="0"/>
@@ -1826,7 +2486,7 @@
       </p:sp>
       <p:sp>
         <p:nvSpPr>
-          <p:cNvPr id="2" name="Title 1"/>
+          <p:cNvPr id="8" name="Title 7"/>
           <p:cNvSpPr>
             <a:spLocks noGrp="1"/>
           </p:cNvSpPr>
@@ -1836,126 +2496,14 @@
         </p:nvSpPr>
         <p:spPr/>
         <p:txBody>
-          <a:bodyPr/>
-          <a:lstStyle/>
+          <a:bodyPr rtlCol="0"/>
+          <a:lstStyle>
+            <a:extLst/>
+          </a:lstStyle>
           <a:p>
             <a:r>
               <a:rPr kumimoji="0" lang="en-US" smtClean="0"/>
               <a:t>Click to edit Master title style</a:t>
-            </a:r>
-            <a:endParaRPr kumimoji="0" lang="en-US"/>
-          </a:p>
-        </p:txBody>
-      </p:sp>
-      <p:sp>
-        <p:nvSpPr>
-          <p:cNvPr id="11" name="Content Placeholder 10"/>
-          <p:cNvSpPr>
-            <a:spLocks noGrp="1"/>
-          </p:cNvSpPr>
-          <p:nvPr>
-            <p:ph sz="half" idx="1"/>
-          </p:nvPr>
-        </p:nvSpPr>
-        <p:spPr>
-          <a:xfrm>
-            <a:off x="609600" y="1524000"/>
-            <a:ext cx="5413248" cy="4572000"/>
-          </a:xfrm>
-        </p:spPr>
-        <p:txBody>
-          <a:bodyPr/>
-          <a:lstStyle/>
-          <a:p>
-            <a:pPr lvl="0" eaLnBrk="1" latinLnBrk="0" hangingPunct="1"/>
-            <a:r>
-              <a:rPr lang="en-US" smtClean="0"/>
-              <a:t>Click to edit Master text styles</a:t>
-            </a:r>
-          </a:p>
-          <a:p>
-            <a:pPr lvl="1" eaLnBrk="1" latinLnBrk="0" hangingPunct="1"/>
-            <a:r>
-              <a:rPr lang="en-US" smtClean="0"/>
-              <a:t>Second level</a:t>
-            </a:r>
-          </a:p>
-          <a:p>
-            <a:pPr lvl="2" eaLnBrk="1" latinLnBrk="0" hangingPunct="1"/>
-            <a:r>
-              <a:rPr lang="en-US" smtClean="0"/>
-              <a:t>Third level</a:t>
-            </a:r>
-          </a:p>
-          <a:p>
-            <a:pPr lvl="3" eaLnBrk="1" latinLnBrk="0" hangingPunct="1"/>
-            <a:r>
-              <a:rPr lang="en-US" smtClean="0"/>
-              <a:t>Fourth level</a:t>
-            </a:r>
-          </a:p>
-          <a:p>
-            <a:pPr lvl="4" eaLnBrk="1" latinLnBrk="0" hangingPunct="1"/>
-            <a:r>
-              <a:rPr lang="en-US" smtClean="0"/>
-              <a:t>Fifth level</a:t>
-            </a:r>
-            <a:endParaRPr kumimoji="0" lang="en-US"/>
-          </a:p>
-        </p:txBody>
-      </p:sp>
-      <p:sp>
-        <p:nvSpPr>
-          <p:cNvPr id="13" name="Content Placeholder 12"/>
-          <p:cNvSpPr>
-            <a:spLocks noGrp="1"/>
-          </p:cNvSpPr>
-          <p:nvPr>
-            <p:ph sz="half" idx="2"/>
-          </p:nvPr>
-        </p:nvSpPr>
-        <p:spPr>
-          <a:xfrm>
-            <a:off x="6197600" y="1524000"/>
-            <a:ext cx="5413248" cy="4572000"/>
-          </a:xfrm>
-        </p:spPr>
-        <p:txBody>
-          <a:bodyPr/>
-          <a:lstStyle/>
-          <a:p>
-            <a:pPr lvl="0" eaLnBrk="1" latinLnBrk="0" hangingPunct="1"/>
-            <a:r>
-              <a:rPr lang="en-US" smtClean="0"/>
-              <a:t>Click to edit Master text styles</a:t>
-            </a:r>
-          </a:p>
-          <a:p>
-            <a:pPr lvl="1" eaLnBrk="1" latinLnBrk="0" hangingPunct="1"/>
-            <a:r>
-              <a:rPr lang="en-US" smtClean="0"/>
-              <a:t>Second level</a:t>
-            </a:r>
-          </a:p>
-          <a:p>
-            <a:pPr lvl="2" eaLnBrk="1" latinLnBrk="0" hangingPunct="1"/>
-            <a:r>
-              <a:rPr lang="en-US" smtClean="0"/>
-              <a:t>Third level</a:t>
-            </a:r>
-          </a:p>
-          <a:p>
-            <a:pPr lvl="3" eaLnBrk="1" latinLnBrk="0" hangingPunct="1"/>
-            <a:r>
-              <a:rPr lang="en-US" smtClean="0"/>
-              <a:t>Fourth level</a:t>
-            </a:r>
-          </a:p>
-          <a:p>
-            <a:pPr lvl="4" eaLnBrk="1" latinLnBrk="0" hangingPunct="1"/>
-            <a:r>
-              <a:rPr lang="en-US" smtClean="0"/>
-              <a:t>Fifth level</a:t>
             </a:r>
             <a:endParaRPr kumimoji="0" lang="en-US"/>
           </a:p>
@@ -1964,15 +2512,20 @@
     </p:spTree>
   </p:cSld>
   <p:clrMapOvr>
-    <a:masterClrMapping/>
+    <a:overrideClrMapping bg1="dk1" tx1="lt1" bg2="dk2" tx2="lt2" accent1="accent1" accent2="accent2" accent3="accent3" accent4="accent4" accent5="accent5" accent6="accent6" hlink="hlink" folHlink="folHlink"/>
   </p:clrMapOvr>
   <p:hf sldNum="0" hdr="0" ftr="0" dt="0"/>
 </p:sldLayout>
 </file>
 
 <file path=ppt/slideLayouts/slideLayout5.xml><?xml version="1.0" encoding="utf-8"?>
-<p:sldLayout xmlns:a="http://schemas.openxmlformats.org/drawingml/2006/main" xmlns:r="http://schemas.openxmlformats.org/officeDocument/2006/relationships" xmlns:p="http://schemas.openxmlformats.org/presentationml/2006/main" type="twoTxTwoObj" preserve="1">
+<p:sldLayout xmlns:a="http://schemas.openxmlformats.org/drawingml/2006/main" xmlns:r="http://schemas.openxmlformats.org/officeDocument/2006/relationships" xmlns:p="http://schemas.openxmlformats.org/presentationml/2006/main" showMasterSp="0" type="twoTxTwoObj" preserve="1">
   <p:cSld name="Comparison">
+    <p:bg>
+      <p:bgRef idx="1003">
+        <a:schemeClr val="bg1"/>
+      </p:bgRef>
+    </p:bg>
     <p:spTree>
       <p:nvGrpSpPr>
         <p:cNvPr id="1" name=""/>
@@ -1989,6 +2542,372 @@
       </p:grpSpPr>
       <p:sp>
         <p:nvSpPr>
+          <p:cNvPr id="2" name="Title 1"/>
+          <p:cNvSpPr>
+            <a:spLocks noGrp="1"/>
+          </p:cNvSpPr>
+          <p:nvPr>
+            <p:ph type="title"/>
+          </p:nvPr>
+        </p:nvSpPr>
+        <p:spPr>
+          <a:xfrm>
+            <a:off x="609600" y="273050"/>
+            <a:ext cx="10972800" cy="1143000"/>
+          </a:xfrm>
+        </p:spPr>
+        <p:txBody>
+          <a:bodyPr anchor="ctr"/>
+          <a:lstStyle>
+            <a:lvl1pPr>
+              <a:defRPr/>
+            </a:lvl1pPr>
+            <a:extLst/>
+          </a:lstStyle>
+          <a:p>
+            <a:r>
+              <a:rPr kumimoji="0" lang="en-US" smtClean="0"/>
+              <a:t>Click to edit Master title style</a:t>
+            </a:r>
+            <a:endParaRPr kumimoji="0" lang="en-US"/>
+          </a:p>
+        </p:txBody>
+      </p:sp>
+      <p:sp>
+        <p:nvSpPr>
+          <p:cNvPr id="3" name="Text Placeholder 2"/>
+          <p:cNvSpPr>
+            <a:spLocks noGrp="1"/>
+          </p:cNvSpPr>
+          <p:nvPr>
+            <p:ph type="body" idx="1"/>
+          </p:nvPr>
+        </p:nvSpPr>
+        <p:spPr>
+          <a:xfrm>
+            <a:off x="609600" y="5410200"/>
+            <a:ext cx="5386917" cy="762000"/>
+          </a:xfrm>
+          <a:solidFill>
+            <a:schemeClr val="accent1"/>
+          </a:solidFill>
+          <a:ln w="9652">
+            <a:solidFill>
+              <a:schemeClr val="accent1"/>
+            </a:solidFill>
+            <a:miter lim="800000"/>
+          </a:ln>
+        </p:spPr>
+        <p:txBody>
+          <a:bodyPr lIns="182880" anchor="ctr"/>
+          <a:lstStyle>
+            <a:lvl1pPr marL="0" indent="0">
+              <a:buNone/>
+              <a:defRPr sz="2400" b="0">
+                <a:solidFill>
+                  <a:schemeClr val="bg1"/>
+                </a:solidFill>
+              </a:defRPr>
+            </a:lvl1pPr>
+            <a:lvl2pPr>
+              <a:buNone/>
+              <a:defRPr sz="2000" b="1"/>
+            </a:lvl2pPr>
+            <a:lvl3pPr>
+              <a:buNone/>
+              <a:defRPr sz="1800" b="1"/>
+            </a:lvl3pPr>
+            <a:lvl4pPr>
+              <a:buNone/>
+              <a:defRPr sz="1600" b="1"/>
+            </a:lvl4pPr>
+            <a:lvl5pPr>
+              <a:buNone/>
+              <a:defRPr sz="1600" b="1"/>
+            </a:lvl5pPr>
+            <a:extLst/>
+          </a:lstStyle>
+          <a:p>
+            <a:pPr lvl="0" eaLnBrk="1" latinLnBrk="0" hangingPunct="1"/>
+            <a:r>
+              <a:rPr kumimoji="0" lang="en-US" smtClean="0"/>
+              <a:t>Click to edit Master text styles</a:t>
+            </a:r>
+          </a:p>
+        </p:txBody>
+      </p:sp>
+      <p:sp>
+        <p:nvSpPr>
+          <p:cNvPr id="4" name="Text Placeholder 3"/>
+          <p:cNvSpPr>
+            <a:spLocks noGrp="1"/>
+          </p:cNvSpPr>
+          <p:nvPr>
+            <p:ph type="body" sz="half" idx="3"/>
+          </p:nvPr>
+        </p:nvSpPr>
+        <p:spPr>
+          <a:xfrm>
+            <a:off x="6193369" y="5410200"/>
+            <a:ext cx="5389033" cy="762000"/>
+          </a:xfrm>
+          <a:solidFill>
+            <a:schemeClr val="accent1"/>
+          </a:solidFill>
+          <a:ln w="9652">
+            <a:solidFill>
+              <a:schemeClr val="accent1"/>
+            </a:solidFill>
+            <a:miter lim="800000"/>
+          </a:ln>
+        </p:spPr>
+        <p:txBody>
+          <a:bodyPr lIns="182880" anchor="ctr"/>
+          <a:lstStyle>
+            <a:lvl1pPr marL="0" indent="0">
+              <a:buNone/>
+              <a:defRPr sz="2400" b="0">
+                <a:solidFill>
+                  <a:schemeClr val="bg1"/>
+                </a:solidFill>
+              </a:defRPr>
+            </a:lvl1pPr>
+            <a:lvl2pPr>
+              <a:buNone/>
+              <a:defRPr sz="2000" b="1"/>
+            </a:lvl2pPr>
+            <a:lvl3pPr>
+              <a:buNone/>
+              <a:defRPr sz="1800" b="1"/>
+            </a:lvl3pPr>
+            <a:lvl4pPr>
+              <a:buNone/>
+              <a:defRPr sz="1600" b="1"/>
+            </a:lvl4pPr>
+            <a:lvl5pPr>
+              <a:buNone/>
+              <a:defRPr sz="1600" b="1"/>
+            </a:lvl5pPr>
+            <a:extLst/>
+          </a:lstStyle>
+          <a:p>
+            <a:pPr lvl="0" eaLnBrk="1" latinLnBrk="0" hangingPunct="1"/>
+            <a:r>
+              <a:rPr kumimoji="0" lang="en-US" smtClean="0"/>
+              <a:t>Click to edit Master text styles</a:t>
+            </a:r>
+          </a:p>
+        </p:txBody>
+      </p:sp>
+      <p:sp>
+        <p:nvSpPr>
+          <p:cNvPr id="5" name="Content Placeholder 4"/>
+          <p:cNvSpPr>
+            <a:spLocks noGrp="1"/>
+          </p:cNvSpPr>
+          <p:nvPr>
+            <p:ph sz="quarter" idx="2"/>
+          </p:nvPr>
+        </p:nvSpPr>
+        <p:spPr>
+          <a:xfrm>
+            <a:off x="609600" y="1444295"/>
+            <a:ext cx="5386917" cy="3941763"/>
+          </a:xfrm>
+          <a:ln>
+            <a:noFill/>
+            <a:prstDash val="sysDash"/>
+            <a:miter lim="800000"/>
+          </a:ln>
+        </p:spPr>
+        <p:txBody>
+          <a:bodyPr/>
+          <a:lstStyle>
+            <a:lvl1pPr>
+              <a:defRPr sz="2400"/>
+            </a:lvl1pPr>
+            <a:lvl2pPr>
+              <a:defRPr sz="2000"/>
+            </a:lvl2pPr>
+            <a:lvl3pPr>
+              <a:defRPr sz="1800"/>
+            </a:lvl3pPr>
+            <a:lvl4pPr>
+              <a:defRPr sz="1600"/>
+            </a:lvl4pPr>
+            <a:lvl5pPr>
+              <a:defRPr sz="1600"/>
+            </a:lvl5pPr>
+            <a:extLst/>
+          </a:lstStyle>
+          <a:p>
+            <a:pPr lvl="0" eaLnBrk="1" latinLnBrk="0" hangingPunct="1"/>
+            <a:r>
+              <a:rPr lang="en-US" smtClean="0"/>
+              <a:t>Click to edit Master text styles</a:t>
+            </a:r>
+          </a:p>
+          <a:p>
+            <a:pPr lvl="1" eaLnBrk="1" latinLnBrk="0" hangingPunct="1"/>
+            <a:r>
+              <a:rPr lang="en-US" smtClean="0"/>
+              <a:t>Second level</a:t>
+            </a:r>
+          </a:p>
+          <a:p>
+            <a:pPr lvl="2" eaLnBrk="1" latinLnBrk="0" hangingPunct="1"/>
+            <a:r>
+              <a:rPr lang="en-US" smtClean="0"/>
+              <a:t>Third level</a:t>
+            </a:r>
+          </a:p>
+          <a:p>
+            <a:pPr lvl="3" eaLnBrk="1" latinLnBrk="0" hangingPunct="1"/>
+            <a:r>
+              <a:rPr lang="en-US" smtClean="0"/>
+              <a:t>Fourth level</a:t>
+            </a:r>
+          </a:p>
+          <a:p>
+            <a:pPr lvl="4" eaLnBrk="1" latinLnBrk="0" hangingPunct="1"/>
+            <a:r>
+              <a:rPr lang="en-US" smtClean="0"/>
+              <a:t>Fifth level</a:t>
+            </a:r>
+            <a:endParaRPr kumimoji="0" lang="en-US"/>
+          </a:p>
+        </p:txBody>
+      </p:sp>
+      <p:sp>
+        <p:nvSpPr>
+          <p:cNvPr id="6" name="Content Placeholder 5"/>
+          <p:cNvSpPr>
+            <a:spLocks noGrp="1"/>
+          </p:cNvSpPr>
+          <p:nvPr>
+            <p:ph sz="quarter" idx="4"/>
+          </p:nvPr>
+        </p:nvSpPr>
+        <p:spPr>
+          <a:xfrm>
+            <a:off x="6193368" y="1444295"/>
+            <a:ext cx="5389033" cy="3941763"/>
+          </a:xfrm>
+          <a:ln>
+            <a:noFill/>
+            <a:prstDash val="sysDash"/>
+            <a:miter lim="800000"/>
+          </a:ln>
+        </p:spPr>
+        <p:txBody>
+          <a:bodyPr/>
+          <a:lstStyle>
+            <a:lvl1pPr>
+              <a:spcBef>
+                <a:spcPts val="0"/>
+              </a:spcBef>
+              <a:defRPr sz="2400"/>
+            </a:lvl1pPr>
+            <a:lvl2pPr>
+              <a:defRPr sz="2000"/>
+            </a:lvl2pPr>
+            <a:lvl3pPr>
+              <a:defRPr sz="1800"/>
+            </a:lvl3pPr>
+            <a:lvl4pPr>
+              <a:defRPr sz="1600"/>
+            </a:lvl4pPr>
+            <a:lvl5pPr>
+              <a:defRPr sz="1600"/>
+            </a:lvl5pPr>
+            <a:extLst/>
+          </a:lstStyle>
+          <a:p>
+            <a:pPr lvl="0" eaLnBrk="1" latinLnBrk="0" hangingPunct="1"/>
+            <a:r>
+              <a:rPr lang="en-US" smtClean="0"/>
+              <a:t>Click to edit Master text styles</a:t>
+            </a:r>
+          </a:p>
+          <a:p>
+            <a:pPr lvl="1" eaLnBrk="1" latinLnBrk="0" hangingPunct="1"/>
+            <a:r>
+              <a:rPr lang="en-US" smtClean="0"/>
+              <a:t>Second level</a:t>
+            </a:r>
+          </a:p>
+          <a:p>
+            <a:pPr lvl="2" eaLnBrk="1" latinLnBrk="0" hangingPunct="1"/>
+            <a:r>
+              <a:rPr lang="en-US" smtClean="0"/>
+              <a:t>Third level</a:t>
+            </a:r>
+          </a:p>
+          <a:p>
+            <a:pPr lvl="3" eaLnBrk="1" latinLnBrk="0" hangingPunct="1"/>
+            <a:r>
+              <a:rPr lang="en-US" smtClean="0"/>
+              <a:t>Fourth level</a:t>
+            </a:r>
+          </a:p>
+          <a:p>
+            <a:pPr lvl="4" eaLnBrk="1" latinLnBrk="0" hangingPunct="1"/>
+            <a:r>
+              <a:rPr lang="en-US" smtClean="0"/>
+              <a:t>Fifth level</a:t>
+            </a:r>
+            <a:endParaRPr kumimoji="0" lang="en-US"/>
+          </a:p>
+        </p:txBody>
+      </p:sp>
+      <p:sp>
+        <p:nvSpPr>
+          <p:cNvPr id="7" name="Date Placeholder 6"/>
+          <p:cNvSpPr>
+            <a:spLocks noGrp="1"/>
+          </p:cNvSpPr>
+          <p:nvPr>
+            <p:ph type="dt" sz="half" idx="10"/>
+          </p:nvPr>
+        </p:nvSpPr>
+        <p:spPr/>
+        <p:txBody>
+          <a:bodyPr/>
+          <a:lstStyle>
+            <a:extLst/>
+          </a:lstStyle>
+          <a:p>
+            <a:fld id="{B09EAEE1-3CD0-4DFE-9865-EEDFCBBE01D8}" type="datetimeFigureOut">
+              <a:rPr lang="en-US" smtClean="0"/>
+              <a:t>1/5/2024</a:t>
+            </a:fld>
+            <a:endParaRPr lang="en-US" dirty="0"/>
+          </a:p>
+        </p:txBody>
+      </p:sp>
+      <p:sp>
+        <p:nvSpPr>
+          <p:cNvPr id="8" name="Footer Placeholder 7"/>
+          <p:cNvSpPr>
+            <a:spLocks noGrp="1"/>
+          </p:cNvSpPr>
+          <p:nvPr>
+            <p:ph type="ftr" sz="quarter" idx="11"/>
+          </p:nvPr>
+        </p:nvSpPr>
+        <p:spPr/>
+        <p:txBody>
+          <a:bodyPr/>
+          <a:lstStyle>
+            <a:extLst/>
+          </a:lstStyle>
+          <a:p>
+            <a:endParaRPr lang="en-US" dirty="0"/>
+          </a:p>
+        </p:txBody>
+      </p:sp>
+      <p:sp>
+        <p:nvSpPr>
           <p:cNvPr id="9" name="Slide Number Placeholder 8"/>
           <p:cNvSpPr>
             <a:spLocks noGrp="1"/>
@@ -2000,7 +2919,9 @@
         <p:spPr/>
         <p:txBody>
           <a:bodyPr/>
-          <a:lstStyle/>
+          <a:lstStyle>
+            <a:extLst/>
+          </a:lstStyle>
           <a:p>
             <a:fld id="{A2D09813-85C9-41D3-BDD6-F45F8168A58C}" type="slidenum">
               <a:rPr lang="en-US" smtClean="0"/>
@@ -2010,451 +2931,10 @@
           </a:p>
         </p:txBody>
       </p:sp>
-      <p:sp>
-        <p:nvSpPr>
-          <p:cNvPr id="8" name="Footer Placeholder 7"/>
-          <p:cNvSpPr>
-            <a:spLocks noGrp="1"/>
-          </p:cNvSpPr>
-          <p:nvPr>
-            <p:ph type="ftr" sz="quarter" idx="11"/>
-          </p:nvPr>
-        </p:nvSpPr>
-        <p:spPr/>
-        <p:txBody>
-          <a:bodyPr/>
-          <a:lstStyle/>
-          <a:p>
-            <a:endParaRPr lang="en-US" dirty="0"/>
-          </a:p>
-        </p:txBody>
-      </p:sp>
-      <p:sp>
-        <p:nvSpPr>
-          <p:cNvPr id="7" name="Date Placeholder 6"/>
-          <p:cNvSpPr>
-            <a:spLocks noGrp="1"/>
-          </p:cNvSpPr>
-          <p:nvPr>
-            <p:ph type="dt" sz="half" idx="10"/>
-          </p:nvPr>
-        </p:nvSpPr>
-        <p:spPr/>
-        <p:txBody>
-          <a:bodyPr/>
-          <a:lstStyle/>
-          <a:p>
-            <a:fld id="{B09EAEE1-3CD0-4DFE-9865-EEDFCBBE01D8}" type="datetimeFigureOut">
-              <a:rPr lang="en-US" smtClean="0"/>
-              <a:t>1/5/2024</a:t>
-            </a:fld>
-            <a:endParaRPr lang="en-US" dirty="0"/>
-          </a:p>
-        </p:txBody>
-      </p:sp>
-      <p:sp>
-        <p:nvSpPr>
-          <p:cNvPr id="3" name="Text Placeholder 2"/>
-          <p:cNvSpPr>
-            <a:spLocks noGrp="1"/>
-          </p:cNvSpPr>
-          <p:nvPr>
-            <p:ph type="body" idx="1"/>
-          </p:nvPr>
-        </p:nvSpPr>
-        <p:spPr>
-          <a:xfrm>
-            <a:off x="609600" y="1399593"/>
-            <a:ext cx="5386917" cy="762000"/>
-          </a:xfrm>
-          <a:noFill/>
-          <a:ln w="25400" cap="rnd" cmpd="sng" algn="ctr">
-            <a:noFill/>
-            <a:prstDash val="solid"/>
-          </a:ln>
-          <a:effectLst>
-            <a:softEdge rad="63500"/>
-          </a:effectLst>
-          <a:sp3d prstMaterial="flat"/>
-        </p:spPr>
-        <p:style>
-          <a:lnRef idx="3">
-            <a:schemeClr val="lt1"/>
-          </a:lnRef>
-          <a:fillRef idx="1">
-            <a:schemeClr val="accent5"/>
-          </a:fillRef>
-          <a:effectRef idx="1">
-            <a:schemeClr val="accent5"/>
-          </a:effectRef>
-          <a:fontRef idx="minor">
-            <a:schemeClr val="lt1"/>
-          </a:fontRef>
-        </p:style>
-        <p:txBody>
-          <a:bodyPr lIns="91440" tIns="45720" rIns="91440" bIns="45720" anchor="b">
-            <a:noAutofit/>
-          </a:bodyPr>
-          <a:lstStyle>
-            <a:lvl1pPr marL="0" indent="0" algn="l">
-              <a:spcBef>
-                <a:spcPts val="0"/>
-              </a:spcBef>
-              <a:buNone/>
-              <a:defRPr sz="2600" b="1">
-                <a:solidFill>
-                  <a:schemeClr val="tx2"/>
-                </a:solidFill>
-              </a:defRPr>
-            </a:lvl1pPr>
-            <a:lvl2pPr>
-              <a:buNone/>
-              <a:defRPr sz="2000" b="1"/>
-            </a:lvl2pPr>
-            <a:lvl3pPr>
-              <a:buNone/>
-              <a:defRPr sz="1800" b="1"/>
-            </a:lvl3pPr>
-            <a:lvl4pPr>
-              <a:buNone/>
-              <a:defRPr sz="1600" b="1"/>
-            </a:lvl4pPr>
-            <a:lvl5pPr>
-              <a:buNone/>
-              <a:defRPr sz="1600" b="1"/>
-            </a:lvl5pPr>
-          </a:lstStyle>
-          <a:p>
-            <a:pPr lvl="0" eaLnBrk="1" latinLnBrk="0" hangingPunct="1"/>
-            <a:r>
-              <a:rPr kumimoji="0" lang="en-US" smtClean="0"/>
-              <a:t>Click to edit Master text styles</a:t>
-            </a:r>
-          </a:p>
-        </p:txBody>
-      </p:sp>
-      <p:sp>
-        <p:nvSpPr>
-          <p:cNvPr id="32" name="Content Placeholder 31"/>
-          <p:cNvSpPr>
-            <a:spLocks noGrp="1"/>
-          </p:cNvSpPr>
-          <p:nvPr>
-            <p:ph sz="half" idx="2"/>
-          </p:nvPr>
-        </p:nvSpPr>
-        <p:spPr>
-          <a:xfrm>
-            <a:off x="609600" y="2201896"/>
-            <a:ext cx="5384800" cy="3913632"/>
-          </a:xfrm>
-        </p:spPr>
-        <p:txBody>
-          <a:bodyPr/>
-          <a:lstStyle/>
-          <a:p>
-            <a:pPr lvl="0" eaLnBrk="1" latinLnBrk="0" hangingPunct="1"/>
-            <a:r>
-              <a:rPr lang="en-US" smtClean="0"/>
-              <a:t>Click to edit Master text styles</a:t>
-            </a:r>
-          </a:p>
-          <a:p>
-            <a:pPr lvl="1" eaLnBrk="1" latinLnBrk="0" hangingPunct="1"/>
-            <a:r>
-              <a:rPr lang="en-US" smtClean="0"/>
-              <a:t>Second level</a:t>
-            </a:r>
-          </a:p>
-          <a:p>
-            <a:pPr lvl="2" eaLnBrk="1" latinLnBrk="0" hangingPunct="1"/>
-            <a:r>
-              <a:rPr lang="en-US" smtClean="0"/>
-              <a:t>Third level</a:t>
-            </a:r>
-          </a:p>
-          <a:p>
-            <a:pPr lvl="3" eaLnBrk="1" latinLnBrk="0" hangingPunct="1"/>
-            <a:r>
-              <a:rPr lang="en-US" smtClean="0"/>
-              <a:t>Fourth level</a:t>
-            </a:r>
-          </a:p>
-          <a:p>
-            <a:pPr lvl="4" eaLnBrk="1" latinLnBrk="0" hangingPunct="1"/>
-            <a:r>
-              <a:rPr lang="en-US" smtClean="0"/>
-              <a:t>Fifth level</a:t>
-            </a:r>
-            <a:endParaRPr kumimoji="0" lang="en-US"/>
-          </a:p>
-        </p:txBody>
-      </p:sp>
-      <p:sp>
-        <p:nvSpPr>
-          <p:cNvPr id="34" name="Content Placeholder 33"/>
-          <p:cNvSpPr>
-            <a:spLocks noGrp="1"/>
-          </p:cNvSpPr>
-          <p:nvPr>
-            <p:ph sz="quarter" idx="4"/>
-          </p:nvPr>
-        </p:nvSpPr>
-        <p:spPr>
-          <a:xfrm>
-            <a:off x="6199717" y="2201896"/>
-            <a:ext cx="5384800" cy="3913632"/>
-          </a:xfrm>
-        </p:spPr>
-        <p:txBody>
-          <a:bodyPr/>
-          <a:lstStyle/>
-          <a:p>
-            <a:pPr lvl="0" eaLnBrk="1" latinLnBrk="0" hangingPunct="1"/>
-            <a:r>
-              <a:rPr lang="en-US" smtClean="0"/>
-              <a:t>Click to edit Master text styles</a:t>
-            </a:r>
-          </a:p>
-          <a:p>
-            <a:pPr lvl="1" eaLnBrk="1" latinLnBrk="0" hangingPunct="1"/>
-            <a:r>
-              <a:rPr lang="en-US" smtClean="0"/>
-              <a:t>Second level</a:t>
-            </a:r>
-          </a:p>
-          <a:p>
-            <a:pPr lvl="2" eaLnBrk="1" latinLnBrk="0" hangingPunct="1"/>
-            <a:r>
-              <a:rPr lang="en-US" smtClean="0"/>
-              <a:t>Third level</a:t>
-            </a:r>
-          </a:p>
-          <a:p>
-            <a:pPr lvl="3" eaLnBrk="1" latinLnBrk="0" hangingPunct="1"/>
-            <a:r>
-              <a:rPr lang="en-US" smtClean="0"/>
-              <a:t>Fourth level</a:t>
-            </a:r>
-          </a:p>
-          <a:p>
-            <a:pPr lvl="4" eaLnBrk="1" latinLnBrk="0" hangingPunct="1"/>
-            <a:r>
-              <a:rPr lang="en-US" smtClean="0"/>
-              <a:t>Fifth level</a:t>
-            </a:r>
-            <a:endParaRPr kumimoji="0" lang="en-US"/>
-          </a:p>
-        </p:txBody>
-      </p:sp>
-      <p:sp>
-        <p:nvSpPr>
-          <p:cNvPr id="2" name="Title 1"/>
-          <p:cNvSpPr>
-            <a:spLocks noGrp="1"/>
-          </p:cNvSpPr>
-          <p:nvPr>
-            <p:ph type="title"/>
-          </p:nvPr>
-        </p:nvSpPr>
-        <p:spPr>
-          <a:xfrm>
-            <a:off x="609600" y="155448"/>
-            <a:ext cx="10972800" cy="1143000"/>
-          </a:xfrm>
-        </p:spPr>
-        <p:txBody>
-          <a:bodyPr anchor="b" anchorCtr="0"/>
-          <a:lstStyle>
-            <a:lvl1pPr>
-              <a:defRPr/>
-            </a:lvl1pPr>
-          </a:lstStyle>
-          <a:p>
-            <a:r>
-              <a:rPr kumimoji="0" lang="en-US" smtClean="0"/>
-              <a:t>Click to edit Master title style</a:t>
-            </a:r>
-            <a:endParaRPr kumimoji="0" lang="en-US"/>
-          </a:p>
-        </p:txBody>
-      </p:sp>
-      <p:sp>
-        <p:nvSpPr>
-          <p:cNvPr id="12" name="Text Placeholder 11"/>
-          <p:cNvSpPr>
-            <a:spLocks noGrp="1"/>
-          </p:cNvSpPr>
-          <p:nvPr>
-            <p:ph type="body" idx="3"/>
-          </p:nvPr>
-        </p:nvSpPr>
-        <p:spPr>
-          <a:xfrm>
-            <a:off x="6197600" y="1399593"/>
-            <a:ext cx="5386917" cy="762000"/>
-          </a:xfrm>
-          <a:noFill/>
-          <a:ln w="25400" cap="rnd" cmpd="sng" algn="ctr">
-            <a:noFill/>
-            <a:prstDash val="solid"/>
-          </a:ln>
-          <a:effectLst>
-            <a:softEdge rad="63500"/>
-          </a:effectLst>
-        </p:spPr>
-        <p:style>
-          <a:lnRef idx="3">
-            <a:schemeClr val="lt1"/>
-          </a:lnRef>
-          <a:fillRef idx="1">
-            <a:schemeClr val="accent5"/>
-          </a:fillRef>
-          <a:effectRef idx="1">
-            <a:schemeClr val="accent5"/>
-          </a:effectRef>
-          <a:fontRef idx="minor">
-            <a:schemeClr val="lt1"/>
-          </a:fontRef>
-        </p:style>
-        <p:txBody>
-          <a:bodyPr lIns="91440" tIns="45720" rIns="91440" bIns="45720" anchor="b">
-            <a:noAutofit/>
-          </a:bodyPr>
-          <a:lstStyle>
-            <a:lvl1pPr marL="0" indent="0" algn="l">
-              <a:spcBef>
-                <a:spcPts val="0"/>
-              </a:spcBef>
-              <a:buNone/>
-              <a:defRPr sz="2600" b="1" baseline="0">
-                <a:solidFill>
-                  <a:schemeClr val="tx2"/>
-                </a:solidFill>
-              </a:defRPr>
-            </a:lvl1pPr>
-            <a:lvl2pPr>
-              <a:buNone/>
-              <a:defRPr sz="2000" b="1"/>
-            </a:lvl2pPr>
-            <a:lvl3pPr>
-              <a:buNone/>
-              <a:defRPr sz="1800" b="1"/>
-            </a:lvl3pPr>
-            <a:lvl4pPr>
-              <a:buNone/>
-              <a:defRPr sz="1600" b="1"/>
-            </a:lvl4pPr>
-            <a:lvl5pPr>
-              <a:buNone/>
-              <a:defRPr sz="1600" b="1"/>
-            </a:lvl5pPr>
-          </a:lstStyle>
-          <a:p>
-            <a:pPr lvl="0" eaLnBrk="1" latinLnBrk="0" hangingPunct="1"/>
-            <a:r>
-              <a:rPr kumimoji="0" lang="en-US" smtClean="0"/>
-              <a:t>Click to edit Master text styles</a:t>
-            </a:r>
-          </a:p>
-        </p:txBody>
-      </p:sp>
-      <p:cxnSp>
-        <p:nvCxnSpPr>
-          <p:cNvPr id="10" name="Straight Connector 9"/>
-          <p:cNvCxnSpPr/>
-          <p:nvPr/>
-        </p:nvCxnSpPr>
-        <p:spPr>
-          <a:xfrm>
-            <a:off x="750593" y="2180219"/>
-            <a:ext cx="4998720" cy="1588"/>
-          </a:xfrm>
-          <a:prstGeom prst="line">
-            <a:avLst/>
-          </a:prstGeom>
-          <a:noFill/>
-          <a:ln w="12700" cap="flat" cmpd="sng" algn="ctr">
-            <a:solidFill>
-              <a:schemeClr val="bg2">
-                <a:tint val="20000"/>
-              </a:schemeClr>
-            </a:solidFill>
-            <a:prstDash val="solid"/>
-          </a:ln>
-          <a:effectLst>
-            <a:outerShdw blurRad="34925" dir="2700000" algn="tl" rotWithShape="0">
-              <a:srgbClr val="000000">
-                <a:alpha val="55000"/>
-              </a:srgbClr>
-            </a:outerShdw>
-          </a:effectLst>
-        </p:spPr>
-        <p:style>
-          <a:lnRef idx="1">
-            <a:schemeClr val="accent1"/>
-          </a:lnRef>
-          <a:fillRef idx="0">
-            <a:schemeClr val="accent1"/>
-          </a:fillRef>
-          <a:effectRef idx="0">
-            <a:schemeClr val="accent1"/>
-          </a:effectRef>
-          <a:fontRef idx="minor">
-            <a:schemeClr val="tx1"/>
-          </a:fontRef>
-        </p:style>
-      </p:cxnSp>
-      <p:cxnSp>
-        <p:nvCxnSpPr>
-          <p:cNvPr id="17" name="Straight Connector 16"/>
-          <p:cNvCxnSpPr/>
-          <p:nvPr/>
-        </p:nvCxnSpPr>
-        <p:spPr>
-          <a:xfrm>
-            <a:off x="6339840" y="2180219"/>
-            <a:ext cx="4998720" cy="1588"/>
-          </a:xfrm>
-          <a:prstGeom prst="line">
-            <a:avLst/>
-          </a:prstGeom>
-          <a:noFill/>
-          <a:ln w="12700" cap="flat" cmpd="sng" algn="ctr">
-            <a:solidFill>
-              <a:schemeClr val="bg2">
-                <a:tint val="20000"/>
-              </a:schemeClr>
-            </a:solidFill>
-            <a:prstDash val="solid"/>
-          </a:ln>
-          <a:effectLst>
-            <a:outerShdw blurRad="34925" dir="2700000" algn="tl" rotWithShape="0">
-              <a:srgbClr val="000000">
-                <a:alpha val="55000"/>
-              </a:srgbClr>
-            </a:outerShdw>
-          </a:effectLst>
-        </p:spPr>
-        <p:style>
-          <a:lnRef idx="1">
-            <a:schemeClr val="accent1"/>
-          </a:lnRef>
-          <a:fillRef idx="0">
-            <a:schemeClr val="accent1"/>
-          </a:fillRef>
-          <a:effectRef idx="0">
-            <a:schemeClr val="accent1"/>
-          </a:effectRef>
-          <a:fontRef idx="minor">
-            <a:schemeClr val="tx1"/>
-          </a:fontRef>
-        </p:style>
-      </p:cxnSp>
     </p:spTree>
   </p:cSld>
   <p:clrMapOvr>
-    <a:masterClrMapping/>
+    <a:overrideClrMapping bg1="lt1" tx1="dk1" bg2="lt2" tx2="dk2" accent1="accent1" accent2="accent2" accent3="accent3" accent4="accent4" accent5="accent5" accent6="accent6" hlink="hlink" folHlink="folHlink"/>
   </p:clrMapOvr>
   <p:hf sldNum="0" hdr="0" ftr="0" dt="0"/>
 </p:sldLayout>
@@ -2463,6 +2943,11 @@
 <file path=ppt/slideLayouts/slideLayout6.xml><?xml version="1.0" encoding="utf-8"?>
 <p:sldLayout xmlns:a="http://schemas.openxmlformats.org/drawingml/2006/main" xmlns:r="http://schemas.openxmlformats.org/officeDocument/2006/relationships" xmlns:p="http://schemas.openxmlformats.org/presentationml/2006/main" type="titleOnly" preserve="1">
   <p:cSld name="Title Only">
+    <p:bg>
+      <p:bgRef idx="1002">
+        <a:schemeClr val="bg1"/>
+      </p:bgRef>
+    </p:bg>
     <p:spTree>
       <p:nvGrpSpPr>
         <p:cNvPr id="1" name=""/>
@@ -2490,7 +2975,9 @@
         <p:spPr/>
         <p:txBody>
           <a:bodyPr/>
-          <a:lstStyle/>
+          <a:lstStyle>
+            <a:extLst/>
+          </a:lstStyle>
           <a:p>
             <a:fld id="{B09EAEE1-3CD0-4DFE-9865-EEDFCBBE01D8}" type="datetimeFigureOut">
               <a:rPr lang="en-US" smtClean="0"/>
@@ -2513,7 +3000,9 @@
         <p:spPr/>
         <p:txBody>
           <a:bodyPr/>
-          <a:lstStyle/>
+          <a:lstStyle>
+            <a:extLst/>
+          </a:lstStyle>
           <a:p>
             <a:endParaRPr lang="en-US" dirty="0"/>
           </a:p>
@@ -2532,7 +3021,9 @@
         <p:spPr/>
         <p:txBody>
           <a:bodyPr/>
-          <a:lstStyle/>
+          <a:lstStyle>
+            <a:extLst/>
+          </a:lstStyle>
           <a:p>
             <a:fld id="{A2D09813-85C9-41D3-BDD6-F45F8168A58C}" type="slidenum">
               <a:rPr lang="en-US" smtClean="0"/>
@@ -2544,7 +3035,7 @@
       </p:sp>
       <p:sp>
         <p:nvSpPr>
-          <p:cNvPr id="2" name="Title 1"/>
+          <p:cNvPr id="6" name="Title 5"/>
           <p:cNvSpPr>
             <a:spLocks noGrp="1"/>
           </p:cNvSpPr>
@@ -2554,8 +3045,10 @@
         </p:nvSpPr>
         <p:spPr/>
         <p:txBody>
-          <a:bodyPr/>
-          <a:lstStyle/>
+          <a:bodyPr rtlCol="0"/>
+          <a:lstStyle>
+            <a:extLst/>
+          </a:lstStyle>
           <a:p>
             <a:r>
               <a:rPr kumimoji="0" lang="en-US" smtClean="0"/>
@@ -2568,7 +3061,7 @@
     </p:spTree>
   </p:cSld>
   <p:clrMapOvr>
-    <a:masterClrMapping/>
+    <a:overrideClrMapping bg1="dk1" tx1="lt1" bg2="dk2" tx2="lt2" accent1="accent1" accent2="accent2" accent3="accent3" accent4="accent4" accent5="accent5" accent6="accent6" hlink="hlink" folHlink="folHlink"/>
   </p:clrMapOvr>
   <p:hf sldNum="0" hdr="0" ftr="0" dt="0"/>
 </p:sldLayout>
@@ -2604,7 +3097,9 @@
         <p:spPr/>
         <p:txBody>
           <a:bodyPr/>
-          <a:lstStyle/>
+          <a:lstStyle>
+            <a:extLst/>
+          </a:lstStyle>
           <a:p>
             <a:fld id="{B09EAEE1-3CD0-4DFE-9865-EEDFCBBE01D8}" type="datetimeFigureOut">
               <a:rPr lang="en-US" smtClean="0"/>
@@ -2627,7 +3122,9 @@
         <p:spPr/>
         <p:txBody>
           <a:bodyPr/>
-          <a:lstStyle/>
+          <a:lstStyle>
+            <a:extLst/>
+          </a:lstStyle>
           <a:p>
             <a:endParaRPr lang="en-US" dirty="0"/>
           </a:p>
@@ -2646,7 +3143,9 @@
         <p:spPr/>
         <p:txBody>
           <a:bodyPr/>
-          <a:lstStyle/>
+          <a:lstStyle>
+            <a:extLst/>
+          </a:lstStyle>
           <a:p>
             <a:fld id="{A2D09813-85C9-41D3-BDD6-F45F8168A58C}" type="slidenum">
               <a:rPr lang="en-US" smtClean="0"/>
@@ -2668,501 +3167,9 @@
 <file path=ppt/slideLayouts/slideLayout8.xml><?xml version="1.0" encoding="utf-8"?>
 <p:sldLayout xmlns:a="http://schemas.openxmlformats.org/drawingml/2006/main" xmlns:r="http://schemas.openxmlformats.org/officeDocument/2006/relationships" xmlns:p="http://schemas.openxmlformats.org/presentationml/2006/main" showMasterSp="0" type="objTx" preserve="1">
   <p:cSld name="Content with Caption">
-    <p:spTree>
-      <p:nvGrpSpPr>
-        <p:cNvPr id="1" name=""/>
-        <p:cNvGrpSpPr/>
-        <p:nvPr/>
-      </p:nvGrpSpPr>
-      <p:grpSpPr>
-        <a:xfrm>
-          <a:off x="0" y="0"/>
-          <a:ext cx="0" cy="0"/>
-          <a:chOff x="0" y="0"/>
-          <a:chExt cx="0" cy="0"/>
-        </a:xfrm>
-      </p:grpSpPr>
-      <p:sp>
-        <p:nvSpPr>
-          <p:cNvPr id="29" name="Content Placeholder 28"/>
-          <p:cNvSpPr>
-            <a:spLocks noGrp="1"/>
-          </p:cNvSpPr>
-          <p:nvPr>
-            <p:ph sz="quarter" idx="1"/>
-          </p:nvPr>
-        </p:nvSpPr>
-        <p:spPr>
-          <a:xfrm>
-            <a:off x="609600" y="457200"/>
-            <a:ext cx="8331200" cy="5715000"/>
-          </a:xfrm>
-        </p:spPr>
-        <p:txBody>
-          <a:bodyPr/>
-          <a:lstStyle/>
-          <a:p>
-            <a:pPr lvl="0" eaLnBrk="1" latinLnBrk="0" hangingPunct="1"/>
-            <a:r>
-              <a:rPr lang="en-US" smtClean="0"/>
-              <a:t>Click to edit Master text styles</a:t>
-            </a:r>
-          </a:p>
-          <a:p>
-            <a:pPr lvl="1" eaLnBrk="1" latinLnBrk="0" hangingPunct="1"/>
-            <a:r>
-              <a:rPr lang="en-US" smtClean="0"/>
-              <a:t>Second level</a:t>
-            </a:r>
-          </a:p>
-          <a:p>
-            <a:pPr lvl="2" eaLnBrk="1" latinLnBrk="0" hangingPunct="1"/>
-            <a:r>
-              <a:rPr lang="en-US" smtClean="0"/>
-              <a:t>Third level</a:t>
-            </a:r>
-          </a:p>
-          <a:p>
-            <a:pPr lvl="3" eaLnBrk="1" latinLnBrk="0" hangingPunct="1"/>
-            <a:r>
-              <a:rPr lang="en-US" smtClean="0"/>
-              <a:t>Fourth level</a:t>
-            </a:r>
-          </a:p>
-          <a:p>
-            <a:pPr lvl="4" eaLnBrk="1" latinLnBrk="0" hangingPunct="1"/>
-            <a:r>
-              <a:rPr lang="en-US" smtClean="0"/>
-              <a:t>Fifth level</a:t>
-            </a:r>
-            <a:endParaRPr kumimoji="0" lang="en-US"/>
-          </a:p>
-        </p:txBody>
-      </p:sp>
-      <p:sp>
-        <p:nvSpPr>
-          <p:cNvPr id="3" name="Text Placeholder 2"/>
-          <p:cNvSpPr>
-            <a:spLocks noGrp="1"/>
-          </p:cNvSpPr>
-          <p:nvPr>
-            <p:ph type="body" idx="2"/>
-          </p:nvPr>
-        </p:nvSpPr>
-        <p:spPr>
-          <a:xfrm>
-            <a:off x="9042400" y="1600200"/>
-            <a:ext cx="2645664" cy="3733800"/>
-          </a:xfrm>
-        </p:spPr>
-        <p:txBody>
-          <a:bodyPr tIns="45720" bIns="45720" anchor="t" anchorCtr="0"/>
-          <a:lstStyle>
-            <a:lvl1pPr marL="0" indent="0">
-              <a:lnSpc>
-                <a:spcPct val="125000"/>
-              </a:lnSpc>
-              <a:spcAft>
-                <a:spcPts val="1000"/>
-              </a:spcAft>
-              <a:buNone/>
-              <a:defRPr sz="1600">
-                <a:solidFill>
-                  <a:schemeClr val="tx2"/>
-                </a:solidFill>
-              </a:defRPr>
-            </a:lvl1pPr>
-            <a:lvl2pPr>
-              <a:buNone/>
-              <a:defRPr sz="1200"/>
-            </a:lvl2pPr>
-            <a:lvl3pPr>
-              <a:buNone/>
-              <a:defRPr sz="1000"/>
-            </a:lvl3pPr>
-            <a:lvl4pPr>
-              <a:buNone/>
-              <a:defRPr sz="900"/>
-            </a:lvl4pPr>
-            <a:lvl5pPr>
-              <a:buNone/>
-              <a:defRPr sz="900"/>
-            </a:lvl5pPr>
-          </a:lstStyle>
-          <a:p>
-            <a:pPr lvl="0" eaLnBrk="1" latinLnBrk="0" hangingPunct="1"/>
-            <a:r>
-              <a:rPr kumimoji="0" lang="en-US" smtClean="0"/>
-              <a:t>Click to edit Master text styles</a:t>
-            </a:r>
-          </a:p>
-        </p:txBody>
-      </p:sp>
-      <p:sp>
-        <p:nvSpPr>
-          <p:cNvPr id="31" name="Title 30"/>
-          <p:cNvSpPr>
-            <a:spLocks noGrp="1"/>
-          </p:cNvSpPr>
-          <p:nvPr>
-            <p:ph type="title"/>
-          </p:nvPr>
-        </p:nvSpPr>
-        <p:spPr>
-          <a:xfrm>
-            <a:off x="9042400" y="457200"/>
-            <a:ext cx="2641600" cy="1066800"/>
-          </a:xfrm>
-        </p:spPr>
-        <p:txBody>
-          <a:bodyPr lIns="91440" tIns="91440" anchor="b" anchorCtr="0"/>
-          <a:lstStyle>
-            <a:lvl1pPr algn="l">
-              <a:buNone/>
-              <a:defRPr sz="1800" b="1" spc="-50" baseline="0">
-                <a:ln w="3175">
-                  <a:noFill/>
-                </a:ln>
-                <a:solidFill>
-                  <a:schemeClr val="tx2"/>
-                </a:solidFill>
-                <a:effectLst/>
-                <a:latin typeface="+mn-lt"/>
-                <a:ea typeface="+mn-ea"/>
-                <a:cs typeface="+mn-cs"/>
-              </a:defRPr>
-            </a:lvl1pPr>
-          </a:lstStyle>
-          <a:p>
-            <a:r>
-              <a:rPr kumimoji="0" lang="en-US" smtClean="0"/>
-              <a:t>Click to edit Master title style</a:t>
-            </a:r>
-            <a:endParaRPr kumimoji="0" lang="en-US"/>
-          </a:p>
-        </p:txBody>
-      </p:sp>
-      <p:sp>
-        <p:nvSpPr>
-          <p:cNvPr id="8" name="Date Placeholder 7"/>
-          <p:cNvSpPr>
-            <a:spLocks noGrp="1"/>
-          </p:cNvSpPr>
-          <p:nvPr>
-            <p:ph type="dt" sz="half" idx="14"/>
-          </p:nvPr>
-        </p:nvSpPr>
-        <p:spPr/>
-        <p:txBody>
-          <a:bodyPr/>
-          <a:lstStyle/>
-          <a:p>
-            <a:fld id="{B09EAEE1-3CD0-4DFE-9865-EEDFCBBE01D8}" type="datetimeFigureOut">
-              <a:rPr lang="en-US" smtClean="0"/>
-              <a:t>1/5/2024</a:t>
-            </a:fld>
-            <a:endParaRPr lang="en-US" dirty="0"/>
-          </a:p>
-        </p:txBody>
-      </p:sp>
-      <p:sp>
-        <p:nvSpPr>
-          <p:cNvPr id="9" name="Slide Number Placeholder 8"/>
-          <p:cNvSpPr>
-            <a:spLocks noGrp="1"/>
-          </p:cNvSpPr>
-          <p:nvPr>
-            <p:ph type="sldNum" sz="quarter" idx="15"/>
-          </p:nvPr>
-        </p:nvSpPr>
-        <p:spPr/>
-        <p:txBody>
-          <a:bodyPr/>
-          <a:lstStyle/>
-          <a:p>
-            <a:fld id="{A2D09813-85C9-41D3-BDD6-F45F8168A58C}" type="slidenum">
-              <a:rPr lang="en-US" smtClean="0"/>
-              <a:t>‹#›</a:t>
-            </a:fld>
-            <a:endParaRPr lang="en-US" dirty="0"/>
-          </a:p>
-        </p:txBody>
-      </p:sp>
-      <p:sp>
-        <p:nvSpPr>
-          <p:cNvPr id="10" name="Footer Placeholder 9"/>
-          <p:cNvSpPr>
-            <a:spLocks noGrp="1"/>
-          </p:cNvSpPr>
-          <p:nvPr>
-            <p:ph type="ftr" sz="quarter" idx="16"/>
-          </p:nvPr>
-        </p:nvSpPr>
-        <p:spPr/>
-        <p:txBody>
-          <a:bodyPr/>
-          <a:lstStyle/>
-          <a:p>
-            <a:endParaRPr lang="en-US" dirty="0"/>
-          </a:p>
-        </p:txBody>
-      </p:sp>
-    </p:spTree>
-  </p:cSld>
-  <p:clrMapOvr>
-    <a:masterClrMapping/>
-  </p:clrMapOvr>
-  <p:hf sldNum="0" hdr="0" ftr="0" dt="0"/>
-</p:sldLayout>
-</file>
-
-<file path=ppt/slideLayouts/slideLayout9.xml><?xml version="1.0" encoding="utf-8"?>
-<p:sldLayout xmlns:a="http://schemas.openxmlformats.org/drawingml/2006/main" xmlns:r="http://schemas.openxmlformats.org/officeDocument/2006/relationships" xmlns:p="http://schemas.openxmlformats.org/presentationml/2006/main" showMasterSp="0" type="picTx" preserve="1">
-  <p:cSld name="Picture with Caption">
-    <p:spTree>
-      <p:nvGrpSpPr>
-        <p:cNvPr id="1" name=""/>
-        <p:cNvGrpSpPr/>
-        <p:nvPr/>
-      </p:nvGrpSpPr>
-      <p:grpSpPr>
-        <a:xfrm>
-          <a:off x="0" y="0"/>
-          <a:ext cx="0" cy="0"/>
-          <a:chOff x="0" y="0"/>
-          <a:chExt cx="0" cy="0"/>
-        </a:xfrm>
-      </p:grpSpPr>
-      <p:sp>
-        <p:nvSpPr>
-          <p:cNvPr id="2" name="Title 1"/>
-          <p:cNvSpPr>
-            <a:spLocks noGrp="1"/>
-          </p:cNvSpPr>
-          <p:nvPr>
-            <p:ph type="title"/>
-          </p:nvPr>
-        </p:nvSpPr>
-        <p:spPr>
-          <a:xfrm>
-            <a:off x="8839200" y="457200"/>
-            <a:ext cx="2743200" cy="1066800"/>
-          </a:xfrm>
-        </p:spPr>
-        <p:txBody>
-          <a:bodyPr lIns="91440" tIns="91440" anchor="b" anchorCtr="0"/>
-          <a:lstStyle>
-            <a:lvl1pPr algn="l">
-              <a:buNone/>
-              <a:defRPr sz="1800" b="1" spc="-50" baseline="0">
-                <a:ln w="3175">
-                  <a:noFill/>
-                </a:ln>
-                <a:solidFill>
-                  <a:schemeClr val="tx2"/>
-                </a:solidFill>
-                <a:effectLst/>
-                <a:latin typeface="+mn-lt"/>
-                <a:ea typeface="+mn-ea"/>
-                <a:cs typeface="+mn-cs"/>
-              </a:defRPr>
-            </a:lvl1pPr>
-          </a:lstStyle>
-          <a:p>
-            <a:r>
-              <a:rPr kumimoji="0" lang="en-US" smtClean="0"/>
-              <a:t>Click to edit Master title style</a:t>
-            </a:r>
-            <a:endParaRPr kumimoji="0" lang="en-US"/>
-          </a:p>
-        </p:txBody>
-      </p:sp>
-      <p:sp>
-        <p:nvSpPr>
-          <p:cNvPr id="3" name="Picture Placeholder 2"/>
-          <p:cNvSpPr>
-            <a:spLocks noGrp="1"/>
-          </p:cNvSpPr>
-          <p:nvPr>
-            <p:ph type="pic" idx="1"/>
-          </p:nvPr>
-        </p:nvSpPr>
-        <p:spPr>
-          <a:xfrm>
-            <a:off x="609600" y="457200"/>
-            <a:ext cx="8026400" cy="5562600"/>
-          </a:xfrm>
-          <a:solidFill>
-            <a:schemeClr val="tx2">
-              <a:tint val="40000"/>
-            </a:schemeClr>
-          </a:solidFill>
-          <a:effectLst>
-            <a:outerShdw blurRad="88900" sx="103000" sy="103000" algn="ctr" rotWithShape="0">
-              <a:prstClr val="black">
-                <a:alpha val="32000"/>
-              </a:prstClr>
-            </a:outerShdw>
-            <a:softEdge rad="127000"/>
-          </a:effectLst>
-        </p:spPr>
-        <p:txBody>
-          <a:bodyPr/>
-          <a:lstStyle>
-            <a:lvl1pPr marL="0" indent="0">
-              <a:buNone/>
-              <a:defRPr sz="3200">
-                <a:solidFill>
-                  <a:schemeClr val="bg1"/>
-                </a:solidFill>
-              </a:defRPr>
-            </a:lvl1pPr>
-          </a:lstStyle>
-          <a:p>
-            <a:r>
-              <a:rPr kumimoji="0" lang="en-US" dirty="0" smtClean="0"/>
-              <a:t>Click icon to add picture</a:t>
-            </a:r>
-            <a:endParaRPr kumimoji="0" lang="en-US" dirty="0"/>
-          </a:p>
-        </p:txBody>
-      </p:sp>
-      <p:sp>
-        <p:nvSpPr>
-          <p:cNvPr id="4" name="Text Placeholder 3"/>
-          <p:cNvSpPr>
-            <a:spLocks noGrp="1"/>
-          </p:cNvSpPr>
-          <p:nvPr>
-            <p:ph type="body" sz="half" idx="2"/>
-          </p:nvPr>
-        </p:nvSpPr>
-        <p:spPr>
-          <a:xfrm>
-            <a:off x="8839200" y="1600200"/>
-            <a:ext cx="2743200" cy="4419600"/>
-          </a:xfrm>
-        </p:spPr>
-        <p:txBody>
-          <a:bodyPr anchor="t" anchorCtr="0"/>
-          <a:lstStyle>
-            <a:lvl1pPr marL="0" indent="0">
-              <a:lnSpc>
-                <a:spcPct val="125000"/>
-              </a:lnSpc>
-              <a:spcAft>
-                <a:spcPts val="1000"/>
-              </a:spcAft>
-              <a:buFontTx/>
-              <a:buNone/>
-              <a:defRPr sz="1600" b="0">
-                <a:solidFill>
-                  <a:schemeClr val="tx2"/>
-                </a:solidFill>
-              </a:defRPr>
-            </a:lvl1pPr>
-            <a:lvl2pPr>
-              <a:defRPr sz="1200"/>
-            </a:lvl2pPr>
-            <a:lvl3pPr>
-              <a:defRPr sz="1000"/>
-            </a:lvl3pPr>
-            <a:lvl4pPr>
-              <a:defRPr sz="900"/>
-            </a:lvl4pPr>
-            <a:lvl5pPr>
-              <a:defRPr sz="900"/>
-            </a:lvl5pPr>
-          </a:lstStyle>
-          <a:p>
-            <a:pPr lvl="0" eaLnBrk="1" latinLnBrk="0" hangingPunct="1"/>
-            <a:r>
-              <a:rPr kumimoji="0" lang="en-US" smtClean="0"/>
-              <a:t>Click to edit Master text styles</a:t>
-            </a:r>
-          </a:p>
-        </p:txBody>
-      </p:sp>
-      <p:sp>
-        <p:nvSpPr>
-          <p:cNvPr id="8" name="Date Placeholder 7"/>
-          <p:cNvSpPr>
-            <a:spLocks noGrp="1"/>
-          </p:cNvSpPr>
-          <p:nvPr>
-            <p:ph type="dt" sz="half" idx="10"/>
-          </p:nvPr>
-        </p:nvSpPr>
-        <p:spPr/>
-        <p:txBody>
-          <a:bodyPr/>
-          <a:lstStyle/>
-          <a:p>
-            <a:fld id="{B09EAEE1-3CD0-4DFE-9865-EEDFCBBE01D8}" type="datetimeFigureOut">
-              <a:rPr lang="en-US" smtClean="0"/>
-              <a:t>1/5/2024</a:t>
-            </a:fld>
-            <a:endParaRPr lang="en-US" dirty="0"/>
-          </a:p>
-        </p:txBody>
-      </p:sp>
-      <p:sp>
-        <p:nvSpPr>
-          <p:cNvPr id="9" name="Slide Number Placeholder 8"/>
-          <p:cNvSpPr>
-            <a:spLocks noGrp="1"/>
-          </p:cNvSpPr>
-          <p:nvPr>
-            <p:ph type="sldNum" sz="quarter" idx="11"/>
-          </p:nvPr>
-        </p:nvSpPr>
-        <p:spPr/>
-        <p:txBody>
-          <a:bodyPr/>
-          <a:lstStyle/>
-          <a:p>
-            <a:fld id="{A2D09813-85C9-41D3-BDD6-F45F8168A58C}" type="slidenum">
-              <a:rPr lang="en-US" smtClean="0"/>
-              <a:t>‹#›</a:t>
-            </a:fld>
-            <a:endParaRPr lang="en-US" dirty="0"/>
-          </a:p>
-        </p:txBody>
-      </p:sp>
-      <p:sp>
-        <p:nvSpPr>
-          <p:cNvPr id="10" name="Footer Placeholder 9"/>
-          <p:cNvSpPr>
-            <a:spLocks noGrp="1"/>
-          </p:cNvSpPr>
-          <p:nvPr>
-            <p:ph type="ftr" sz="quarter" idx="12"/>
-          </p:nvPr>
-        </p:nvSpPr>
-        <p:spPr/>
-        <p:txBody>
-          <a:bodyPr/>
-          <a:lstStyle/>
-          <a:p>
-            <a:endParaRPr lang="en-US" dirty="0"/>
-          </a:p>
-        </p:txBody>
-      </p:sp>
-    </p:spTree>
-  </p:cSld>
-  <p:clrMapOvr>
-    <a:masterClrMapping/>
-  </p:clrMapOvr>
-  <p:hf sldNum="0" hdr="0" ftr="0" dt="0"/>
-</p:sldLayout>
-</file>
-
-<file path=ppt/slideMasters/slideMaster1.xml><?xml version="1.0" encoding="utf-8"?>
-<p:sldMaster xmlns:a="http://schemas.openxmlformats.org/drawingml/2006/main" xmlns:r="http://schemas.openxmlformats.org/officeDocument/2006/relationships" xmlns:p="http://schemas.openxmlformats.org/presentationml/2006/main">
-  <p:cSld>
     <p:bg>
       <p:bgRef idx="1003">
-        <a:schemeClr val="bg2"/>
+        <a:schemeClr val="bg1"/>
       </p:bgRef>
     </p:bg>
     <p:spTree>
@@ -3181,61 +3188,1409 @@
       </p:grpSpPr>
       <p:sp>
         <p:nvSpPr>
-          <p:cNvPr id="9" name="Text Placeholder 8"/>
+          <p:cNvPr id="2" name="Title 1"/>
           <p:cNvSpPr>
             <a:spLocks noGrp="1"/>
           </p:cNvSpPr>
           <p:nvPr>
-            <p:ph type="body" idx="1"/>
+            <p:ph type="title"/>
           </p:nvPr>
         </p:nvSpPr>
         <p:spPr>
           <a:xfrm>
-            <a:off x="609600" y="1447800"/>
-            <a:ext cx="10972800" cy="4678363"/>
+            <a:off x="1219200" y="4876800"/>
+            <a:ext cx="9975701" cy="457200"/>
+          </a:xfrm>
+        </p:spPr>
+        <p:txBody>
+          <a:bodyPr vert="horz" anchor="t">
+            <a:noAutofit/>
+            <a:sp3d prstMaterial="softEdge">
+              <a:bevelT w="0" h="0"/>
+            </a:sp3d>
+          </a:bodyPr>
+          <a:lstStyle>
+            <a:lvl1pPr algn="r">
+              <a:buNone/>
+              <a:defRPr sz="2500" b="0">
+                <a:solidFill>
+                  <a:schemeClr val="accent1"/>
+                </a:solidFill>
+                <a:effectLst/>
+              </a:defRPr>
+            </a:lvl1pPr>
+            <a:extLst/>
+          </a:lstStyle>
+          <a:p>
+            <a:r>
+              <a:rPr kumimoji="0" lang="en-US" smtClean="0"/>
+              <a:t>Click to edit Master title style</a:t>
+            </a:r>
+            <a:endParaRPr kumimoji="0" lang="en-US"/>
+          </a:p>
+        </p:txBody>
+      </p:sp>
+      <p:sp>
+        <p:nvSpPr>
+          <p:cNvPr id="3" name="Text Placeholder 2"/>
+          <p:cNvSpPr>
+            <a:spLocks noGrp="1"/>
+          </p:cNvSpPr>
+          <p:nvPr>
+            <p:ph type="body" idx="2"/>
+          </p:nvPr>
+        </p:nvSpPr>
+        <p:spPr>
+          <a:xfrm>
+            <a:off x="5892800" y="5355102"/>
+            <a:ext cx="5299456" cy="914400"/>
+          </a:xfrm>
+        </p:spPr>
+        <p:txBody>
+          <a:bodyPr/>
+          <a:lstStyle>
+            <a:lvl1pPr marL="0" indent="0" algn="r">
+              <a:buNone/>
+              <a:defRPr sz="1600"/>
+            </a:lvl1pPr>
+            <a:lvl2pPr>
+              <a:buNone/>
+              <a:defRPr sz="1200"/>
+            </a:lvl2pPr>
+            <a:lvl3pPr>
+              <a:buNone/>
+              <a:defRPr sz="1000"/>
+            </a:lvl3pPr>
+            <a:lvl4pPr>
+              <a:buNone/>
+              <a:defRPr sz="900"/>
+            </a:lvl4pPr>
+            <a:lvl5pPr>
+              <a:buNone/>
+              <a:defRPr sz="900"/>
+            </a:lvl5pPr>
+            <a:extLst/>
+          </a:lstStyle>
+          <a:p>
+            <a:pPr lvl="0" eaLnBrk="1" latinLnBrk="0" hangingPunct="1"/>
+            <a:r>
+              <a:rPr kumimoji="0" lang="en-US" smtClean="0"/>
+              <a:t>Click to edit Master text styles</a:t>
+            </a:r>
+          </a:p>
+        </p:txBody>
+      </p:sp>
+      <p:sp>
+        <p:nvSpPr>
+          <p:cNvPr id="4" name="Content Placeholder 3"/>
+          <p:cNvSpPr>
+            <a:spLocks noGrp="1"/>
+          </p:cNvSpPr>
+          <p:nvPr>
+            <p:ph sz="half" idx="1"/>
+          </p:nvPr>
+        </p:nvSpPr>
+        <p:spPr>
+          <a:xfrm>
+            <a:off x="1219200" y="274320"/>
+            <a:ext cx="9973056" cy="4572000"/>
+          </a:xfrm>
+        </p:spPr>
+        <p:txBody>
+          <a:bodyPr/>
+          <a:lstStyle>
+            <a:lvl1pPr>
+              <a:defRPr sz="3200"/>
+            </a:lvl1pPr>
+            <a:lvl2pPr>
+              <a:defRPr sz="2800"/>
+            </a:lvl2pPr>
+            <a:lvl3pPr>
+              <a:defRPr sz="2400"/>
+            </a:lvl3pPr>
+            <a:lvl4pPr>
+              <a:defRPr sz="2000"/>
+            </a:lvl4pPr>
+            <a:lvl5pPr>
+              <a:defRPr sz="2000"/>
+            </a:lvl5pPr>
+            <a:extLst/>
+          </a:lstStyle>
+          <a:p>
+            <a:pPr lvl="0" eaLnBrk="1" latinLnBrk="0" hangingPunct="1"/>
+            <a:r>
+              <a:rPr lang="en-US" smtClean="0"/>
+              <a:t>Click to edit Master text styles</a:t>
+            </a:r>
+          </a:p>
+          <a:p>
+            <a:pPr lvl="1" eaLnBrk="1" latinLnBrk="0" hangingPunct="1"/>
+            <a:r>
+              <a:rPr lang="en-US" smtClean="0"/>
+              <a:t>Second level</a:t>
+            </a:r>
+          </a:p>
+          <a:p>
+            <a:pPr lvl="2" eaLnBrk="1" latinLnBrk="0" hangingPunct="1"/>
+            <a:r>
+              <a:rPr lang="en-US" smtClean="0"/>
+              <a:t>Third level</a:t>
+            </a:r>
+          </a:p>
+          <a:p>
+            <a:pPr lvl="3" eaLnBrk="1" latinLnBrk="0" hangingPunct="1"/>
+            <a:r>
+              <a:rPr lang="en-US" smtClean="0"/>
+              <a:t>Fourth level</a:t>
+            </a:r>
+          </a:p>
+          <a:p>
+            <a:pPr lvl="4" eaLnBrk="1" latinLnBrk="0" hangingPunct="1"/>
+            <a:r>
+              <a:rPr lang="en-US" smtClean="0"/>
+              <a:t>Fifth level</a:t>
+            </a:r>
+            <a:endParaRPr kumimoji="0" lang="en-US"/>
+          </a:p>
+        </p:txBody>
+      </p:sp>
+      <p:sp>
+        <p:nvSpPr>
+          <p:cNvPr id="5" name="Date Placeholder 4"/>
+          <p:cNvSpPr>
+            <a:spLocks noGrp="1"/>
+          </p:cNvSpPr>
+          <p:nvPr>
+            <p:ph type="dt" sz="half" idx="10"/>
+          </p:nvPr>
+        </p:nvSpPr>
+        <p:spPr>
+          <a:xfrm>
+            <a:off x="8969376" y="6407944"/>
+            <a:ext cx="2560320" cy="365760"/>
+          </a:xfrm>
+        </p:spPr>
+        <p:txBody>
+          <a:bodyPr/>
+          <a:lstStyle>
+            <a:extLst/>
+          </a:lstStyle>
+          <a:p>
+            <a:fld id="{B09EAEE1-3CD0-4DFE-9865-EEDFCBBE01D8}" type="datetimeFigureOut">
+              <a:rPr lang="en-US" smtClean="0"/>
+              <a:t>1/5/2024</a:t>
+            </a:fld>
+            <a:endParaRPr lang="en-US" dirty="0"/>
+          </a:p>
+        </p:txBody>
+      </p:sp>
+      <p:sp>
+        <p:nvSpPr>
+          <p:cNvPr id="6" name="Footer Placeholder 5"/>
+          <p:cNvSpPr>
+            <a:spLocks noGrp="1"/>
+          </p:cNvSpPr>
+          <p:nvPr>
+            <p:ph type="ftr" sz="quarter" idx="11"/>
+          </p:nvPr>
+        </p:nvSpPr>
+        <p:spPr/>
+        <p:txBody>
+          <a:bodyPr/>
+          <a:lstStyle>
+            <a:extLst/>
+          </a:lstStyle>
+          <a:p>
+            <a:endParaRPr lang="en-US" dirty="0"/>
+          </a:p>
+        </p:txBody>
+      </p:sp>
+      <p:sp>
+        <p:nvSpPr>
+          <p:cNvPr id="7" name="Slide Number Placeholder 6"/>
+          <p:cNvSpPr>
+            <a:spLocks noGrp="1"/>
+          </p:cNvSpPr>
+          <p:nvPr>
+            <p:ph type="sldNum" sz="quarter" idx="12"/>
+          </p:nvPr>
+        </p:nvSpPr>
+        <p:spPr/>
+        <p:txBody>
+          <a:bodyPr/>
+          <a:lstStyle>
+            <a:extLst/>
+          </a:lstStyle>
+          <a:p>
+            <a:fld id="{A2D09813-85C9-41D3-BDD6-F45F8168A58C}" type="slidenum">
+              <a:rPr lang="en-US" smtClean="0"/>
+              <a:t>‹#›</a:t>
+            </a:fld>
+            <a:endParaRPr lang="en-US" dirty="0"/>
+          </a:p>
+        </p:txBody>
+      </p:sp>
+    </p:spTree>
+  </p:cSld>
+  <p:clrMapOvr>
+    <a:overrideClrMapping bg1="lt1" tx1="dk1" bg2="lt2" tx2="dk2" accent1="accent1" accent2="accent2" accent3="accent3" accent4="accent4" accent5="accent5" accent6="accent6" hlink="hlink" folHlink="folHlink"/>
+  </p:clrMapOvr>
+  <p:hf sldNum="0" hdr="0" ftr="0" dt="0"/>
+</p:sldLayout>
+</file>
+
+<file path=ppt/slideLayouts/slideLayout9.xml><?xml version="1.0" encoding="utf-8"?>
+<p:sldLayout xmlns:a="http://schemas.openxmlformats.org/drawingml/2006/main" xmlns:r="http://schemas.openxmlformats.org/officeDocument/2006/relationships" xmlns:p="http://schemas.openxmlformats.org/presentationml/2006/main" showMasterSp="0" type="picTx" preserve="1">
+  <p:cSld name="Picture with Caption">
+    <p:bg>
+      <p:bgRef idx="1002">
+        <a:schemeClr val="bg1"/>
+      </p:bgRef>
+    </p:bg>
+    <p:spTree>
+      <p:nvGrpSpPr>
+        <p:cNvPr id="1" name=""/>
+        <p:cNvGrpSpPr/>
+        <p:nvPr/>
+      </p:nvGrpSpPr>
+      <p:grpSpPr>
+        <a:xfrm>
+          <a:off x="0" y="0"/>
+          <a:ext cx="0" cy="0"/>
+          <a:chOff x="0" y="0"/>
+          <a:chExt cx="0" cy="0"/>
+        </a:xfrm>
+      </p:grpSpPr>
+      <p:sp>
+        <p:nvSpPr>
+          <p:cNvPr id="4" name="Text Placeholder 3"/>
+          <p:cNvSpPr>
+            <a:spLocks noGrp="1"/>
+          </p:cNvSpPr>
+          <p:nvPr>
+            <p:ph type="body" sz="half" idx="2"/>
+          </p:nvPr>
+        </p:nvSpPr>
+        <p:spPr>
+          <a:xfrm>
+            <a:off x="1521643" y="5443402"/>
+            <a:ext cx="9550400" cy="648232"/>
+          </a:xfrm>
+          <a:noFill/>
+        </p:spPr>
+        <p:txBody>
+          <a:bodyPr lIns="91440" tIns="0" rIns="91440" anchor="t"/>
+          <a:lstStyle>
+            <a:lvl1pPr marL="0" marR="18288" indent="0" algn="r">
+              <a:buNone/>
+              <a:defRPr sz="1400"/>
+            </a:lvl1pPr>
+            <a:lvl2pPr>
+              <a:defRPr sz="1200"/>
+            </a:lvl2pPr>
+            <a:lvl3pPr>
+              <a:defRPr sz="1000"/>
+            </a:lvl3pPr>
+            <a:lvl4pPr>
+              <a:defRPr sz="900"/>
+            </a:lvl4pPr>
+            <a:lvl5pPr>
+              <a:defRPr sz="900"/>
+            </a:lvl5pPr>
+            <a:extLst/>
+          </a:lstStyle>
+          <a:p>
+            <a:pPr lvl="0" eaLnBrk="1" latinLnBrk="0" hangingPunct="1"/>
+            <a:r>
+              <a:rPr kumimoji="0" lang="en-US" smtClean="0"/>
+              <a:t>Click to edit Master text styles</a:t>
+            </a:r>
+          </a:p>
+        </p:txBody>
+      </p:sp>
+      <p:sp>
+        <p:nvSpPr>
+          <p:cNvPr id="3" name="Picture Placeholder 2"/>
+          <p:cNvSpPr>
+            <a:spLocks noGrp="1"/>
+          </p:cNvSpPr>
+          <p:nvPr>
+            <p:ph type="pic" idx="1"/>
+          </p:nvPr>
+        </p:nvSpPr>
+        <p:spPr>
+          <a:xfrm>
+            <a:off x="304800" y="189968"/>
+            <a:ext cx="11582400" cy="4389120"/>
+          </a:xfrm>
+          <a:prstGeom prst="rect">
+            <a:avLst/>
+          </a:prstGeom>
+          <a:solidFill>
+            <a:schemeClr val="bg2"/>
+          </a:solidFill>
+          <a:ln>
+            <a:solidFill>
+              <a:schemeClr val="bg1"/>
+            </a:solidFill>
+          </a:ln>
+          <a:effectLst>
+            <a:innerShdw blurRad="95250">
+              <a:srgbClr val="000000"/>
+            </a:innerShdw>
+          </a:effectLst>
+        </p:spPr>
+        <p:txBody>
+          <a:bodyPr/>
+          <a:lstStyle>
+            <a:lvl1pPr marL="0" indent="0">
+              <a:buNone/>
+              <a:defRPr sz="3200"/>
+            </a:lvl1pPr>
+            <a:extLst/>
+          </a:lstStyle>
+          <a:p>
+            <a:r>
+              <a:rPr kumimoji="0" lang="en-US" smtClean="0"/>
+              <a:t>Click icon to add picture</a:t>
+            </a:r>
+            <a:endParaRPr kumimoji="0" lang="en-US" dirty="0"/>
+          </a:p>
+        </p:txBody>
+      </p:sp>
+      <p:sp>
+        <p:nvSpPr>
+          <p:cNvPr id="5" name="Date Placeholder 4"/>
+          <p:cNvSpPr>
+            <a:spLocks noGrp="1"/>
+          </p:cNvSpPr>
+          <p:nvPr>
+            <p:ph type="dt" sz="half" idx="10"/>
+          </p:nvPr>
+        </p:nvSpPr>
+        <p:spPr/>
+        <p:txBody>
+          <a:bodyPr/>
+          <a:lstStyle>
+            <a:lvl1pPr>
+              <a:defRPr>
+                <a:solidFill>
+                  <a:schemeClr val="tx1"/>
+                </a:solidFill>
+              </a:defRPr>
+            </a:lvl1pPr>
+            <a:extLst/>
+          </a:lstStyle>
+          <a:p>
+            <a:fld id="{B09EAEE1-3CD0-4DFE-9865-EEDFCBBE01D8}" type="datetimeFigureOut">
+              <a:rPr lang="en-US" smtClean="0"/>
+              <a:t>1/5/2024</a:t>
+            </a:fld>
+            <a:endParaRPr lang="en-US" dirty="0"/>
+          </a:p>
+        </p:txBody>
+      </p:sp>
+      <p:sp>
+        <p:nvSpPr>
+          <p:cNvPr id="6" name="Footer Placeholder 5"/>
+          <p:cNvSpPr>
+            <a:spLocks noGrp="1"/>
+          </p:cNvSpPr>
+          <p:nvPr>
+            <p:ph type="ftr" sz="quarter" idx="11"/>
+          </p:nvPr>
+        </p:nvSpPr>
+        <p:spPr>
+          <a:xfrm>
+            <a:off x="5840097" y="6407945"/>
+            <a:ext cx="3134241" cy="365125"/>
+          </a:xfrm>
+        </p:spPr>
+        <p:txBody>
+          <a:bodyPr/>
+          <a:lstStyle>
+            <a:lvl1pPr>
+              <a:defRPr>
+                <a:solidFill>
+                  <a:schemeClr val="tx1"/>
+                </a:solidFill>
+              </a:defRPr>
+            </a:lvl1pPr>
+            <a:extLst/>
+          </a:lstStyle>
+          <a:p>
+            <a:endParaRPr lang="en-US" dirty="0"/>
+          </a:p>
+        </p:txBody>
+      </p:sp>
+      <p:sp>
+        <p:nvSpPr>
+          <p:cNvPr id="7" name="Slide Number Placeholder 6"/>
+          <p:cNvSpPr>
+            <a:spLocks noGrp="1"/>
+          </p:cNvSpPr>
+          <p:nvPr>
+            <p:ph type="sldNum" sz="quarter" idx="12"/>
+          </p:nvPr>
+        </p:nvSpPr>
+        <p:spPr/>
+        <p:txBody>
+          <a:bodyPr/>
+          <a:lstStyle>
+            <a:lvl1pPr>
+              <a:defRPr>
+                <a:solidFill>
+                  <a:schemeClr val="tx1"/>
+                </a:solidFill>
+              </a:defRPr>
+            </a:lvl1pPr>
+            <a:extLst/>
+          </a:lstStyle>
+          <a:p>
+            <a:fld id="{A2D09813-85C9-41D3-BDD6-F45F8168A58C}" type="slidenum">
+              <a:rPr lang="en-US" smtClean="0"/>
+              <a:t>‹#›</a:t>
+            </a:fld>
+            <a:endParaRPr lang="en-US" dirty="0"/>
+          </a:p>
+        </p:txBody>
+      </p:sp>
+      <p:sp>
+        <p:nvSpPr>
+          <p:cNvPr id="2" name="Title 1"/>
+          <p:cNvSpPr>
+            <a:spLocks noGrp="1"/>
+          </p:cNvSpPr>
+          <p:nvPr>
+            <p:ph type="title"/>
+          </p:nvPr>
+        </p:nvSpPr>
+        <p:spPr>
+          <a:xfrm>
+            <a:off x="304800" y="4865122"/>
+            <a:ext cx="10767243" cy="562672"/>
+          </a:xfrm>
+          <a:noFill/>
+        </p:spPr>
+        <p:txBody>
+          <a:bodyPr anchor="t">
+            <a:sp3d prstMaterial="softEdge"/>
+          </a:bodyPr>
+          <a:lstStyle>
+            <a:lvl1pPr marR="0" algn="r">
+              <a:buNone/>
+              <a:defRPr sz="3000" b="0">
+                <a:solidFill>
+                  <a:schemeClr val="accent1"/>
+                </a:solidFill>
+                <a:effectLst>
+                  <a:outerShdw blurRad="50800" dist="25000" dir="5400000" algn="t" rotWithShape="0">
+                    <a:prstClr val="black">
+                      <a:alpha val="45000"/>
+                    </a:prstClr>
+                  </a:outerShdw>
+                </a:effectLst>
+              </a:defRPr>
+            </a:lvl1pPr>
+            <a:extLst/>
+          </a:lstStyle>
+          <a:p>
+            <a:r>
+              <a:rPr kumimoji="0" lang="en-US" smtClean="0"/>
+              <a:t>Click to edit Master title style</a:t>
+            </a:r>
+            <a:endParaRPr kumimoji="0" lang="en-US"/>
+          </a:p>
+        </p:txBody>
+      </p:sp>
+      <p:sp>
+        <p:nvSpPr>
+          <p:cNvPr id="8" name="Freeform 7"/>
+          <p:cNvSpPr>
+            <a:spLocks/>
+          </p:cNvSpPr>
+          <p:nvPr/>
+        </p:nvSpPr>
+        <p:spPr bwMode="auto">
+          <a:xfrm>
+            <a:off x="665697" y="5944936"/>
+            <a:ext cx="6587499" cy="921076"/>
+          </a:xfrm>
+          <a:custGeom>
+            <a:avLst>
+              <a:gd name="A1" fmla="val 0"/>
+              <a:gd name="A2" fmla="val 0"/>
+              <a:gd name="A3" fmla="val 0"/>
+              <a:gd name="A4" fmla="val 0"/>
+              <a:gd name="A5" fmla="val 0"/>
+              <a:gd name="A6" fmla="val 0"/>
+              <a:gd name="A7" fmla="val 0"/>
+              <a:gd name="A8" fmla="val 0"/>
+            </a:avLst>
+            <a:gdLst/>
+            <a:ahLst/>
+            <a:cxnLst>
+              <a:cxn ang="0">
+                <a:pos x="0" y="0"/>
+              </a:cxn>
+              <a:cxn ang="0">
+                <a:pos x="5760" y="0"/>
+              </a:cxn>
+              <a:cxn ang="0">
+                <a:pos x="5760" y="528"/>
+              </a:cxn>
+              <a:cxn ang="0">
+                <a:pos x="48" y="0"/>
+              </a:cxn>
+            </a:cxnLst>
+            <a:rect l="0" t="0" r="0" b="0"/>
+            <a:pathLst>
+              <a:path w="7485" h="337">
+                <a:moveTo>
+                  <a:pt x="0" y="2"/>
+                </a:moveTo>
+                <a:lnTo>
+                  <a:pt x="7485" y="337"/>
+                </a:lnTo>
+                <a:lnTo>
+                  <a:pt x="5558" y="337"/>
+                </a:lnTo>
+                <a:lnTo>
+                  <a:pt x="1" y="0"/>
+                </a:lnTo>
+              </a:path>
+            </a:pathLst>
+          </a:custGeom>
+          <a:solidFill>
+            <a:schemeClr val="accent1">
+              <a:tint val="65000"/>
+              <a:satMod val="115000"/>
+              <a:alpha val="40000"/>
+            </a:schemeClr>
+          </a:solidFill>
+          <a:ln w="9525" cap="flat" cmpd="sng" algn="ctr">
+            <a:noFill/>
+            <a:prstDash val="solid"/>
+            <a:round/>
+            <a:headEnd type="none" w="med" len="med"/>
+            <a:tailEnd type="none" w="med" len="med"/>
+          </a:ln>
+          <a:effectLst/>
+        </p:spPr>
+        <p:txBody>
+          <a:bodyPr vert="horz" wrap="square" lIns="91440" tIns="45720" rIns="91440" bIns="45720" anchor="t" compatLnSpc="1"/>
+          <a:lstStyle>
+            <a:extLst/>
+          </a:lstStyle>
+          <a:p>
+            <a:endParaRPr kumimoji="0" lang="en-US"/>
+          </a:p>
+        </p:txBody>
+      </p:sp>
+      <p:sp>
+        <p:nvSpPr>
+          <p:cNvPr id="9" name="Freeform 8"/>
+          <p:cNvSpPr>
+            <a:spLocks/>
+          </p:cNvSpPr>
+          <p:nvPr/>
+        </p:nvSpPr>
+        <p:spPr bwMode="auto">
+          <a:xfrm>
+            <a:off x="647623" y="5939011"/>
+            <a:ext cx="4920601" cy="933450"/>
+          </a:xfrm>
+          <a:custGeom>
+            <a:avLst>
+              <a:gd name="A1" fmla="val 0"/>
+              <a:gd name="A2" fmla="val 0"/>
+              <a:gd name="A3" fmla="val 0"/>
+              <a:gd name="A4" fmla="val 0"/>
+              <a:gd name="A5" fmla="val 0"/>
+              <a:gd name="A6" fmla="val 0"/>
+              <a:gd name="A7" fmla="val 0"/>
+              <a:gd name="A8" fmla="val 0"/>
+            </a:avLst>
+            <a:gdLst/>
+            <a:ahLst/>
+            <a:cxnLst>
+              <a:cxn ang="0">
+                <a:pos x="0" y="0"/>
+              </a:cxn>
+              <a:cxn ang="0">
+                <a:pos x="5760" y="0"/>
+              </a:cxn>
+              <a:cxn ang="0">
+                <a:pos x="5760" y="528"/>
+              </a:cxn>
+              <a:cxn ang="0">
+                <a:pos x="48" y="0"/>
+              </a:cxn>
+            </a:cxnLst>
+            <a:rect l="0" t="0" r="0" b="0"/>
+            <a:pathLst>
+              <a:path w="5591" h="588">
+                <a:moveTo>
+                  <a:pt x="0" y="0"/>
+                </a:moveTo>
+                <a:lnTo>
+                  <a:pt x="5591" y="585"/>
+                </a:lnTo>
+                <a:lnTo>
+                  <a:pt x="4415" y="588"/>
+                </a:lnTo>
+                <a:lnTo>
+                  <a:pt x="12" y="4"/>
+                </a:lnTo>
+              </a:path>
+            </a:pathLst>
+          </a:custGeom>
+          <a:solidFill>
+            <a:srgbClr val="000000">
+              <a:alpha val="100000"/>
+            </a:srgbClr>
+          </a:solidFill>
+          <a:ln w="9525" cap="flat" cmpd="sng" algn="ctr">
+            <a:noFill/>
+            <a:prstDash val="solid"/>
+            <a:round/>
+            <a:headEnd type="none" w="med" len="med"/>
+            <a:tailEnd type="none" w="med" len="med"/>
+          </a:ln>
+          <a:effectLst/>
+        </p:spPr>
+        <p:txBody>
+          <a:bodyPr vert="horz" wrap="square" lIns="91440" tIns="45720" rIns="91440" bIns="45720" anchor="t" compatLnSpc="1"/>
+          <a:lstStyle>
+            <a:extLst/>
+          </a:lstStyle>
+          <a:p>
+            <a:endParaRPr kumimoji="0" lang="en-US"/>
+          </a:p>
+        </p:txBody>
+      </p:sp>
+      <p:sp>
+        <p:nvSpPr>
+          <p:cNvPr id="10" name="Right Triangle 9"/>
+          <p:cNvSpPr>
+            <a:spLocks/>
+          </p:cNvSpPr>
+          <p:nvPr/>
+        </p:nvSpPr>
+        <p:spPr bwMode="auto">
+          <a:xfrm>
+            <a:off x="-8056" y="5791253"/>
+            <a:ext cx="4536419" cy="1080868"/>
+          </a:xfrm>
+          <a:prstGeom prst="rtTriangle">
+            <a:avLst/>
+          </a:prstGeom>
+          <a:blipFill>
+            <a:blip r:embed="rId2">
+              <a:alphaModFix amt="50000"/>
+            </a:blip>
+            <a:tile tx="0" ty="0" sx="50000" sy="50000" flip="none" algn="t"/>
+          </a:blipFill>
+          <a:ln w="12700" cap="rnd" cmpd="thickThin" algn="ctr">
+            <a:noFill/>
+            <a:prstDash val="solid"/>
+          </a:ln>
+          <a:effectLst>
+            <a:fillOverlay blend="mult">
+              <a:gradFill flip="none" rotWithShape="1">
+                <a:gsLst>
+                  <a:gs pos="0">
+                    <a:schemeClr val="accent1">
+                      <a:shade val="20000"/>
+                      <a:satMod val="176000"/>
+                      <a:alpha val="100000"/>
+                    </a:schemeClr>
+                  </a:gs>
+                  <a:gs pos="18000">
+                    <a:schemeClr val="accent1">
+                      <a:shade val="48000"/>
+                      <a:satMod val="153000"/>
+                      <a:alpha val="100000"/>
+                    </a:schemeClr>
+                  </a:gs>
+                  <a:gs pos="43000">
+                    <a:schemeClr val="accent1">
+                      <a:tint val="86000"/>
+                      <a:satMod val="149000"/>
+                      <a:alpha val="100000"/>
+                    </a:schemeClr>
+                  </a:gs>
+                  <a:gs pos="45000">
+                    <a:schemeClr val="accent1">
+                      <a:tint val="85000"/>
+                      <a:satMod val="150000"/>
+                      <a:alpha val="100000"/>
+                    </a:schemeClr>
+                  </a:gs>
+                  <a:gs pos="50000">
+                    <a:schemeClr val="accent1">
+                      <a:tint val="86000"/>
+                      <a:satMod val="149000"/>
+                      <a:alpha val="100000"/>
+                    </a:schemeClr>
+                  </a:gs>
+                  <a:gs pos="79000">
+                    <a:schemeClr val="accent1">
+                      <a:shade val="53000"/>
+                      <a:satMod val="150000"/>
+                      <a:alpha val="100000"/>
+                    </a:schemeClr>
+                  </a:gs>
+                  <a:gs pos="100000">
+                    <a:schemeClr val="accent1">
+                      <a:shade val="25000"/>
+                      <a:satMod val="170000"/>
+                      <a:alpha val="100000"/>
+                    </a:schemeClr>
+                  </a:gs>
+                </a:gsLst>
+                <a:lin ang="450000" scaled="1"/>
+                <a:tileRect/>
+              </a:gradFill>
+            </a:fillOverlay>
+          </a:effectLst>
+        </p:spPr>
+        <p:style>
+          <a:lnRef idx="3">
+            <a:schemeClr val="lt1"/>
+          </a:lnRef>
+          <a:fillRef idx="1">
+            <a:schemeClr val="accent1"/>
+          </a:fillRef>
+          <a:effectRef idx="1">
+            <a:schemeClr val="accent1"/>
+          </a:effectRef>
+          <a:fontRef idx="minor">
+            <a:schemeClr val="lt1"/>
+          </a:fontRef>
+        </p:style>
+        <p:txBody>
+          <a:bodyPr vert="horz" wrap="square" lIns="91440" tIns="45720" rIns="91440" bIns="45720" anchor="ctr" compatLnSpc="1"/>
+          <a:lstStyle>
+            <a:extLst/>
+          </a:lstStyle>
+          <a:p>
+            <a:pPr algn="ctr" eaLnBrk="1" latinLnBrk="0" hangingPunct="1"/>
+            <a:endParaRPr kumimoji="0" lang="en-US"/>
+          </a:p>
+        </p:txBody>
+      </p:sp>
+      <p:cxnSp>
+        <p:nvCxnSpPr>
+          <p:cNvPr id="11" name="Straight Connector 10"/>
+          <p:cNvCxnSpPr/>
+          <p:nvPr/>
+        </p:nvCxnSpPr>
+        <p:spPr>
+          <a:xfrm>
+            <a:off x="-12316" y="5787739"/>
+            <a:ext cx="4540679" cy="1084383"/>
+          </a:xfrm>
+          <a:prstGeom prst="line">
+            <a:avLst/>
+          </a:prstGeom>
+          <a:noFill/>
+          <a:ln w="12065" cap="flat" cmpd="sng" algn="ctr">
+            <a:gradFill>
+              <a:gsLst>
+                <a:gs pos="45000">
+                  <a:schemeClr val="accent1">
+                    <a:tint val="70000"/>
+                    <a:satMod val="110000"/>
+                  </a:schemeClr>
+                </a:gs>
+                <a:gs pos="15000">
+                  <a:schemeClr val="accent1">
+                    <a:shade val="40000"/>
+                    <a:satMod val="110000"/>
+                  </a:schemeClr>
+                </a:gs>
+              </a:gsLst>
+              <a:lin ang="5400000" scaled="1"/>
+            </a:gradFill>
+            <a:prstDash val="solid"/>
+            <a:miter lim="800000"/>
+          </a:ln>
+          <a:effectLst/>
+        </p:spPr>
+        <p:style>
+          <a:lnRef idx="2">
+            <a:schemeClr val="accent1"/>
+          </a:lnRef>
+          <a:fillRef idx="0">
+            <a:schemeClr val="accent1"/>
+          </a:fillRef>
+          <a:effectRef idx="1">
+            <a:schemeClr val="accent1"/>
+          </a:effectRef>
+          <a:fontRef idx="minor">
+            <a:schemeClr val="tx1"/>
+          </a:fontRef>
+        </p:style>
+      </p:cxnSp>
+      <p:sp>
+        <p:nvSpPr>
+          <p:cNvPr id="12" name="Chevron 11"/>
+          <p:cNvSpPr/>
+          <p:nvPr/>
+        </p:nvSpPr>
+        <p:spPr>
+          <a:xfrm>
+            <a:off x="11552149" y="4988440"/>
+            <a:ext cx="243840" cy="228600"/>
+          </a:xfrm>
+          <a:prstGeom prst="chevron">
+            <a:avLst>
+              <a:gd name="adj" fmla="val 50000"/>
+            </a:avLst>
+          </a:prstGeom>
+          <a:gradFill flip="none" rotWithShape="1">
+            <a:gsLst>
+              <a:gs pos="0">
+                <a:schemeClr val="accent1">
+                  <a:shade val="60000"/>
+                  <a:satMod val="125000"/>
+                </a:schemeClr>
+              </a:gs>
+              <a:gs pos="72000">
+                <a:schemeClr val="accent1">
+                  <a:tint val="90000"/>
+                  <a:satMod val="138000"/>
+                </a:schemeClr>
+              </a:gs>
+              <a:gs pos="100000">
+                <a:schemeClr val="accent1">
+                  <a:tint val="76000"/>
+                  <a:satMod val="136000"/>
+                </a:schemeClr>
+              </a:gs>
+            </a:gsLst>
+            <a:lin ang="16200000" scaled="0"/>
+          </a:gradFill>
+          <a:ln w="3175" cap="rnd" cmpd="sng" algn="ctr">
+            <a:solidFill>
+              <a:schemeClr val="accent1">
+                <a:shade val="50000"/>
+              </a:schemeClr>
+            </a:solidFill>
+            <a:prstDash val="solid"/>
+          </a:ln>
+          <a:effectLst>
+            <a:outerShdw blurRad="50800" dist="25400" dir="5400000">
+              <a:srgbClr val="000000">
+                <a:alpha val="46000"/>
+              </a:srgbClr>
+            </a:outerShdw>
+          </a:effectLst>
+        </p:spPr>
+        <p:style>
+          <a:lnRef idx="1">
+            <a:schemeClr val="accent1"/>
+          </a:lnRef>
+          <a:fillRef idx="3">
+            <a:schemeClr val="accent1"/>
+          </a:fillRef>
+          <a:effectRef idx="2">
+            <a:schemeClr val="accent1"/>
+          </a:effectRef>
+          <a:fontRef idx="minor">
+            <a:schemeClr val="lt1"/>
+          </a:fontRef>
+        </p:style>
+        <p:txBody>
+          <a:bodyPr anchor="ctr"/>
+          <a:lstStyle>
+            <a:extLst/>
+          </a:lstStyle>
+          <a:p>
+            <a:pPr algn="l" eaLnBrk="1" latinLnBrk="0" hangingPunct="1"/>
+            <a:endParaRPr kumimoji="0" lang="en-US"/>
+          </a:p>
+        </p:txBody>
+      </p:sp>
+      <p:sp>
+        <p:nvSpPr>
+          <p:cNvPr id="13" name="Chevron 12"/>
+          <p:cNvSpPr/>
+          <p:nvPr/>
+        </p:nvSpPr>
+        <p:spPr>
+          <a:xfrm>
+            <a:off x="11303595" y="4988440"/>
+            <a:ext cx="243840" cy="228600"/>
+          </a:xfrm>
+          <a:prstGeom prst="chevron">
+            <a:avLst>
+              <a:gd name="adj" fmla="val 50000"/>
+            </a:avLst>
+          </a:prstGeom>
+          <a:gradFill flip="none" rotWithShape="1">
+            <a:gsLst>
+              <a:gs pos="0">
+                <a:schemeClr val="accent1">
+                  <a:shade val="60000"/>
+                  <a:satMod val="125000"/>
+                </a:schemeClr>
+              </a:gs>
+              <a:gs pos="72000">
+                <a:schemeClr val="accent1">
+                  <a:tint val="90000"/>
+                  <a:satMod val="138000"/>
+                </a:schemeClr>
+              </a:gs>
+              <a:gs pos="100000">
+                <a:schemeClr val="accent1">
+                  <a:tint val="76000"/>
+                  <a:satMod val="136000"/>
+                </a:schemeClr>
+              </a:gs>
+            </a:gsLst>
+            <a:lin ang="16200000" scaled="0"/>
+          </a:gradFill>
+          <a:ln w="3175" cap="rnd" cmpd="sng" algn="ctr">
+            <a:solidFill>
+              <a:schemeClr val="accent1">
+                <a:shade val="50000"/>
+              </a:schemeClr>
+            </a:solidFill>
+            <a:prstDash val="solid"/>
+          </a:ln>
+          <a:effectLst>
+            <a:outerShdw blurRad="50800" dist="25400" dir="5400000">
+              <a:srgbClr val="000000">
+                <a:alpha val="46000"/>
+              </a:srgbClr>
+            </a:outerShdw>
+          </a:effectLst>
+        </p:spPr>
+        <p:style>
+          <a:lnRef idx="1">
+            <a:schemeClr val="accent1"/>
+          </a:lnRef>
+          <a:fillRef idx="3">
+            <a:schemeClr val="accent1"/>
+          </a:fillRef>
+          <a:effectRef idx="2">
+            <a:schemeClr val="accent1"/>
+          </a:effectRef>
+          <a:fontRef idx="minor">
+            <a:schemeClr val="lt1"/>
+          </a:fontRef>
+        </p:style>
+        <p:txBody>
+          <a:bodyPr anchor="ctr"/>
+          <a:lstStyle>
+            <a:extLst/>
+          </a:lstStyle>
+          <a:p>
+            <a:pPr algn="l" eaLnBrk="1" latinLnBrk="0" hangingPunct="1"/>
+            <a:endParaRPr kumimoji="0" lang="en-US"/>
+          </a:p>
+        </p:txBody>
+      </p:sp>
+    </p:spTree>
+  </p:cSld>
+  <p:clrMapOvr>
+    <a:overrideClrMapping bg1="dk1" tx1="lt1" bg2="dk2" tx2="lt2" accent1="accent1" accent2="accent2" accent3="accent3" accent4="accent4" accent5="accent5" accent6="accent6" hlink="hlink" folHlink="folHlink"/>
+  </p:clrMapOvr>
+  <p:hf sldNum="0" hdr="0" ftr="0" dt="0"/>
+</p:sldLayout>
+</file>
+
+<file path=ppt/slideMasters/slideMaster1.xml><?xml version="1.0" encoding="utf-8"?>
+<p:sldMaster xmlns:a="http://schemas.openxmlformats.org/drawingml/2006/main" xmlns:r="http://schemas.openxmlformats.org/officeDocument/2006/relationships" xmlns:p="http://schemas.openxmlformats.org/presentationml/2006/main">
+  <p:cSld>
+    <p:bg>
+      <p:bgRef idx="1001">
+        <a:schemeClr val="bg1"/>
+      </p:bgRef>
+    </p:bg>
+    <p:spTree>
+      <p:nvGrpSpPr>
+        <p:cNvPr id="1" name=""/>
+        <p:cNvGrpSpPr/>
+        <p:nvPr/>
+      </p:nvGrpSpPr>
+      <p:grpSpPr>
+        <a:xfrm>
+          <a:off x="0" y="0"/>
+          <a:ext cx="0" cy="0"/>
+          <a:chOff x="0" y="0"/>
+          <a:chExt cx="0" cy="0"/>
+        </a:xfrm>
+      </p:grpSpPr>
+      <p:sp>
+        <p:nvSpPr>
+          <p:cNvPr id="13" name="Freeform 12"/>
+          <p:cNvSpPr>
+            <a:spLocks/>
+          </p:cNvSpPr>
+          <p:nvPr/>
+        </p:nvSpPr>
+        <p:spPr bwMode="auto">
+          <a:xfrm>
+            <a:off x="665697" y="5944936"/>
+            <a:ext cx="6587499" cy="921076"/>
+          </a:xfrm>
+          <a:custGeom>
+            <a:avLst>
+              <a:gd name="A1" fmla="val 0"/>
+              <a:gd name="A2" fmla="val 0"/>
+              <a:gd name="A3" fmla="val 0"/>
+              <a:gd name="A4" fmla="val 0"/>
+              <a:gd name="A5" fmla="val 0"/>
+              <a:gd name="A6" fmla="val 0"/>
+              <a:gd name="A7" fmla="val 0"/>
+              <a:gd name="A8" fmla="val 0"/>
+            </a:avLst>
+            <a:gdLst/>
+            <a:ahLst/>
+            <a:cxnLst>
+              <a:cxn ang="0">
+                <a:pos x="0" y="0"/>
+              </a:cxn>
+              <a:cxn ang="0">
+                <a:pos x="5760" y="0"/>
+              </a:cxn>
+              <a:cxn ang="0">
+                <a:pos x="5760" y="528"/>
+              </a:cxn>
+              <a:cxn ang="0">
+                <a:pos x="48" y="0"/>
+              </a:cxn>
+            </a:cxnLst>
+            <a:rect l="0" t="0" r="0" b="0"/>
+            <a:pathLst>
+              <a:path w="7485" h="337">
+                <a:moveTo>
+                  <a:pt x="0" y="2"/>
+                </a:moveTo>
+                <a:lnTo>
+                  <a:pt x="7485" y="337"/>
+                </a:lnTo>
+                <a:lnTo>
+                  <a:pt x="5558" y="337"/>
+                </a:lnTo>
+                <a:lnTo>
+                  <a:pt x="1" y="0"/>
+                </a:lnTo>
+              </a:path>
+            </a:pathLst>
+          </a:custGeom>
+          <a:solidFill>
+            <a:schemeClr val="accent1">
+              <a:tint val="65000"/>
+              <a:satMod val="115000"/>
+              <a:alpha val="40000"/>
+            </a:schemeClr>
+          </a:solidFill>
+          <a:ln w="9525" cap="flat" cmpd="sng" algn="ctr">
+            <a:noFill/>
+            <a:prstDash val="solid"/>
+            <a:round/>
+            <a:headEnd type="none" w="med" len="med"/>
+            <a:tailEnd type="none" w="med" len="med"/>
+          </a:ln>
+          <a:effectLst/>
+        </p:spPr>
+        <p:txBody>
+          <a:bodyPr vert="horz" wrap="square" lIns="91440" tIns="45720" rIns="91440" bIns="45720" anchor="t" compatLnSpc="1"/>
+          <a:lstStyle>
+            <a:extLst/>
+          </a:lstStyle>
+          <a:p>
+            <a:endParaRPr kumimoji="0" lang="en-US"/>
+          </a:p>
+        </p:txBody>
+      </p:sp>
+      <p:sp>
+        <p:nvSpPr>
+          <p:cNvPr id="12" name="Freeform 11"/>
+          <p:cNvSpPr>
+            <a:spLocks/>
+          </p:cNvSpPr>
+          <p:nvPr/>
+        </p:nvSpPr>
+        <p:spPr bwMode="auto">
+          <a:xfrm>
+            <a:off x="647623" y="5939011"/>
+            <a:ext cx="4920601" cy="933450"/>
+          </a:xfrm>
+          <a:custGeom>
+            <a:avLst>
+              <a:gd name="A1" fmla="val 0"/>
+              <a:gd name="A2" fmla="val 0"/>
+              <a:gd name="A3" fmla="val 0"/>
+              <a:gd name="A4" fmla="val 0"/>
+              <a:gd name="A5" fmla="val 0"/>
+              <a:gd name="A6" fmla="val 0"/>
+              <a:gd name="A7" fmla="val 0"/>
+              <a:gd name="A8" fmla="val 0"/>
+            </a:avLst>
+            <a:gdLst/>
+            <a:ahLst/>
+            <a:cxnLst>
+              <a:cxn ang="0">
+                <a:pos x="0" y="0"/>
+              </a:cxn>
+              <a:cxn ang="0">
+                <a:pos x="5760" y="0"/>
+              </a:cxn>
+              <a:cxn ang="0">
+                <a:pos x="5760" y="528"/>
+              </a:cxn>
+              <a:cxn ang="0">
+                <a:pos x="48" y="0"/>
+              </a:cxn>
+            </a:cxnLst>
+            <a:rect l="0" t="0" r="0" b="0"/>
+            <a:pathLst>
+              <a:path w="5591" h="588">
+                <a:moveTo>
+                  <a:pt x="0" y="0"/>
+                </a:moveTo>
+                <a:lnTo>
+                  <a:pt x="5591" y="585"/>
+                </a:lnTo>
+                <a:lnTo>
+                  <a:pt x="4415" y="588"/>
+                </a:lnTo>
+                <a:lnTo>
+                  <a:pt x="12" y="4"/>
+                </a:lnTo>
+              </a:path>
+            </a:pathLst>
+          </a:custGeom>
+          <a:solidFill>
+            <a:srgbClr val="000000">
+              <a:alpha val="100000"/>
+            </a:srgbClr>
+          </a:solidFill>
+          <a:ln w="9525" cap="flat" cmpd="sng" algn="ctr">
+            <a:noFill/>
+            <a:prstDash val="solid"/>
+            <a:round/>
+            <a:headEnd type="none" w="med" len="med"/>
+            <a:tailEnd type="none" w="med" len="med"/>
+          </a:ln>
+          <a:effectLst/>
+        </p:spPr>
+        <p:txBody>
+          <a:bodyPr vert="horz" wrap="square" lIns="91440" tIns="45720" rIns="91440" bIns="45720" anchor="t" compatLnSpc="1"/>
+          <a:lstStyle>
+            <a:extLst/>
+          </a:lstStyle>
+          <a:p>
+            <a:endParaRPr kumimoji="0" lang="en-US"/>
+          </a:p>
+        </p:txBody>
+      </p:sp>
+      <p:sp>
+        <p:nvSpPr>
+          <p:cNvPr id="14" name="Right Triangle 13"/>
+          <p:cNvSpPr>
+            <a:spLocks/>
+          </p:cNvSpPr>
+          <p:nvPr/>
+        </p:nvSpPr>
+        <p:spPr bwMode="auto">
+          <a:xfrm>
+            <a:off x="-8056" y="5791253"/>
+            <a:ext cx="4536419" cy="1080868"/>
+          </a:xfrm>
+          <a:prstGeom prst="rtTriangle">
+            <a:avLst/>
+          </a:prstGeom>
+          <a:blipFill>
+            <a:blip r:embed="rId13">
+              <a:alphaModFix amt="50000"/>
+            </a:blip>
+            <a:tile tx="0" ty="0" sx="50000" sy="50000" flip="none" algn="t"/>
+          </a:blipFill>
+          <a:ln w="12700" cap="rnd" cmpd="thickThin" algn="ctr">
+            <a:noFill/>
+            <a:prstDash val="solid"/>
+          </a:ln>
+          <a:effectLst>
+            <a:fillOverlay blend="mult">
+              <a:gradFill flip="none" rotWithShape="1">
+                <a:gsLst>
+                  <a:gs pos="0">
+                    <a:schemeClr val="accent1">
+                      <a:shade val="20000"/>
+                      <a:satMod val="176000"/>
+                      <a:alpha val="100000"/>
+                    </a:schemeClr>
+                  </a:gs>
+                  <a:gs pos="18000">
+                    <a:schemeClr val="accent1">
+                      <a:shade val="48000"/>
+                      <a:satMod val="153000"/>
+                      <a:alpha val="100000"/>
+                    </a:schemeClr>
+                  </a:gs>
+                  <a:gs pos="43000">
+                    <a:schemeClr val="accent1">
+                      <a:tint val="86000"/>
+                      <a:satMod val="149000"/>
+                      <a:alpha val="100000"/>
+                    </a:schemeClr>
+                  </a:gs>
+                  <a:gs pos="45000">
+                    <a:schemeClr val="accent1">
+                      <a:tint val="85000"/>
+                      <a:satMod val="150000"/>
+                      <a:alpha val="100000"/>
+                    </a:schemeClr>
+                  </a:gs>
+                  <a:gs pos="50000">
+                    <a:schemeClr val="accent1">
+                      <a:tint val="86000"/>
+                      <a:satMod val="149000"/>
+                      <a:alpha val="100000"/>
+                    </a:schemeClr>
+                  </a:gs>
+                  <a:gs pos="79000">
+                    <a:schemeClr val="accent1">
+                      <a:shade val="53000"/>
+                      <a:satMod val="150000"/>
+                      <a:alpha val="100000"/>
+                    </a:schemeClr>
+                  </a:gs>
+                  <a:gs pos="100000">
+                    <a:schemeClr val="accent1">
+                      <a:shade val="25000"/>
+                      <a:satMod val="170000"/>
+                      <a:alpha val="100000"/>
+                    </a:schemeClr>
+                  </a:gs>
+                </a:gsLst>
+                <a:lin ang="450000" scaled="1"/>
+                <a:tileRect/>
+              </a:gradFill>
+            </a:fillOverlay>
+          </a:effectLst>
+        </p:spPr>
+        <p:style>
+          <a:lnRef idx="3">
+            <a:schemeClr val="lt1"/>
+          </a:lnRef>
+          <a:fillRef idx="1">
+            <a:schemeClr val="accent1"/>
+          </a:fillRef>
+          <a:effectRef idx="1">
+            <a:schemeClr val="accent1"/>
+          </a:effectRef>
+          <a:fontRef idx="minor">
+            <a:schemeClr val="lt1"/>
+          </a:fontRef>
+        </p:style>
+        <p:txBody>
+          <a:bodyPr vert="horz" wrap="square" lIns="91440" tIns="45720" rIns="91440" bIns="45720" anchor="ctr" compatLnSpc="1"/>
+          <a:lstStyle>
+            <a:extLst/>
+          </a:lstStyle>
+          <a:p>
+            <a:pPr algn="ctr" eaLnBrk="1" latinLnBrk="0" hangingPunct="1"/>
+            <a:endParaRPr kumimoji="0" lang="en-US"/>
+          </a:p>
+        </p:txBody>
+      </p:sp>
+      <p:cxnSp>
+        <p:nvCxnSpPr>
+          <p:cNvPr id="15" name="Straight Connector 14"/>
+          <p:cNvCxnSpPr/>
+          <p:nvPr/>
+        </p:nvCxnSpPr>
+        <p:spPr>
+          <a:xfrm>
+            <a:off x="-12316" y="5787739"/>
+            <a:ext cx="4540679" cy="1084383"/>
+          </a:xfrm>
+          <a:prstGeom prst="line">
+            <a:avLst/>
+          </a:prstGeom>
+          <a:noFill/>
+          <a:ln w="12065" cap="flat" cmpd="sng" algn="ctr">
+            <a:gradFill>
+              <a:gsLst>
+                <a:gs pos="45000">
+                  <a:schemeClr val="accent1">
+                    <a:tint val="70000"/>
+                    <a:satMod val="110000"/>
+                  </a:schemeClr>
+                </a:gs>
+                <a:gs pos="15000">
+                  <a:schemeClr val="accent1">
+                    <a:shade val="40000"/>
+                    <a:satMod val="110000"/>
+                  </a:schemeClr>
+                </a:gs>
+              </a:gsLst>
+              <a:lin ang="5400000" scaled="1"/>
+            </a:gradFill>
+            <a:prstDash val="solid"/>
+            <a:miter lim="800000"/>
+          </a:ln>
+          <a:effectLst/>
+        </p:spPr>
+        <p:style>
+          <a:lnRef idx="2">
+            <a:schemeClr val="accent1"/>
+          </a:lnRef>
+          <a:fillRef idx="0">
+            <a:schemeClr val="accent1"/>
+          </a:fillRef>
+          <a:effectRef idx="1">
+            <a:schemeClr val="accent1"/>
+          </a:effectRef>
+          <a:fontRef idx="minor">
+            <a:schemeClr val="tx1"/>
+          </a:fontRef>
+        </p:style>
+      </p:cxnSp>
+      <p:sp>
+        <p:nvSpPr>
+          <p:cNvPr id="9" name="Title Placeholder 8"/>
+          <p:cNvSpPr>
+            <a:spLocks noGrp="1"/>
+          </p:cNvSpPr>
+          <p:nvPr>
+            <p:ph type="title"/>
+          </p:nvPr>
+        </p:nvSpPr>
+        <p:spPr>
+          <a:xfrm>
+            <a:off x="609600" y="274638"/>
+            <a:ext cx="10972800" cy="1143000"/>
           </a:xfrm>
           <a:prstGeom prst="rect">
             <a:avLst/>
           </a:prstGeom>
         </p:spPr>
         <p:txBody>
-          <a:bodyPr vert="horz">
+          <a:bodyPr vert="horz" anchor="ctr">
             <a:normAutofit/>
+            <a:scene3d>
+              <a:camera prst="orthographicFront"/>
+              <a:lightRig rig="soft" dir="t"/>
+            </a:scene3d>
+            <a:sp3d prstMaterial="softEdge">
+              <a:bevelT w="25400" h="25400"/>
+            </a:sp3d>
           </a:bodyPr>
-          <a:lstStyle/>
-          <a:p>
-            <a:pPr lvl="0" eaLnBrk="1" latinLnBrk="0" hangingPunct="1"/>
+          <a:lstStyle>
+            <a:extLst/>
+          </a:lstStyle>
+          <a:p>
             <a:r>
               <a:rPr kumimoji="0" lang="en-US" smtClean="0"/>
-              <a:t>Click to edit Master text styles</a:t>
-            </a:r>
-          </a:p>
-          <a:p>
-            <a:pPr lvl="1" eaLnBrk="1" latinLnBrk="0" hangingPunct="1"/>
-            <a:r>
-              <a:rPr kumimoji="0" lang="en-US" smtClean="0"/>
-              <a:t>Second level</a:t>
-            </a:r>
-          </a:p>
-          <a:p>
-            <a:pPr lvl="2" eaLnBrk="1" latinLnBrk="0" hangingPunct="1"/>
-            <a:r>
-              <a:rPr kumimoji="0" lang="en-US" smtClean="0"/>
-              <a:t>Third level</a:t>
-            </a:r>
-          </a:p>
-          <a:p>
-            <a:pPr lvl="3" eaLnBrk="1" latinLnBrk="0" hangingPunct="1"/>
-            <a:r>
-              <a:rPr kumimoji="0" lang="en-US" smtClean="0"/>
-              <a:t>Fourth level</a:t>
-            </a:r>
-          </a:p>
-          <a:p>
-            <a:pPr lvl="4" eaLnBrk="1" latinLnBrk="0" hangingPunct="1"/>
-            <a:r>
-              <a:rPr kumimoji="0" lang="en-US" smtClean="0"/>
-              <a:t>Fifth level</a:t>
+              <a:t>Click to edit Master title style</a:t>
             </a:r>
             <a:endParaRPr kumimoji="0" lang="en-US"/>
           </a:p>
@@ -3243,110 +4598,174 @@
       </p:sp>
       <p:sp>
         <p:nvSpPr>
-          <p:cNvPr id="24" name="Date Placeholder 23"/>
+          <p:cNvPr id="30" name="Text Placeholder 29"/>
           <p:cNvSpPr>
             <a:spLocks noGrp="1"/>
           </p:cNvSpPr>
           <p:nvPr>
-            <p:ph type="dt" sz="half" idx="2"/>
+            <p:ph type="body" idx="1"/>
           </p:nvPr>
         </p:nvSpPr>
         <p:spPr>
           <a:xfrm>
-            <a:off x="7721600" y="6203667"/>
-            <a:ext cx="3454400" cy="384048"/>
+            <a:off x="609600" y="1481329"/>
+            <a:ext cx="10972800" cy="4525963"/>
           </a:xfrm>
           <a:prstGeom prst="rect">
             <a:avLst/>
           </a:prstGeom>
         </p:spPr>
         <p:txBody>
-          <a:bodyPr vert="horz" anchor="ctr" anchorCtr="0"/>
+          <a:bodyPr vert="horz">
+            <a:normAutofit/>
+          </a:bodyPr>
           <a:lstStyle>
-            <a:lvl1pPr algn="l" eaLnBrk="1" latinLnBrk="0" hangingPunct="1">
-              <a:defRPr kumimoji="0" sz="1200">
-                <a:solidFill>
-                  <a:schemeClr val="tx2"/>
-                </a:solidFill>
-              </a:defRPr>
-            </a:lvl1pPr>
+            <a:extLst/>
           </a:lstStyle>
           <a:p>
-            <a:fld id="{B09EAEE1-3CD0-4DFE-9865-EEDFCBBE01D8}" type="datetimeFigureOut">
-              <a:rPr lang="en-US" smtClean="0"/>
-              <a:t>1/5/2024</a:t>
-            </a:fld>
-            <a:endParaRPr lang="en-US" dirty="0"/>
-          </a:p>
-        </p:txBody>
-      </p:sp>
-      <p:sp>
-        <p:nvSpPr>
-          <p:cNvPr id="10" name="Footer Placeholder 9"/>
+            <a:pPr lvl="0" eaLnBrk="1" latinLnBrk="0" hangingPunct="1"/>
+            <a:r>
+              <a:rPr kumimoji="0" lang="en-US" smtClean="0"/>
+              <a:t>Click to edit Master text styles</a:t>
+            </a:r>
+          </a:p>
+          <a:p>
+            <a:pPr lvl="1" eaLnBrk="1" latinLnBrk="0" hangingPunct="1"/>
+            <a:r>
+              <a:rPr kumimoji="0" lang="en-US" smtClean="0"/>
+              <a:t>Second level</a:t>
+            </a:r>
+          </a:p>
+          <a:p>
+            <a:pPr lvl="2" eaLnBrk="1" latinLnBrk="0" hangingPunct="1"/>
+            <a:r>
+              <a:rPr kumimoji="0" lang="en-US" smtClean="0"/>
+              <a:t>Third level</a:t>
+            </a:r>
+          </a:p>
+          <a:p>
+            <a:pPr lvl="3" eaLnBrk="1" latinLnBrk="0" hangingPunct="1"/>
+            <a:r>
+              <a:rPr kumimoji="0" lang="en-US" smtClean="0"/>
+              <a:t>Fourth level</a:t>
+            </a:r>
+          </a:p>
+          <a:p>
+            <a:pPr lvl="4" eaLnBrk="1" latinLnBrk="0" hangingPunct="1"/>
+            <a:r>
+              <a:rPr kumimoji="0" lang="en-US" smtClean="0"/>
+              <a:t>Fifth level</a:t>
+            </a:r>
+            <a:endParaRPr kumimoji="0" lang="en-US"/>
+          </a:p>
+        </p:txBody>
+      </p:sp>
+      <p:sp>
+        <p:nvSpPr>
+          <p:cNvPr id="10" name="Date Placeholder 9"/>
           <p:cNvSpPr>
             <a:spLocks noGrp="1"/>
           </p:cNvSpPr>
           <p:nvPr>
-            <p:ph type="ftr" sz="quarter" idx="3"/>
+            <p:ph type="dt" sz="half" idx="2"/>
           </p:nvPr>
         </p:nvSpPr>
         <p:spPr>
           <a:xfrm>
-            <a:off x="2844800" y="6203667"/>
-            <a:ext cx="4775200" cy="384048"/>
+            <a:off x="8969376" y="6407944"/>
+            <a:ext cx="2560320" cy="365760"/>
           </a:xfrm>
           <a:prstGeom prst="rect">
             <a:avLst/>
           </a:prstGeom>
         </p:spPr>
         <p:txBody>
-          <a:bodyPr vert="horz" anchor="ctr" anchorCtr="0"/>
+          <a:bodyPr vert="horz" anchor="b"/>
           <a:lstStyle>
-            <a:lvl1pPr algn="r" eaLnBrk="1" latinLnBrk="0" hangingPunct="1">
-              <a:defRPr kumimoji="0" sz="1200">
+            <a:lvl1pPr algn="l" eaLnBrk="1" latinLnBrk="0" hangingPunct="1">
+              <a:defRPr kumimoji="0" sz="1000">
                 <a:solidFill>
-                  <a:schemeClr val="tx2"/>
+                  <a:schemeClr val="tx1"/>
                 </a:solidFill>
               </a:defRPr>
             </a:lvl1pPr>
+            <a:extLst/>
           </a:lstStyle>
           <a:p>
-            <a:endParaRPr lang="en-US" dirty="0"/>
-          </a:p>
-        </p:txBody>
-      </p:sp>
-      <p:sp>
-        <p:nvSpPr>
-          <p:cNvPr id="22" name="Slide Number Placeholder 21"/>
+            <a:fld id="{B09EAEE1-3CD0-4DFE-9865-EEDFCBBE01D8}" type="datetimeFigureOut">
+              <a:rPr lang="en-US" smtClean="0"/>
+              <a:t>1/5/2024</a:t>
+            </a:fld>
+            <a:endParaRPr lang="en-US" dirty="0"/>
+          </a:p>
+        </p:txBody>
+      </p:sp>
+      <p:sp>
+        <p:nvSpPr>
+          <p:cNvPr id="22" name="Footer Placeholder 21"/>
           <p:cNvSpPr>
             <a:spLocks noGrp="1"/>
           </p:cNvSpPr>
           <p:nvPr>
-            <p:ph type="sldNum" sz="quarter" idx="4"/>
+            <p:ph type="ftr" sz="quarter" idx="3"/>
           </p:nvPr>
         </p:nvSpPr>
         <p:spPr>
           <a:xfrm>
-            <a:off x="11214100" y="6181531"/>
-            <a:ext cx="812800" cy="457200"/>
+            <a:off x="5840097" y="6407945"/>
+            <a:ext cx="3134241" cy="365125"/>
           </a:xfrm>
           <a:prstGeom prst="rect">
             <a:avLst/>
           </a:prstGeom>
-          <a:noFill/>
         </p:spPr>
         <p:txBody>
-          <a:bodyPr vert="horz" lIns="0" tIns="0" rIns="0" bIns="0" anchor="ctr" anchorCtr="0">
-            <a:noAutofit/>
-          </a:bodyPr>
+          <a:bodyPr vert="horz" anchor="b"/>
           <a:lstStyle>
-            <a:lvl1pPr algn="ctr" eaLnBrk="1" latinLnBrk="0" hangingPunct="1">
-              <a:defRPr kumimoji="0" sz="1600" baseline="0">
+            <a:lvl1pPr algn="r" eaLnBrk="1" latinLnBrk="0" hangingPunct="1">
+              <a:defRPr kumimoji="0" sz="1000">
                 <a:solidFill>
-                  <a:schemeClr val="tx2"/>
+                  <a:schemeClr val="tx1"/>
                 </a:solidFill>
               </a:defRPr>
             </a:lvl1pPr>
+            <a:extLst/>
+          </a:lstStyle>
+          <a:p>
+            <a:endParaRPr lang="en-US" dirty="0"/>
+          </a:p>
+        </p:txBody>
+      </p:sp>
+      <p:sp>
+        <p:nvSpPr>
+          <p:cNvPr id="18" name="Slide Number Placeholder 17"/>
+          <p:cNvSpPr>
+            <a:spLocks noGrp="1"/>
+          </p:cNvSpPr>
+          <p:nvPr>
+            <p:ph type="sldNum" sz="quarter" idx="4"/>
+          </p:nvPr>
+        </p:nvSpPr>
+        <p:spPr>
+          <a:xfrm>
+            <a:off x="11529696" y="6407945"/>
+            <a:ext cx="487680" cy="365125"/>
+          </a:xfrm>
+          <a:prstGeom prst="rect">
+            <a:avLst/>
+          </a:prstGeom>
+        </p:spPr>
+        <p:txBody>
+          <a:bodyPr vert="horz" anchor="b"/>
+          <a:lstStyle>
+            <a:lvl1pPr algn="r" eaLnBrk="1" latinLnBrk="0" hangingPunct="1">
+              <a:defRPr kumimoji="0" sz="1000" b="0">
+                <a:solidFill>
+                  <a:schemeClr val="tx1"/>
+                </a:solidFill>
+              </a:defRPr>
+            </a:lvl1pPr>
+            <a:extLst/>
           </a:lstStyle>
           <a:p>
             <a:fld id="{A2D09813-85C9-41D3-BDD6-F45F8168A58C}" type="slidenum">
@@ -3357,57 +4776,21 @@
           </a:p>
         </p:txBody>
       </p:sp>
-      <p:sp>
-        <p:nvSpPr>
-          <p:cNvPr id="5" name="Title Placeholder 4"/>
-          <p:cNvSpPr>
-            <a:spLocks noGrp="1"/>
-          </p:cNvSpPr>
-          <p:nvPr>
-            <p:ph type="title"/>
-          </p:nvPr>
-        </p:nvSpPr>
-        <p:spPr>
-          <a:xfrm>
-            <a:off x="609600" y="152400"/>
-            <a:ext cx="10972800" cy="1219200"/>
-          </a:xfrm>
-          <a:prstGeom prst="rect">
-            <a:avLst/>
-          </a:prstGeom>
-          <a:ln w="6350" cap="rnd">
-            <a:noFill/>
-          </a:ln>
-        </p:spPr>
-        <p:txBody>
-          <a:bodyPr vert="horz" anchor="b" anchorCtr="0">
-            <a:normAutofit/>
-          </a:bodyPr>
-          <a:lstStyle/>
-          <a:p>
-            <a:r>
-              <a:rPr kumimoji="0" lang="en-US" smtClean="0"/>
-              <a:t>Click to edit Master title style</a:t>
-            </a:r>
-            <a:endParaRPr kumimoji="0" lang="en-US"/>
-          </a:p>
-        </p:txBody>
-      </p:sp>
     </p:spTree>
   </p:cSld>
-  <p:clrMap bg1="dk1" tx1="lt1" bg2="dk2" tx2="lt2" accent1="accent1" accent2="accent2" accent3="accent3" accent4="accent4" accent5="accent5" accent6="accent6" hlink="hlink" folHlink="folHlink"/>
+  <p:clrMap bg1="lt1" tx1="dk1" bg2="lt2" tx2="dk2" accent1="accent1" accent2="accent2" accent3="accent3" accent4="accent4" accent5="accent5" accent6="accent6" hlink="hlink" folHlink="folHlink"/>
   <p:sldLayoutIdLst>
-    <p:sldLayoutId id="2147483865" r:id="rId1"/>
-    <p:sldLayoutId id="2147483866" r:id="rId2"/>
-    <p:sldLayoutId id="2147483867" r:id="rId3"/>
-    <p:sldLayoutId id="2147483868" r:id="rId4"/>
-    <p:sldLayoutId id="2147483869" r:id="rId5"/>
-    <p:sldLayoutId id="2147483870" r:id="rId6"/>
-    <p:sldLayoutId id="2147483871" r:id="rId7"/>
-    <p:sldLayoutId id="2147483872" r:id="rId8"/>
-    <p:sldLayoutId id="2147483873" r:id="rId9"/>
-    <p:sldLayoutId id="2147483874" r:id="rId10"/>
-    <p:sldLayoutId id="2147483875" r:id="rId11"/>
+    <p:sldLayoutId id="2147483925" r:id="rId1"/>
+    <p:sldLayoutId id="2147483926" r:id="rId2"/>
+    <p:sldLayoutId id="2147483927" r:id="rId3"/>
+    <p:sldLayoutId id="2147483928" r:id="rId4"/>
+    <p:sldLayoutId id="2147483929" r:id="rId5"/>
+    <p:sldLayoutId id="2147483930" r:id="rId6"/>
+    <p:sldLayoutId id="2147483931" r:id="rId7"/>
+    <p:sldLayoutId id="2147483932" r:id="rId8"/>
+    <p:sldLayoutId id="2147483933" r:id="rId9"/>
+    <p:sldLayoutId id="2147483934" r:id="rId10"/>
+    <p:sldLayoutId id="2147483935" r:id="rId11"/>
   </p:sldLayoutIdLst>
   <p:hf sldNum="0" hdr="0" ftr="0" dt="0"/>
   <p:txStyles>
@@ -3417,45 +4800,39 @@
           <a:spcPct val="0"/>
         </a:spcBef>
         <a:buNone/>
-        <a:defRPr kumimoji="0" lang="en-US" sz="4200" b="0" kern="1200" spc="-100" baseline="0" dirty="0">
-          <a:ln w="3200">
-            <a:solidFill>
-              <a:schemeClr val="bg2">
-                <a:shade val="75000"/>
-                <a:alpha val="25000"/>
-              </a:schemeClr>
-            </a:solidFill>
-            <a:prstDash val="solid"/>
-            <a:round/>
-          </a:ln>
+        <a:defRPr kumimoji="0" sz="4100" b="1" kern="1200">
           <a:solidFill>
-            <a:srgbClr val="F9F9F9"/>
+            <a:schemeClr val="tx2"/>
           </a:solidFill>
           <a:effectLst>
-            <a:innerShdw blurRad="50800" dist="25400" dir="13500000">
-              <a:prstClr val="black">
-                <a:alpha val="70000"/>
-              </a:prstClr>
-            </a:innerShdw>
+            <a:outerShdw blurRad="31750" dist="25400" dir="5400000" algn="tl" rotWithShape="0">
+              <a:srgbClr val="000000">
+                <a:alpha val="25000"/>
+              </a:srgbClr>
+            </a:outerShdw>
           </a:effectLst>
           <a:latin typeface="+mj-lt"/>
           <a:ea typeface="+mj-ea"/>
           <a:cs typeface="+mj-cs"/>
         </a:defRPr>
       </a:lvl1pPr>
+      <a:extLst/>
     </p:titleStyle>
     <p:bodyStyle>
-      <a:lvl1pPr marL="274320" indent="-274320" algn="l" rtl="0" eaLnBrk="1" latinLnBrk="0" hangingPunct="1">
+      <a:lvl1pPr marL="365760" indent="-256032" algn="l" rtl="0" eaLnBrk="1" latinLnBrk="0" hangingPunct="1">
         <a:spcBef>
-          <a:spcPts val="600"/>
+          <a:spcPts val="400"/>
         </a:spcBef>
+        <a:spcAft>
+          <a:spcPts val="0"/>
+        </a:spcAft>
         <a:buClr>
-          <a:schemeClr val="accent2"/>
+          <a:schemeClr val="accent1"/>
         </a:buClr>
-        <a:buSzPct val="85000"/>
-        <a:buFont typeface="Wingdings 2"/>
-        <a:buChar char=""/>
-        <a:defRPr kumimoji="0" sz="2600" kern="1200">
+        <a:buSzPct val="68000"/>
+        <a:buFont typeface="Wingdings 3"/>
+        <a:buChar char=""/>
+        <a:defRPr kumimoji="0" sz="2700" kern="1200">
           <a:solidFill>
             <a:schemeClr val="tx1"/>
           </a:solidFill>
@@ -3464,39 +4841,34 @@
           <a:cs typeface="+mn-cs"/>
         </a:defRPr>
       </a:lvl1pPr>
-      <a:lvl2pPr marL="640080" indent="-274320" algn="l" rtl="0" eaLnBrk="1" latinLnBrk="0" hangingPunct="1">
+      <a:lvl2pPr marL="621792" indent="-228600" algn="l" rtl="0" eaLnBrk="1" latinLnBrk="0" hangingPunct="1">
         <a:spcBef>
-          <a:spcPts val="300"/>
+          <a:spcPts val="324"/>
         </a:spcBef>
         <a:buClr>
-          <a:schemeClr val="accent2">
-            <a:shade val="75000"/>
-          </a:schemeClr>
+          <a:schemeClr val="accent1"/>
         </a:buClr>
-        <a:buSzPct val="85000"/>
-        <a:buFont typeface="Wingdings 2"/>
-        <a:buChar char=""/>
-        <a:defRPr kumimoji="0" sz="2400" kern="1200">
+        <a:buFont typeface="Verdana"/>
+        <a:buChar char="◦"/>
+        <a:defRPr kumimoji="0" sz="2300" kern="1200">
           <a:solidFill>
-            <a:schemeClr val="tx2"/>
+            <a:schemeClr val="tx1"/>
           </a:solidFill>
           <a:latin typeface="+mn-lt"/>
           <a:ea typeface="+mn-ea"/>
           <a:cs typeface="+mn-cs"/>
         </a:defRPr>
       </a:lvl2pPr>
-      <a:lvl3pPr marL="1005840" indent="-228600" algn="l" rtl="0" eaLnBrk="1" latinLnBrk="0" hangingPunct="1">
+      <a:lvl3pPr marL="859536" indent="-228600" algn="l" rtl="0" eaLnBrk="1" latinLnBrk="0" hangingPunct="1">
         <a:spcBef>
-          <a:spcPts val="300"/>
+          <a:spcPts val="350"/>
         </a:spcBef>
         <a:buClr>
-          <a:schemeClr val="accent2">
-            <a:shade val="50000"/>
-          </a:schemeClr>
+          <a:schemeClr val="accent2"/>
         </a:buClr>
-        <a:buSzPct val="85000"/>
+        <a:buSzPct val="100000"/>
         <a:buFont typeface="Wingdings 2"/>
-        <a:buChar char=""/>
+        <a:buChar char=""/>
         <a:defRPr kumimoji="0" sz="2100" kern="1200">
           <a:solidFill>
             <a:schemeClr val="tx1"/>
@@ -3506,18 +4878,15 @@
           <a:cs typeface="+mn-cs"/>
         </a:defRPr>
       </a:lvl3pPr>
-      <a:lvl4pPr marL="1280160" indent="-228600" algn="l" rtl="0" eaLnBrk="1" latinLnBrk="0" hangingPunct="1">
+      <a:lvl4pPr marL="1143000" indent="-228600" algn="l" rtl="0" eaLnBrk="1" latinLnBrk="0" hangingPunct="1">
         <a:spcBef>
-          <a:spcPts val="300"/>
+          <a:spcPts val="350"/>
         </a:spcBef>
         <a:buClr>
-          <a:schemeClr val="accent2">
-            <a:shade val="75000"/>
-          </a:schemeClr>
+          <a:schemeClr val="accent2"/>
         </a:buClr>
-        <a:buSzPct val="85000"/>
-        <a:buFont typeface="Wingdings 2" pitchFamily="18" charset="2"/>
-        <a:buChar char=""/>
+        <a:buFont typeface="Wingdings 2"/>
+        <a:buChar char=""/>
         <a:defRPr kumimoji="0" sz="1900" kern="1200">
           <a:solidFill>
             <a:schemeClr val="tx1"/>
@@ -3527,18 +4896,51 @@
           <a:cs typeface="+mn-cs"/>
         </a:defRPr>
       </a:lvl4pPr>
-      <a:lvl5pPr marL="1554480" indent="-228600" algn="l" rtl="0" eaLnBrk="1" latinLnBrk="0" hangingPunct="1">
+      <a:lvl5pPr marL="1371600" indent="-228600" algn="l" rtl="0" eaLnBrk="1" latinLnBrk="0" hangingPunct="1">
         <a:spcBef>
-          <a:spcPts val="340"/>
+          <a:spcPts val="350"/>
         </a:spcBef>
         <a:buClr>
-          <a:schemeClr val="accent2">
-            <a:shade val="75000"/>
-          </a:schemeClr>
+          <a:schemeClr val="accent2"/>
         </a:buClr>
-        <a:buSzPct val="85000"/>
-        <a:buFont typeface="Wingdings 2" pitchFamily="18" charset="2"/>
-        <a:buChar char=""/>
+        <a:buFont typeface="Wingdings 2"/>
+        <a:buChar char=""/>
+        <a:defRPr kumimoji="0" sz="1800" kern="1200">
+          <a:solidFill>
+            <a:schemeClr val="tx1"/>
+          </a:solidFill>
+          <a:latin typeface="+mn-lt"/>
+          <a:ea typeface="+mn-ea"/>
+          <a:cs typeface="+mn-cs"/>
+        </a:defRPr>
+      </a:lvl5pPr>
+      <a:lvl6pPr marL="1600200" indent="-228600" algn="l" rtl="0" eaLnBrk="1" latinLnBrk="0" hangingPunct="1">
+        <a:spcBef>
+          <a:spcPts val="350"/>
+        </a:spcBef>
+        <a:buClr>
+          <a:schemeClr val="accent3"/>
+        </a:buClr>
+        <a:buFont typeface="Wingdings 2"/>
+        <a:buChar char=""/>
+        <a:defRPr kumimoji="0" sz="1800" kern="1200">
+          <a:solidFill>
+            <a:schemeClr val="tx1"/>
+          </a:solidFill>
+          <a:latin typeface="+mn-lt"/>
+          <a:ea typeface="+mn-ea"/>
+          <a:cs typeface="+mn-cs"/>
+        </a:defRPr>
+      </a:lvl6pPr>
+      <a:lvl7pPr marL="1828800" indent="-228600" algn="l" rtl="0" eaLnBrk="1" latinLnBrk="0" hangingPunct="1">
+        <a:spcBef>
+          <a:spcPts val="350"/>
+        </a:spcBef>
+        <a:buClr>
+          <a:schemeClr val="accent3"/>
+        </a:buClr>
+        <a:buFont typeface="Wingdings 2"/>
+        <a:buChar char=""/>
         <a:defRPr kumimoji="0" sz="1600" kern="1200">
           <a:solidFill>
             <a:schemeClr val="tx1"/>
@@ -3547,20 +4949,17 @@
           <a:ea typeface="+mn-ea"/>
           <a:cs typeface="+mn-cs"/>
         </a:defRPr>
-      </a:lvl5pPr>
-      <a:lvl6pPr marL="1828800" indent="-228600" algn="l" rtl="0" eaLnBrk="1" latinLnBrk="0" hangingPunct="1">
+      </a:lvl7pPr>
+      <a:lvl8pPr marL="2057400" indent="-228600" algn="l" rtl="0" eaLnBrk="1" latinLnBrk="0" hangingPunct="1">
         <a:spcBef>
-          <a:spcPts val="340"/>
+          <a:spcPts val="350"/>
         </a:spcBef>
         <a:buClr>
-          <a:schemeClr val="accent2">
-            <a:shade val="75000"/>
-          </a:schemeClr>
+          <a:schemeClr val="accent3"/>
         </a:buClr>
-        <a:buSzPct val="85000"/>
-        <a:buFont typeface="Wingdings 2" pitchFamily="18" charset="2"/>
-        <a:buChar char="?"/>
-        <a:defRPr kumimoji="0" sz="1700" kern="1200">
+        <a:buFont typeface="Wingdings 2"/>
+        <a:buChar char=""/>
+        <a:defRPr kumimoji="0" sz="1600" kern="1200">
           <a:solidFill>
             <a:schemeClr val="tx1"/>
           </a:solidFill>
@@ -3568,19 +4967,16 @@
           <a:ea typeface="+mn-ea"/>
           <a:cs typeface="+mn-cs"/>
         </a:defRPr>
-      </a:lvl6pPr>
-      <a:lvl7pPr marL="2011680" indent="-182880" algn="l" rtl="0" eaLnBrk="1" latinLnBrk="0" hangingPunct="1">
+      </a:lvl8pPr>
+      <a:lvl9pPr marL="2286000" indent="-228600" algn="l" rtl="0" eaLnBrk="1" latinLnBrk="0" hangingPunct="1">
         <a:spcBef>
-          <a:spcPts val="340"/>
+          <a:spcPts val="350"/>
         </a:spcBef>
         <a:buClr>
-          <a:schemeClr val="accent2">
-            <a:shade val="75000"/>
-          </a:schemeClr>
+          <a:schemeClr val="accent3"/>
         </a:buClr>
-        <a:buSzPct val="85000"/>
-        <a:buFont typeface="Wingdings 2" pitchFamily="18" charset="2"/>
-        <a:buChar char="?"/>
+        <a:buFont typeface="Wingdings 2"/>
+        <a:buChar char=""/>
         <a:defRPr kumimoji="0" sz="1600" kern="1200" baseline="0">
           <a:solidFill>
             <a:schemeClr val="tx1"/>
@@ -3589,49 +4985,8 @@
           <a:ea typeface="+mn-ea"/>
           <a:cs typeface="+mn-cs"/>
         </a:defRPr>
-      </a:lvl7pPr>
-      <a:lvl8pPr marL="2286000" indent="-182880" algn="l" rtl="0" eaLnBrk="1" latinLnBrk="0" hangingPunct="1">
-        <a:spcBef>
-          <a:spcPts val="340"/>
-        </a:spcBef>
-        <a:buClr>
-          <a:schemeClr val="accent2">
-            <a:shade val="75000"/>
-          </a:schemeClr>
-        </a:buClr>
-        <a:buSzPct val="85000"/>
-        <a:buFont typeface="Wingdings 2" pitchFamily="18" charset="2"/>
-        <a:buChar char="?"/>
-        <a:defRPr kumimoji="0" sz="1500" kern="1200">
-          <a:solidFill>
-            <a:schemeClr val="tx1"/>
-          </a:solidFill>
-          <a:latin typeface="+mn-lt"/>
-          <a:ea typeface="+mn-ea"/>
-          <a:cs typeface="+mn-cs"/>
-        </a:defRPr>
-      </a:lvl8pPr>
-      <a:lvl9pPr marL="2560320" indent="-182880" algn="l" rtl="0" eaLnBrk="1" latinLnBrk="0" hangingPunct="1">
-        <a:spcBef>
-          <a:spcPts val="340"/>
-        </a:spcBef>
-        <a:buClr>
-          <a:schemeClr val="accent2">
-            <a:shade val="75000"/>
-          </a:schemeClr>
-        </a:buClr>
-        <a:buSzPct val="85000"/>
-        <a:buFont typeface="Wingdings 2" pitchFamily="18" charset="2"/>
-        <a:buChar char="?"/>
-        <a:defRPr kumimoji="0" sz="1500" kern="1200">
-          <a:solidFill>
-            <a:schemeClr val="tx1"/>
-          </a:solidFill>
-          <a:latin typeface="+mn-lt"/>
-          <a:ea typeface="+mn-ea"/>
-          <a:cs typeface="+mn-cs"/>
-        </a:defRPr>
       </a:lvl9pPr>
+      <a:extLst/>
     </p:bodyStyle>
     <p:otherStyle>
       <a:lvl1pPr marL="0" algn="l" rtl="0" eaLnBrk="1" latinLnBrk="0" hangingPunct="1">
@@ -3724,6 +5079,7 @@
           <a:cs typeface="+mn-cs"/>
         </a:defRPr>
       </a:lvl9pPr>
+      <a:extLst/>
     </p:otherStyle>
   </p:txStyles>
 </p:sldMaster>
@@ -3748,29 +5104,6 @@
       </p:grpSpPr>
       <p:sp>
         <p:nvSpPr>
-          <p:cNvPr id="3" name="Subtitle 2"/>
-          <p:cNvSpPr>
-            <a:spLocks noGrp="1" noEditPoints="1"/>
-          </p:cNvSpPr>
-          <p:nvPr>
-            <p:ph type="subTitle" idx="1"/>
-          </p:nvPr>
-        </p:nvSpPr>
-        <p:spPr/>
-        <p:txBody>
-          <a:bodyPr/>
-          <a:lstStyle/>
-          <a:p>
-            <a:r>
-              <a:rPr lang="en-US" b="1" dirty="0" smtClean="0"/>
-              <a:t>Mina Nazari</a:t>
-            </a:r>
-            <a:endParaRPr lang="en-US" b="1" dirty="0"/>
-          </a:p>
-        </p:txBody>
-      </p:sp>
-      <p:sp>
-        <p:nvSpPr>
           <p:cNvPr id="2" name="Title 1"/>
           <p:cNvSpPr>
             <a:spLocks noGrp="1" noEditPoints="1"/>
@@ -3787,20 +5120,39 @@
           <a:lstStyle/>
           <a:p>
             <a:r>
+              <a:rPr lang="en-CA" b="1" dirty="0" err="1" smtClean="0"/>
+              <a:t>RenewAgra</a:t>
+            </a:r>
+            <a:r>
               <a:rPr lang="en-CA" b="1" dirty="0" smtClean="0"/>
-              <a:t>RenewAgra </a:t>
+              <a:t> </a:t>
             </a:r>
             <a:r>
               <a:rPr lang="en-US" b="1" dirty="0" smtClean="0"/>
-              <a:t>Journey </a:t>
-            </a:r>
-            <a:r>
-              <a:rPr lang="en-US" b="1" dirty="0"/>
-              <a:t>Roadmap </a:t>
-            </a:r>
+              <a:t>Journey Roadmap Presentation</a:t>
+            </a:r>
+            <a:endParaRPr lang="en-US" b="1" dirty="0"/>
+          </a:p>
+        </p:txBody>
+      </p:sp>
+      <p:sp>
+        <p:nvSpPr>
+          <p:cNvPr id="3" name="Subtitle 2"/>
+          <p:cNvSpPr>
+            <a:spLocks noGrp="1" noEditPoints="1"/>
+          </p:cNvSpPr>
+          <p:nvPr>
+            <p:ph type="subTitle" idx="1"/>
+          </p:nvPr>
+        </p:nvSpPr>
+        <p:spPr/>
+        <p:txBody>
+          <a:bodyPr/>
+          <a:lstStyle/>
+          <a:p>
             <a:r>
               <a:rPr lang="en-US" b="1" dirty="0" smtClean="0"/>
-              <a:t>Presentation</a:t>
+              <a:t>Mina Nazari</a:t>
             </a:r>
             <a:endParaRPr lang="en-US" b="1" dirty="0"/>
           </a:p>
@@ -3851,7 +5203,7 @@
         <p:spPr/>
         <p:txBody>
           <a:bodyPr>
-            <a:normAutofit fontScale="92500" lnSpcReduction="20000"/>
+            <a:normAutofit fontScale="85000" lnSpcReduction="10000"/>
           </a:bodyPr>
           <a:lstStyle/>
           <a:p>
@@ -4033,7 +5385,7 @@
         <p:spPr/>
         <p:txBody>
           <a:bodyPr>
-            <a:normAutofit/>
+            <a:normAutofit lnSpcReduction="10000"/>
           </a:bodyPr>
           <a:lstStyle/>
           <a:p>
@@ -4315,7 +5667,7 @@
         <p:spPr/>
         <p:txBody>
           <a:bodyPr>
-            <a:normAutofit/>
+            <a:normAutofit lnSpcReduction="10000"/>
           </a:bodyPr>
           <a:lstStyle/>
           <a:p>
@@ -4439,7 +5791,7 @@
         <p:spPr/>
         <p:txBody>
           <a:bodyPr>
-            <a:normAutofit/>
+            <a:normAutofit fontScale="92500"/>
           </a:bodyPr>
           <a:lstStyle/>
           <a:p>
@@ -4723,7 +6075,7 @@
         <p:spPr/>
         <p:txBody>
           <a:bodyPr>
-            <a:normAutofit lnSpcReduction="10000"/>
+            <a:normAutofit fontScale="92500"/>
           </a:bodyPr>
           <a:lstStyle/>
           <a:p>
@@ -4885,7 +6237,7 @@
         <p:spPr/>
         <p:txBody>
           <a:bodyPr>
-            <a:normAutofit fontScale="92500"/>
+            <a:normAutofit fontScale="92500" lnSpcReduction="10000"/>
           </a:bodyPr>
           <a:lstStyle/>
           <a:p>
@@ -5295,7 +6647,6 @@
               <a:rPr lang="en-CA" b="1" dirty="0"/>
               <a:t>Overview of RenewAgra's Businesses</a:t>
             </a:r>
-            <a:endParaRPr lang="en-CA" b="1" dirty="0"/>
           </a:p>
         </p:txBody>
       </p:sp>
@@ -5474,7 +6825,7 @@
         <p:spPr/>
         <p:txBody>
           <a:bodyPr>
-            <a:normAutofit/>
+            <a:normAutofit lnSpcReduction="10000"/>
           </a:bodyPr>
           <a:lstStyle/>
           <a:p>
@@ -5721,7 +7072,7 @@
         <p:spPr/>
         <p:txBody>
           <a:bodyPr>
-            <a:normAutofit/>
+            <a:normAutofit lnSpcReduction="10000"/>
           </a:bodyPr>
           <a:lstStyle/>
           <a:p>
@@ -6372,7 +7723,7 @@
         <p:spPr/>
         <p:txBody>
           <a:bodyPr>
-            <a:normAutofit fontScale="85000" lnSpcReduction="10000"/>
+            <a:normAutofit fontScale="85000" lnSpcReduction="20000"/>
           </a:bodyPr>
           <a:lstStyle/>
           <a:p>
@@ -6810,7 +8161,7 @@
         <p:spPr/>
         <p:txBody>
           <a:bodyPr>
-            <a:normAutofit fontScale="92500" lnSpcReduction="20000"/>
+            <a:normAutofit fontScale="85000" lnSpcReduction="20000"/>
           </a:bodyPr>
           <a:lstStyle/>
           <a:p>
@@ -7623,7 +8974,7 @@
         <p:spPr/>
         <p:txBody>
           <a:bodyPr>
-            <a:normAutofit fontScale="85000" lnSpcReduction="10000"/>
+            <a:normAutofit fontScale="85000" lnSpcReduction="20000"/>
           </a:bodyPr>
           <a:lstStyle/>
           <a:p>
@@ -7789,7 +9140,7 @@
         <p:spPr/>
         <p:txBody>
           <a:bodyPr>
-            <a:normAutofit fontScale="92500" lnSpcReduction="20000"/>
+            <a:normAutofit fontScale="92500" lnSpcReduction="10000"/>
           </a:bodyPr>
           <a:lstStyle/>
           <a:p>
@@ -7900,7 +9251,6 @@
               <a:rPr lang="en-US" b="1" dirty="0"/>
               <a:t>Selection of Business Partner - PwC</a:t>
             </a:r>
-            <a:endParaRPr lang="en-US" b="1" dirty="0"/>
           </a:p>
         </p:txBody>
       </p:sp>
@@ -7925,9 +9275,9 @@
 </file>
 
 <file path=ppt/theme/theme1.xml><?xml version="1.0" encoding="utf-8"?>
-<a:theme xmlns:a="http://schemas.openxmlformats.org/drawingml/2006/main" name="Paper">
+<a:theme xmlns:a="http://schemas.openxmlformats.org/drawingml/2006/main" name="Concourse">
   <a:themeElements>
-    <a:clrScheme name="Paper">
+    <a:clrScheme name="Concourse">
       <a:dk1>
         <a:sysClr val="windowText" lastClr="000000"/>
       </a:dk1>
@@ -7935,52 +9285,52 @@
         <a:sysClr val="window" lastClr="FFFFFF"/>
       </a:lt1>
       <a:dk2>
-        <a:srgbClr val="444D26"/>
+        <a:srgbClr val="464646"/>
       </a:dk2>
       <a:lt2>
-        <a:srgbClr val="FEFAC9"/>
+        <a:srgbClr val="DEF5FA"/>
       </a:lt2>
       <a:accent1>
-        <a:srgbClr val="A5B592"/>
+        <a:srgbClr val="2DA2BF"/>
       </a:accent1>
       <a:accent2>
-        <a:srgbClr val="F3A447"/>
+        <a:srgbClr val="DA1F28"/>
       </a:accent2>
       <a:accent3>
-        <a:srgbClr val="E7BC29"/>
+        <a:srgbClr val="EB641B"/>
       </a:accent3>
       <a:accent4>
-        <a:srgbClr val="D092A7"/>
+        <a:srgbClr val="39639D"/>
       </a:accent4>
       <a:accent5>
-        <a:srgbClr val="9C85C0"/>
+        <a:srgbClr val="474B78"/>
       </a:accent5>
       <a:accent6>
-        <a:srgbClr val="809EC2"/>
+        <a:srgbClr val="7D3C4A"/>
       </a:accent6>
       <a:hlink>
-        <a:srgbClr val="8E58B6"/>
+        <a:srgbClr val="FF8119"/>
       </a:hlink>
       <a:folHlink>
-        <a:srgbClr val="7F6F6F"/>
+        <a:srgbClr val="44B9E8"/>
       </a:folHlink>
     </a:clrScheme>
-    <a:fontScheme name="Paper">
+    <a:fontScheme name="Concourse">
       <a:majorFont>
-        <a:latin typeface="Constantia"/>
+        <a:latin typeface="Lucida Sans Unicode"/>
         <a:ea typeface=""/>
         <a:cs typeface=""/>
-        <a:font script="Jpan" typeface="HG明朝E"/>
-        <a:font script="Hang" typeface="궁서"/>
-        <a:font script="Hans" typeface="华文新魏"/>
-        <a:font script="Hant" typeface="標楷體"/>
-        <a:font script="Arab" typeface="Times New Roman"/>
-        <a:font script="Hebr" typeface="Times New Roman"/>
-        <a:font script="Thai" typeface="Browallia New"/>
+        <a:font script="Jpan" typeface="ＭＳ Ｐゴシック"/>
+        <a:font script="Hang" typeface="맑은 고딕"/>
+        <a:font script="Hans" typeface="黑体"/>
+        <a:font script="Hant" typeface="微軟正黑體"/>
+        <a:font script="Arab" typeface="Arial"/>
+        <a:font script="Hebr" typeface="Arial"/>
+        <a:font script="Thai" typeface="Cordia New"/>
         <a:font script="Ethi" typeface="Nyala"/>
         <a:font script="Beng" typeface="Vrinda"/>
         <a:font script="Gujr" typeface="Shruti"/>
-        <a:font script="Khmr" typeface="MoolBoran"/>
+        <a:font script="Khmr" typeface="DaunPenh"/>
         <a:font script="Knda" typeface="Tunga"/>
         <a:font script="Guru" typeface="Raavi"/>
         <a:font script="Cans" typeface="Euphemia"/>
@@ -7997,25 +9347,24 @@
         <a:font script="Laoo" typeface="DokChampa"/>
         <a:font script="Sinh" typeface="Iskoola Pota"/>
         <a:font script="Mong" typeface="Mongolian Baiti"/>
-        <a:font script="Viet" typeface="Times New Roman"/>
         <a:font script="Uigh" typeface="Microsoft Uighur"/>
         <a:font script="Geor" typeface="Sylfaen"/>
       </a:majorFont>
       <a:minorFont>
-        <a:latin typeface="Constantia"/>
+        <a:latin typeface="Lucida Sans Unicode"/>
         <a:ea typeface=""/>
         <a:cs typeface=""/>
-        <a:font script="Jpan" typeface="HG明朝E"/>
-        <a:font script="Hang" typeface="궁서"/>
-        <a:font script="Hans" typeface="华文新魏"/>
-        <a:font script="Hant" typeface="標楷體"/>
-        <a:font script="Arab" typeface="Times New Roman"/>
-        <a:font script="Hebr" typeface="Times New Roman"/>
-        <a:font script="Thai" typeface="Browallia New"/>
+        <a:font script="Jpan" typeface="ＭＳ Ｐゴシック"/>
+        <a:font script="Hang" typeface="맑은 고딕"/>
+        <a:font script="Hans" typeface="黑体"/>
+        <a:font script="Hant" typeface="微軟正黑體"/>
+        <a:font script="Arab" typeface="Arial"/>
+        <a:font script="Hebr" typeface="Arial"/>
+        <a:font script="Thai" typeface="Cordia New"/>
         <a:font script="Ethi" typeface="Nyala"/>
         <a:font script="Beng" typeface="Vrinda"/>
         <a:font script="Gujr" typeface="Shruti"/>
-        <a:font script="Khmr" typeface="MoolBoran"/>
+        <a:font script="Khmr" typeface="DaunPenh"/>
         <a:font script="Knda" typeface="Tunga"/>
         <a:font script="Guru" typeface="Raavi"/>
         <a:font script="Cans" typeface="Euphemia"/>
@@ -8032,59 +9381,84 @@
         <a:font script="Laoo" typeface="DokChampa"/>
         <a:font script="Sinh" typeface="Iskoola Pota"/>
         <a:font script="Mong" typeface="Mongolian Baiti"/>
-        <a:font script="Viet" typeface="Times New Roman"/>
         <a:font script="Uigh" typeface="Microsoft Uighur"/>
         <a:font script="Geor" typeface="Sylfaen"/>
       </a:minorFont>
     </a:fontScheme>
-    <a:fmtScheme name="Paper">
+    <a:fmtScheme name="Concourse">
       <a:fillStyleLst>
         <a:solidFill>
           <a:schemeClr val="phClr"/>
         </a:solidFill>
-        <a:blipFill>
-          <a:blip xmlns:r="http://schemas.openxmlformats.org/officeDocument/2006/relationships" r:embed="rId1">
-            <a:duotone>
+        <a:gradFill rotWithShape="1">
+          <a:gsLst>
+            <a:gs pos="0">
               <a:schemeClr val="phClr">
-                <a:shade val="63000"/>
-                <a:tint val="82000"/>
+                <a:tint val="62000"/>
+                <a:satMod val="180000"/>
               </a:schemeClr>
+            </a:gs>
+            <a:gs pos="65000">
               <a:schemeClr val="phClr">
-                <a:tint val="10000"/>
-                <a:satMod val="400000"/>
+                <a:tint val="32000"/>
+                <a:satMod val="250000"/>
               </a:schemeClr>
-            </a:duotone>
-          </a:blip>
-          <a:tile tx="0" ty="0" sx="40000" sy="40000" flip="none" algn="tl"/>
-        </a:blipFill>
-        <a:blipFill>
-          <a:blip xmlns:r="http://schemas.openxmlformats.org/officeDocument/2006/relationships" r:embed="rId1">
-            <a:duotone>
+            </a:gs>
+            <a:gs pos="100000">
               <a:schemeClr val="phClr">
-                <a:shade val="40000"/>
+                <a:tint val="23000"/>
+                <a:satMod val="300000"/>
               </a:schemeClr>
+            </a:gs>
+          </a:gsLst>
+          <a:lin ang="16200000" scaled="0"/>
+        </a:gradFill>
+        <a:gradFill rotWithShape="1">
+          <a:gsLst>
+            <a:gs pos="0">
               <a:schemeClr val="phClr">
-                <a:tint val="42000"/>
+                <a:shade val="15000"/>
+                <a:satMod val="180000"/>
               </a:schemeClr>
-            </a:duotone>
-          </a:blip>
-          <a:tile tx="0" ty="0" sx="40000" sy="40000" flip="none" algn="tl"/>
-        </a:blipFill>
+            </a:gs>
+            <a:gs pos="50000">
+              <a:schemeClr val="phClr">
+                <a:shade val="45000"/>
+                <a:satMod val="170000"/>
+              </a:schemeClr>
+            </a:gs>
+            <a:gs pos="70000">
+              <a:schemeClr val="phClr">
+                <a:tint val="99000"/>
+                <a:shade val="65000"/>
+                <a:satMod val="155000"/>
+              </a:schemeClr>
+            </a:gs>
+            <a:gs pos="100000">
+              <a:schemeClr val="phClr">
+                <a:tint val="95500"/>
+                <a:shade val="100000"/>
+                <a:satMod val="155000"/>
+              </a:schemeClr>
+            </a:gs>
+          </a:gsLst>
+          <a:lin ang="16200000" scaled="0"/>
+        </a:gradFill>
       </a:fillStyleLst>
       <a:lnStyleLst>
-        <a:ln w="12700" cap="flat" cmpd="sng" algn="ctr">
+        <a:ln w="9525" cap="flat" cmpd="sng" algn="ctr">
           <a:solidFill>
             <a:schemeClr val="phClr"/>
           </a:solidFill>
           <a:prstDash val="solid"/>
         </a:ln>
-        <a:ln w="38100" cap="flat" cmpd="sng" algn="ctr">
+        <a:ln w="55000" cap="flat" cmpd="thickThin" algn="ctr">
           <a:solidFill>
             <a:schemeClr val="phClr"/>
           </a:solidFill>
           <a:prstDash val="solid"/>
         </a:ln>
-        <a:ln w="63500" cap="flat" cmpd="sng" algn="ctr">
+        <a:ln w="63500" cap="flat" cmpd="thickThin" algn="ctr">
           <a:solidFill>
             <a:schemeClr val="phClr"/>
           </a:solidFill>
@@ -8094,40 +9468,45 @@
       <a:effectStyleLst>
         <a:effectStyle>
           <a:effectLst>
-            <a:outerShdw blurRad="95000" rotWithShape="0">
+            <a:outerShdw blurRad="50800" dist="38100" dir="5400000" rotWithShape="0">
               <a:srgbClr val="000000">
-                <a:alpha val="50000"/>
+                <a:alpha val="35000"/>
               </a:srgbClr>
             </a:outerShdw>
-            <a:softEdge rad="12700"/>
           </a:effectLst>
         </a:effectStyle>
         <a:effectStyle>
           <a:effectLst>
-            <a:outerShdw blurRad="95000" rotWithShape="0">
+            <a:outerShdw blurRad="50800" dist="38100" dir="5400000" rotWithShape="0">
               <a:srgbClr val="000000">
-                <a:alpha val="50000"/>
+                <a:alpha val="35000"/>
               </a:srgbClr>
             </a:outerShdw>
-            <a:softEdge rad="12700"/>
           </a:effectLst>
         </a:effectStyle>
         <a:effectStyle>
           <a:effectLst>
-            <a:outerShdw blurRad="95000" algn="tl" rotWithShape="0">
+            <a:outerShdw blurRad="63500" dist="38100" dir="5400000" rotWithShape="0">
               <a:srgbClr val="000000">
-                <a:alpha val="50000"/>
+                <a:alpha val="45000"/>
               </a:srgbClr>
             </a:outerShdw>
           </a:effectLst>
           <a:scene3d>
-            <a:camera prst="orthographicFront"/>
-            <a:lightRig rig="soft" dir="t">
-              <a:rot lat="0" lon="0" rev="18000000"/>
+            <a:camera prst="orthographicFront" fov="0">
+              <a:rot lat="0" lon="0" rev="0"/>
+            </a:camera>
+            <a:lightRig rig="glow" dir="t">
+              <a:rot lat="0" lon="0" rev="6360000"/>
             </a:lightRig>
           </a:scene3d>
-          <a:sp3d prstMaterial="dkEdge">
-            <a:bevelT w="73660" h="44450" prst="riblet"/>
+          <a:sp3d contourW="1000" prstMaterial="flat">
+            <a:bevelT w="95250" h="101600"/>
+            <a:contourClr>
+              <a:schemeClr val="phClr">
+                <a:satMod val="300000"/>
+              </a:schemeClr>
+            </a:contourClr>
           </a:sp3d>
         </a:effectStyle>
       </a:effectStyleLst>
@@ -8135,38 +9514,44 @@
         <a:solidFill>
           <a:schemeClr val="phClr"/>
         </a:solidFill>
+        <a:gradFill rotWithShape="1">
+          <a:gsLst>
+            <a:gs pos="0">
+              <a:schemeClr val="phClr">
+                <a:tint val="55000"/>
+                <a:satMod val="300000"/>
+              </a:schemeClr>
+            </a:gs>
+            <a:gs pos="40000">
+              <a:schemeClr val="phClr">
+                <a:tint val="65000"/>
+                <a:satMod val="300000"/>
+              </a:schemeClr>
+            </a:gs>
+            <a:gs pos="100000">
+              <a:schemeClr val="phClr">
+                <a:shade val="65000"/>
+                <a:satMod val="300000"/>
+              </a:schemeClr>
+            </a:gs>
+          </a:gsLst>
+          <a:path path="circle">
+            <a:fillToRect l="65000" b="98000"/>
+          </a:path>
+        </a:gradFill>
         <a:blipFill>
           <a:blip xmlns:r="http://schemas.openxmlformats.org/officeDocument/2006/relationships" r:embed="rId1">
             <a:duotone>
               <a:schemeClr val="phClr">
-                <a:shade val="55000"/>
-                <a:alpha val="20000"/>
+                <a:shade val="60000"/>
+                <a:satMod val="110000"/>
               </a:schemeClr>
               <a:schemeClr val="phClr">
-                <a:tint val="40000"/>
-                <a:shade val="90000"/>
-                <a:satMod val="60000"/>
-                <a:alpha val="20000"/>
+                <a:tint val="95000"/>
               </a:schemeClr>
             </a:duotone>
           </a:blip>
-          <a:tile tx="0" ty="0" sx="58000" sy="38000" flip="none" algn="tl"/>
-        </a:blipFill>
-        <a:blipFill>
-          <a:blip xmlns:r="http://schemas.openxmlformats.org/officeDocument/2006/relationships" r:embed="rId2">
-            <a:duotone>
-              <a:schemeClr val="phClr">
-                <a:shade val="12000"/>
-                <a:satMod val="240000"/>
-              </a:schemeClr>
-              <a:schemeClr val="phClr">
-                <a:tint val="65000"/>
-              </a:schemeClr>
-            </a:duotone>
-          </a:blip>
-          <a:stretch>
-            <a:fillRect/>
-          </a:stretch>
+          <a:tile tx="0" ty="0" sx="50000" sy="50000" flip="none" algn="tl"/>
         </a:blipFill>
       </a:bgFillStyleLst>
     </a:fmtScheme>
